--- a/Slides/Lesson 2.2 Dividing into cases.pptx
+++ b/Slides/Lesson 2.2 Dividing into cases.pptx
@@ -6,23 +6,24 @@
     <p:sldMasterId id="2147483661" r:id="rId2"/>
   </p:sldMasterIdLst>
   <p:notesMasterIdLst>
-    <p:notesMasterId r:id="rId12"/>
+    <p:notesMasterId r:id="rId13"/>
   </p:notesMasterIdLst>
   <p:sldIdLst>
     <p:sldId id="256" r:id="rId3"/>
-    <p:sldId id="304" r:id="rId4"/>
-    <p:sldId id="311" r:id="rId5"/>
-    <p:sldId id="305" r:id="rId6"/>
-    <p:sldId id="309" r:id="rId7"/>
-    <p:sldId id="306" r:id="rId8"/>
-    <p:sldId id="312" r:id="rId9"/>
-    <p:sldId id="310" r:id="rId10"/>
-    <p:sldId id="292" r:id="rId11"/>
+    <p:sldId id="313" r:id="rId4"/>
+    <p:sldId id="304" r:id="rId5"/>
+    <p:sldId id="311" r:id="rId6"/>
+    <p:sldId id="305" r:id="rId7"/>
+    <p:sldId id="309" r:id="rId8"/>
+    <p:sldId id="306" r:id="rId9"/>
+    <p:sldId id="312" r:id="rId10"/>
+    <p:sldId id="310" r:id="rId11"/>
+    <p:sldId id="292" r:id="rId12"/>
   </p:sldIdLst>
   <p:sldSz cx="9144000" cy="6858000" type="screen4x3"/>
   <p:notesSz cx="6858000" cy="9144000"/>
   <p:custDataLst>
-    <p:tags r:id="rId13"/>
+    <p:tags r:id="rId14"/>
   </p:custDataLst>
   <p:defaultTextStyle>
     <a:defPPr>
@@ -125,6 +126,7 @@
         <p14:section name="Default Section" id="{F7FDD001-475F-4AF1-AEFC-78800D3D4D19}">
           <p14:sldIdLst>
             <p14:sldId id="256"/>
+            <p14:sldId id="313"/>
             <p14:sldId id="304"/>
             <p14:sldId id="311"/>
             <p14:sldId id="305"/>
@@ -237,7 +239,7 @@
           <a:p>
             <a:fld id="{0FAC78B3-EDCE-4187-A1AE-28620314FA32}" type="datetimeFigureOut">
               <a:rPr lang="en-US" smtClean="0"/>
-              <a:t>8/4/2015</a:t>
+              <a:t>8/13/2015</a:t>
             </a:fld>
             <a:endParaRPr lang="en-US" dirty="0"/>
           </a:p>
@@ -686,7 +688,7 @@
           <a:p>
             <a:fld id="{CA8B1E08-976E-451D-97C5-3D69BA983FFE}" type="datetime1">
               <a:rPr lang="en-US" smtClean="0"/>
-              <a:t>8/4/2015</a:t>
+              <a:t>8/13/2015</a:t>
             </a:fld>
             <a:endParaRPr lang="en-US" dirty="0"/>
           </a:p>
@@ -942,7 +944,7 @@
           <a:p>
             <a:fld id="{F33D5BC8-75F3-411B-AA7E-18F2517CF048}" type="datetime1">
               <a:rPr lang="en-US" smtClean="0"/>
-              <a:t>8/4/2015</a:t>
+              <a:t>8/13/2015</a:t>
             </a:fld>
             <a:endParaRPr lang="en-US" dirty="0"/>
           </a:p>
@@ -1108,7 +1110,7 @@
           <a:p>
             <a:fld id="{394448D4-AED6-43DB-A0F8-CD4938D2549C}" type="datetime1">
               <a:rPr lang="en-US" smtClean="0"/>
-              <a:t>8/4/2015</a:t>
+              <a:t>8/13/2015</a:t>
             </a:fld>
             <a:endParaRPr lang="en-US" dirty="0"/>
           </a:p>
@@ -1284,7 +1286,7 @@
           <a:p>
             <a:fld id="{160CE893-3A38-428F-89AB-E97AD9CAA95E}" type="datetime1">
               <a:rPr lang="en-US" smtClean="0"/>
-              <a:t>8/4/2015</a:t>
+              <a:t>8/13/2015</a:t>
             </a:fld>
             <a:endParaRPr lang="en-US" dirty="0"/>
           </a:p>
@@ -1541,7 +1543,7 @@
                 </a:solidFill>
               </a:rPr>
               <a:pPr/>
-              <a:t>8/4/2015</a:t>
+              <a:t>8/13/2015</a:t>
             </a:fld>
             <a:endParaRPr lang="en-US">
               <a:solidFill>
@@ -1756,7 +1758,7 @@
                 </a:solidFill>
               </a:rPr>
               <a:pPr/>
-              <a:t>8/4/2015</a:t>
+              <a:t>8/13/2015</a:t>
             </a:fld>
             <a:endParaRPr lang="en-US">
               <a:solidFill>
@@ -1970,7 +1972,7 @@
                 </a:solidFill>
               </a:rPr>
               <a:pPr/>
-              <a:t>8/4/2015</a:t>
+              <a:t>8/13/2015</a:t>
             </a:fld>
             <a:endParaRPr lang="en-US">
               <a:solidFill>
@@ -2281,7 +2283,7 @@
                 </a:solidFill>
               </a:rPr>
               <a:pPr/>
-              <a:t>8/4/2015</a:t>
+              <a:t>8/13/2015</a:t>
             </a:fld>
             <a:endParaRPr lang="en-US">
               <a:solidFill>
@@ -2498,7 +2500,7 @@
                 </a:solidFill>
               </a:rPr>
               <a:pPr/>
-              <a:t>8/4/2015</a:t>
+              <a:t>8/13/2015</a:t>
             </a:fld>
             <a:endParaRPr lang="en-US">
               <a:solidFill>
@@ -2832,7 +2834,7 @@
                 </a:solidFill>
               </a:rPr>
               <a:pPr/>
-              <a:t>8/4/2015</a:t>
+              <a:t>8/13/2015</a:t>
             </a:fld>
             <a:endParaRPr lang="en-US">
               <a:solidFill>
@@ -3152,7 +3154,7 @@
                 </a:solidFill>
               </a:rPr>
               <a:pPr/>
-              <a:t>8/4/2015</a:t>
+              <a:t>8/13/2015</a:t>
             </a:fld>
             <a:endParaRPr lang="en-US">
               <a:solidFill>
@@ -3359,7 +3361,7 @@
           <a:p>
             <a:fld id="{DC7A6930-E356-4864-92C1-40AC7A5201AA}" type="datetime1">
               <a:rPr lang="en-US" smtClean="0"/>
-              <a:t>8/4/2015</a:t>
+              <a:t>8/13/2015</a:t>
             </a:fld>
             <a:endParaRPr lang="en-US" dirty="0"/>
           </a:p>
@@ -3791,7 +3793,7 @@
                 </a:solidFill>
               </a:rPr>
               <a:pPr/>
-              <a:t>8/4/2015</a:t>
+              <a:t>8/13/2015</a:t>
             </a:fld>
             <a:endParaRPr lang="en-US">
               <a:solidFill>
@@ -3941,7 +3943,7 @@
                 </a:solidFill>
               </a:rPr>
               <a:pPr/>
-              <a:t>8/4/2015</a:t>
+              <a:t>8/13/2015</a:t>
             </a:fld>
             <a:endParaRPr lang="en-US">
               <a:solidFill>
@@ -4075,7 +4077,7 @@
                 </a:solidFill>
               </a:rPr>
               <a:pPr/>
-              <a:t>8/4/2015</a:t>
+              <a:t>8/13/2015</a:t>
             </a:fld>
             <a:endParaRPr lang="en-US">
               <a:solidFill>
@@ -4384,7 +4386,7 @@
                 </a:solidFill>
               </a:rPr>
               <a:pPr/>
-              <a:t>8/4/2015</a:t>
+              <a:t>8/13/2015</a:t>
             </a:fld>
             <a:endParaRPr lang="en-US">
               <a:solidFill>
@@ -4669,7 +4671,7 @@
                 </a:solidFill>
               </a:rPr>
               <a:pPr/>
-              <a:t>8/4/2015</a:t>
+              <a:t>8/13/2015</a:t>
             </a:fld>
             <a:endParaRPr lang="en-US">
               <a:solidFill>
@@ -4871,7 +4873,7 @@
                 </a:solidFill>
               </a:rPr>
               <a:pPr/>
-              <a:t>8/4/2015</a:t>
+              <a:t>8/13/2015</a:t>
             </a:fld>
             <a:endParaRPr lang="en-US">
               <a:solidFill>
@@ -5083,7 +5085,7 @@
                 </a:solidFill>
               </a:rPr>
               <a:pPr/>
-              <a:t>8/4/2015</a:t>
+              <a:t>8/13/2015</a:t>
             </a:fld>
             <a:endParaRPr lang="en-US">
               <a:solidFill>
@@ -5289,7 +5291,7 @@
           <a:p>
             <a:fld id="{45C1EE53-8F27-4821-8161-190499C0D007}" type="datetime1">
               <a:rPr lang="en-US" smtClean="0"/>
-              <a:t>8/4/2015</a:t>
+              <a:t>8/13/2015</a:t>
             </a:fld>
             <a:endParaRPr lang="en-US" dirty="0"/>
           </a:p>
@@ -5542,7 +5544,7 @@
           <a:p>
             <a:fld id="{0D423975-99FA-4807-B1B4-A59DEFED898A}" type="datetime1">
               <a:rPr lang="en-US" smtClean="0"/>
-              <a:t>8/4/2015</a:t>
+              <a:t>8/13/2015</a:t>
             </a:fld>
             <a:endParaRPr lang="en-US" dirty="0"/>
           </a:p>
@@ -5826,7 +5828,7 @@
           <a:p>
             <a:fld id="{90F7752F-4922-4BAA-9C20-D4DAF4ED08B5}" type="datetime1">
               <a:rPr lang="en-US" smtClean="0"/>
-              <a:t>8/4/2015</a:t>
+              <a:t>8/13/2015</a:t>
             </a:fld>
             <a:endParaRPr lang="en-US" dirty="0"/>
           </a:p>
@@ -6251,7 +6253,7 @@
           <a:p>
             <a:fld id="{3536A633-E76F-4E07-A3AE-A7A784889AE2}" type="datetime1">
               <a:rPr lang="en-US" smtClean="0"/>
-              <a:t>8/4/2015</a:t>
+              <a:t>8/13/2015</a:t>
             </a:fld>
             <a:endParaRPr lang="en-US" dirty="0"/>
           </a:p>
@@ -6365,7 +6367,7 @@
           <a:p>
             <a:fld id="{61CB5BDE-D72B-4A3A-925B-2A5C22F639AF}" type="datetime1">
               <a:rPr lang="en-US" smtClean="0"/>
-              <a:t>8/4/2015</a:t>
+              <a:t>8/13/2015</a:t>
             </a:fld>
             <a:endParaRPr lang="en-US" dirty="0"/>
           </a:p>
@@ -6456,7 +6458,7 @@
           <a:p>
             <a:fld id="{A24C7B69-131B-4374-A9CC-0845A85B9B89}" type="datetime1">
               <a:rPr lang="en-US" smtClean="0"/>
-              <a:t>8/4/2015</a:t>
+              <a:t>8/13/2015</a:t>
             </a:fld>
             <a:endParaRPr lang="en-US" dirty="0"/>
           </a:p>
@@ -6736,7 +6738,7 @@
           <a:p>
             <a:fld id="{2F57E60E-10B6-4F85-8F8E-D3A8141030E0}" type="datetime1">
               <a:rPr lang="en-US" smtClean="0"/>
-              <a:t>8/4/2015</a:t>
+              <a:t>8/13/2015</a:t>
             </a:fld>
             <a:endParaRPr lang="en-US" dirty="0"/>
           </a:p>
@@ -6957,7 +6959,7 @@
           <a:p>
             <a:fld id="{8684A8BA-DEEC-47D2-87F9-8204232D7DB8}" type="datetime1">
               <a:rPr lang="en-US" smtClean="0"/>
-              <a:t>8/4/2015</a:t>
+              <a:t>8/13/2015</a:t>
             </a:fld>
             <a:endParaRPr lang="en-US" dirty="0"/>
           </a:p>
@@ -7479,7 +7481,7 @@
                 </a:solidFill>
               </a:rPr>
               <a:pPr/>
-              <a:t>8/4/2015</a:t>
+              <a:t>8/13/2015</a:t>
             </a:fld>
             <a:endParaRPr lang="en-US">
               <a:solidFill>
@@ -8102,6 +8104,123 @@
 </p:sld>
 </file>
 
+<file path=ppt/slides/slide10.xml><?xml version="1.0" encoding="utf-8"?>
+<p:sld xmlns:a="http://schemas.openxmlformats.org/drawingml/2006/main" xmlns:r="http://schemas.openxmlformats.org/officeDocument/2006/relationships" xmlns:p="http://schemas.openxmlformats.org/presentationml/2006/main">
+  <p:cSld>
+    <p:spTree>
+      <p:nvGrpSpPr>
+        <p:cNvPr id="1" name=""/>
+        <p:cNvGrpSpPr/>
+        <p:nvPr/>
+      </p:nvGrpSpPr>
+      <p:grpSpPr>
+        <a:xfrm>
+          <a:off x="0" y="0"/>
+          <a:ext cx="0" cy="0"/>
+          <a:chOff x="0" y="0"/>
+          <a:chExt cx="0" cy="0"/>
+        </a:xfrm>
+      </p:grpSpPr>
+      <p:sp>
+        <p:nvSpPr>
+          <p:cNvPr id="2" name="Title 1"/>
+          <p:cNvSpPr>
+            <a:spLocks noGrp="1"/>
+          </p:cNvSpPr>
+          <p:nvPr>
+            <p:ph type="title"/>
+          </p:nvPr>
+        </p:nvSpPr>
+        <p:spPr/>
+        <p:txBody>
+          <a:bodyPr/>
+          <a:lstStyle/>
+          <a:p>
+            <a:r>
+              <a:rPr lang="en-US" dirty="0" smtClean="0"/>
+              <a:t>Next Steps</a:t>
+            </a:r>
+            <a:endParaRPr lang="en-US" dirty="0"/>
+          </a:p>
+        </p:txBody>
+      </p:sp>
+      <p:sp>
+        <p:nvSpPr>
+          <p:cNvPr id="3" name="Content Placeholder 2"/>
+          <p:cNvSpPr>
+            <a:spLocks noGrp="1"/>
+          </p:cNvSpPr>
+          <p:nvPr>
+            <p:ph idx="1"/>
+          </p:nvPr>
+        </p:nvSpPr>
+        <p:spPr/>
+        <p:txBody>
+          <a:bodyPr/>
+          <a:lstStyle/>
+          <a:p>
+            <a:r>
+              <a:rPr lang="en-US" dirty="0"/>
+              <a:t>If you have questions or comments about this lesson, post them on the discussion board</a:t>
+            </a:r>
+            <a:r>
+              <a:rPr lang="en-US" dirty="0" smtClean="0"/>
+              <a:t>.</a:t>
+            </a:r>
+          </a:p>
+          <a:p>
+            <a:r>
+              <a:rPr lang="en-US" dirty="0" smtClean="0"/>
+              <a:t>Go on to the next lesson</a:t>
+            </a:r>
+            <a:endParaRPr lang="en-US" dirty="0"/>
+          </a:p>
+        </p:txBody>
+      </p:sp>
+      <p:sp>
+        <p:nvSpPr>
+          <p:cNvPr id="4" name="Slide Number Placeholder 3"/>
+          <p:cNvSpPr>
+            <a:spLocks noGrp="1"/>
+          </p:cNvSpPr>
+          <p:nvPr>
+            <p:ph type="sldNum" sz="quarter" idx="12"/>
+          </p:nvPr>
+        </p:nvSpPr>
+        <p:spPr/>
+        <p:txBody>
+          <a:bodyPr/>
+          <a:lstStyle/>
+          <a:p>
+            <a:fld id="{B6F15528-21DE-4FAA-801E-634DDDAF4B2B}" type="slidenum">
+              <a:rPr lang="en-US" smtClean="0"/>
+              <a:pPr/>
+              <a:t>10</a:t>
+            </a:fld>
+            <a:endParaRPr lang="en-US" dirty="0"/>
+          </a:p>
+        </p:txBody>
+      </p:sp>
+    </p:spTree>
+    <p:extLst>
+      <p:ext uri="{BB962C8B-B14F-4D97-AF65-F5344CB8AC3E}">
+        <p14:creationId xmlns:p14="http://schemas.microsoft.com/office/powerpoint/2010/main" val="1504809691"/>
+      </p:ext>
+    </p:extLst>
+  </p:cSld>
+  <p:clrMapOvr>
+    <a:masterClrMapping/>
+  </p:clrMapOvr>
+  <p:timing>
+    <p:tnLst>
+      <p:par>
+        <p:cTn id="1" dur="indefinite" restart="never" nodeType="tmRoot"/>
+      </p:par>
+    </p:tnLst>
+  </p:timing>
+</p:sld>
+</file>
+
 <file path=ppt/slides/slide2.xml><?xml version="1.0" encoding="utf-8"?>
 <p:sld xmlns:a="http://schemas.openxmlformats.org/drawingml/2006/main" xmlns:r="http://schemas.openxmlformats.org/officeDocument/2006/relationships" xmlns:p="http://schemas.openxmlformats.org/presentationml/2006/main">
   <p:cSld>
@@ -8121,210 +8240,1532 @@
       </p:grpSpPr>
       <p:sp>
         <p:nvSpPr>
-          <p:cNvPr id="2" name="Title 1"/>
-          <p:cNvSpPr>
-            <a:spLocks noGrp="1"/>
-          </p:cNvSpPr>
-          <p:nvPr>
-            <p:ph type="title"/>
+          <p:cNvPr id="7" name="Rounded Rectangle 6"/>
+          <p:cNvSpPr/>
+          <p:nvPr/>
+        </p:nvSpPr>
+        <p:spPr>
+          <a:xfrm>
+            <a:off x="6400800" y="1757787"/>
+            <a:ext cx="1828800" cy="533400"/>
+          </a:xfrm>
+          <a:prstGeom prst="roundRect">
+            <a:avLst/>
+          </a:prstGeom>
+        </p:spPr>
+        <p:style>
+          <a:lnRef idx="0">
+            <a:schemeClr val="accent1"/>
+          </a:lnRef>
+          <a:fillRef idx="3">
+            <a:schemeClr val="accent1"/>
+          </a:fillRef>
+          <a:effectRef idx="3">
+            <a:schemeClr val="accent1"/>
+          </a:effectRef>
+          <a:fontRef idx="minor">
+            <a:schemeClr val="lt1"/>
+          </a:fontRef>
+        </p:style>
+        <p:txBody>
+          <a:bodyPr rtlCol="0" anchor="ctr"/>
+          <a:lstStyle/>
+          <a:p>
+            <a:pPr algn="ctr"/>
+            <a:r>
+              <a:rPr lang="en-US" dirty="0" smtClean="0"/>
+              <a:t>Generalization</a:t>
+            </a:r>
+            <a:endParaRPr lang="en-US" dirty="0"/>
+          </a:p>
+        </p:txBody>
+      </p:sp>
+      <p:sp>
+        <p:nvSpPr>
+          <p:cNvPr id="14" name="Rounded Rectangle 13"/>
+          <p:cNvSpPr/>
+          <p:nvPr/>
+        </p:nvSpPr>
+        <p:spPr>
+          <a:xfrm>
+            <a:off x="6400800" y="2564470"/>
+            <a:ext cx="1828800" cy="533400"/>
+          </a:xfrm>
+          <a:prstGeom prst="roundRect">
+            <a:avLst/>
+          </a:prstGeom>
+          <a:solidFill>
+            <a:schemeClr val="accent1">
+              <a:lumMod val="20000"/>
+              <a:lumOff val="80000"/>
+            </a:schemeClr>
+          </a:solidFill>
+        </p:spPr>
+        <p:style>
+          <a:lnRef idx="1">
+            <a:schemeClr val="accent1"/>
+          </a:lnRef>
+          <a:fillRef idx="2">
+            <a:schemeClr val="accent1"/>
+          </a:fillRef>
+          <a:effectRef idx="1">
+            <a:schemeClr val="accent1"/>
+          </a:effectRef>
+          <a:fontRef idx="minor">
+            <a:schemeClr val="dk1"/>
+          </a:fontRef>
+        </p:style>
+        <p:txBody>
+          <a:bodyPr rtlCol="0" anchor="ctr"/>
+          <a:lstStyle/>
+          <a:p>
+            <a:pPr algn="ctr"/>
+            <a:r>
+              <a:rPr lang="en-US" dirty="0" smtClean="0"/>
+              <a:t>Over Constants</a:t>
+            </a:r>
+            <a:endParaRPr lang="en-US" dirty="0"/>
+          </a:p>
+        </p:txBody>
+      </p:sp>
+      <p:sp>
+        <p:nvSpPr>
+          <p:cNvPr id="29" name="Rounded Rectangle 28"/>
+          <p:cNvSpPr/>
+          <p:nvPr/>
+        </p:nvSpPr>
+        <p:spPr>
+          <a:xfrm>
+            <a:off x="6400800" y="3371153"/>
+            <a:ext cx="1828800" cy="533400"/>
+          </a:xfrm>
+          <a:prstGeom prst="roundRect">
+            <a:avLst/>
+          </a:prstGeom>
+          <a:solidFill>
+            <a:schemeClr val="accent1">
+              <a:lumMod val="20000"/>
+              <a:lumOff val="80000"/>
+            </a:schemeClr>
+          </a:solidFill>
+        </p:spPr>
+        <p:style>
+          <a:lnRef idx="1">
+            <a:schemeClr val="accent1"/>
+          </a:lnRef>
+          <a:fillRef idx="2">
+            <a:schemeClr val="accent1"/>
+          </a:fillRef>
+          <a:effectRef idx="1">
+            <a:schemeClr val="accent1"/>
+          </a:effectRef>
+          <a:fontRef idx="minor">
+            <a:schemeClr val="dk1"/>
+          </a:fontRef>
+        </p:style>
+        <p:txBody>
+          <a:bodyPr rtlCol="0" anchor="ctr"/>
+          <a:lstStyle/>
+          <a:p>
+            <a:pPr algn="ctr"/>
+            <a:r>
+              <a:rPr lang="en-US" dirty="0" smtClean="0"/>
+              <a:t>Over Expressions</a:t>
+            </a:r>
+          </a:p>
+        </p:txBody>
+      </p:sp>
+      <p:sp>
+        <p:nvSpPr>
+          <p:cNvPr id="34" name="Rounded Rectangle 33"/>
+          <p:cNvSpPr/>
+          <p:nvPr/>
+        </p:nvSpPr>
+        <p:spPr>
+          <a:xfrm>
+            <a:off x="6400800" y="4177836"/>
+            <a:ext cx="1828800" cy="533400"/>
+          </a:xfrm>
+          <a:prstGeom prst="roundRect">
+            <a:avLst/>
+          </a:prstGeom>
+          <a:solidFill>
+            <a:schemeClr val="accent1">
+              <a:lumMod val="20000"/>
+              <a:lumOff val="80000"/>
+            </a:schemeClr>
+          </a:solidFill>
+        </p:spPr>
+        <p:style>
+          <a:lnRef idx="1">
+            <a:schemeClr val="accent1"/>
+          </a:lnRef>
+          <a:fillRef idx="2">
+            <a:schemeClr val="accent1"/>
+          </a:fillRef>
+          <a:effectRef idx="1">
+            <a:schemeClr val="accent1"/>
+          </a:effectRef>
+          <a:fontRef idx="minor">
+            <a:schemeClr val="dk1"/>
+          </a:fontRef>
+        </p:style>
+        <p:txBody>
+          <a:bodyPr rtlCol="0" anchor="ctr"/>
+          <a:lstStyle/>
+          <a:p>
+            <a:pPr algn="ctr"/>
+            <a:r>
+              <a:rPr lang="en-US" dirty="0" smtClean="0"/>
+              <a:t>Over Contexts</a:t>
+            </a:r>
+            <a:endParaRPr lang="en-US" dirty="0"/>
+          </a:p>
+        </p:txBody>
+      </p:sp>
+      <p:sp>
+        <p:nvSpPr>
+          <p:cNvPr id="39" name="Rounded Rectangle 38"/>
+          <p:cNvSpPr/>
+          <p:nvPr/>
+        </p:nvSpPr>
+        <p:spPr>
+          <a:xfrm>
+            <a:off x="6400800" y="4984519"/>
+            <a:ext cx="1828800" cy="533400"/>
+          </a:xfrm>
+          <a:prstGeom prst="roundRect">
+            <a:avLst/>
+          </a:prstGeom>
+          <a:solidFill>
+            <a:schemeClr val="accent1">
+              <a:lumMod val="20000"/>
+              <a:lumOff val="80000"/>
+            </a:schemeClr>
+          </a:solidFill>
+        </p:spPr>
+        <p:style>
+          <a:lnRef idx="1">
+            <a:schemeClr val="accent1"/>
+          </a:lnRef>
+          <a:fillRef idx="2">
+            <a:schemeClr val="accent1"/>
+          </a:fillRef>
+          <a:effectRef idx="1">
+            <a:schemeClr val="accent1"/>
+          </a:effectRef>
+          <a:fontRef idx="minor">
+            <a:schemeClr val="dk1"/>
+          </a:fontRef>
+        </p:style>
+        <p:txBody>
+          <a:bodyPr rtlCol="0" anchor="ctr"/>
+          <a:lstStyle/>
+          <a:p>
+            <a:pPr algn="ctr"/>
+            <a:r>
+              <a:rPr lang="en-US" dirty="0" smtClean="0"/>
+              <a:t>Over Data Representations</a:t>
+            </a:r>
+            <a:endParaRPr lang="en-US" dirty="0"/>
+          </a:p>
+        </p:txBody>
+      </p:sp>
+      <p:sp>
+        <p:nvSpPr>
+          <p:cNvPr id="44" name="Rounded Rectangle 43"/>
+          <p:cNvSpPr/>
+          <p:nvPr/>
+        </p:nvSpPr>
+        <p:spPr>
+          <a:xfrm>
+            <a:off x="6400800" y="5791200"/>
+            <a:ext cx="1828800" cy="533400"/>
+          </a:xfrm>
+          <a:prstGeom prst="roundRect">
+            <a:avLst/>
+          </a:prstGeom>
+          <a:solidFill>
+            <a:schemeClr val="accent1">
+              <a:lumMod val="20000"/>
+              <a:lumOff val="80000"/>
+            </a:schemeClr>
+          </a:solidFill>
+        </p:spPr>
+        <p:style>
+          <a:lnRef idx="1">
+            <a:schemeClr val="accent1"/>
+          </a:lnRef>
+          <a:fillRef idx="2">
+            <a:schemeClr val="accent1"/>
+          </a:fillRef>
+          <a:effectRef idx="1">
+            <a:schemeClr val="accent1"/>
+          </a:effectRef>
+          <a:fontRef idx="minor">
+            <a:schemeClr val="dk1"/>
+          </a:fontRef>
+        </p:style>
+        <p:txBody>
+          <a:bodyPr rtlCol="0" anchor="ctr"/>
+          <a:lstStyle/>
+          <a:p>
+            <a:pPr algn="ctr"/>
+            <a:r>
+              <a:rPr lang="en-US" dirty="0" smtClean="0"/>
+              <a:t>Over Method Implementations</a:t>
+            </a:r>
+            <a:endParaRPr lang="en-US" dirty="0"/>
+          </a:p>
+        </p:txBody>
+      </p:sp>
+      <p:grpSp>
+        <p:nvGrpSpPr>
+          <p:cNvPr id="78" name="Group 77"/>
+          <p:cNvGrpSpPr/>
+          <p:nvPr/>
+        </p:nvGrpSpPr>
+        <p:grpSpPr>
+          <a:xfrm>
+            <a:off x="914400" y="951104"/>
+            <a:ext cx="1828800" cy="5373496"/>
+            <a:chOff x="476250" y="951104"/>
+            <a:chExt cx="1828800" cy="5373496"/>
+          </a:xfrm>
+        </p:grpSpPr>
+        <p:sp>
+          <p:nvSpPr>
+            <p:cNvPr id="22" name="Rounded Rectangle 21"/>
+            <p:cNvSpPr/>
+            <p:nvPr/>
+          </p:nvSpPr>
+          <p:spPr>
+            <a:xfrm>
+              <a:off x="476250" y="2564470"/>
+              <a:ext cx="1828800" cy="533400"/>
+            </a:xfrm>
+            <a:prstGeom prst="roundRect">
+              <a:avLst/>
+            </a:prstGeom>
+          </p:spPr>
+          <p:style>
+            <a:lnRef idx="2">
+              <a:schemeClr val="accent2">
+                <a:shade val="50000"/>
+              </a:schemeClr>
+            </a:lnRef>
+            <a:fillRef idx="1">
+              <a:schemeClr val="accent2"/>
+            </a:fillRef>
+            <a:effectRef idx="0">
+              <a:schemeClr val="accent2"/>
+            </a:effectRef>
+            <a:fontRef idx="minor">
+              <a:schemeClr val="lt1"/>
+            </a:fontRef>
+          </p:style>
+          <p:txBody>
+            <a:bodyPr rtlCol="0" anchor="ctr"/>
+            <a:lstStyle/>
+            <a:p>
+              <a:pPr algn="ctr"/>
+              <a:r>
+                <a:rPr lang="en-US" dirty="0" smtClean="0"/>
+                <a:t>Mixed Data</a:t>
+              </a:r>
+              <a:endParaRPr lang="en-US" dirty="0"/>
+            </a:p>
+          </p:txBody>
+        </p:sp>
+        <p:sp>
+          <p:nvSpPr>
+            <p:cNvPr id="5" name="Rounded Rectangle 4"/>
+            <p:cNvSpPr/>
+            <p:nvPr/>
+          </p:nvSpPr>
+          <p:spPr>
+            <a:xfrm>
+              <a:off x="476250" y="951104"/>
+              <a:ext cx="1828800" cy="533400"/>
+            </a:xfrm>
+            <a:prstGeom prst="roundRect">
+              <a:avLst/>
+            </a:prstGeom>
+          </p:spPr>
+          <p:style>
+            <a:lnRef idx="0">
+              <a:schemeClr val="accent1"/>
+            </a:lnRef>
+            <a:fillRef idx="3">
+              <a:schemeClr val="accent1"/>
+            </a:fillRef>
+            <a:effectRef idx="3">
+              <a:schemeClr val="accent1"/>
+            </a:effectRef>
+            <a:fontRef idx="minor">
+              <a:schemeClr val="lt1"/>
+            </a:fontRef>
+          </p:style>
+          <p:txBody>
+            <a:bodyPr rtlCol="0" anchor="ctr"/>
+            <a:lstStyle/>
+            <a:p>
+              <a:pPr algn="ctr"/>
+              <a:r>
+                <a:rPr lang="en-US" dirty="0" smtClean="0"/>
+                <a:t>Data Representations</a:t>
+              </a:r>
+              <a:endParaRPr lang="en-US" dirty="0"/>
+            </a:p>
+          </p:txBody>
+        </p:sp>
+        <p:sp>
+          <p:nvSpPr>
+            <p:cNvPr id="12" name="Rounded Rectangle 11"/>
+            <p:cNvSpPr/>
+            <p:nvPr/>
+          </p:nvSpPr>
+          <p:spPr>
+            <a:xfrm>
+              <a:off x="476250" y="1757787"/>
+              <a:ext cx="1828800" cy="533400"/>
+            </a:xfrm>
+            <a:prstGeom prst="roundRect">
+              <a:avLst/>
+            </a:prstGeom>
+          </p:spPr>
+          <p:style>
+            <a:lnRef idx="2">
+              <a:schemeClr val="accent2">
+                <a:shade val="50000"/>
+              </a:schemeClr>
+            </a:lnRef>
+            <a:fillRef idx="1">
+              <a:schemeClr val="accent2"/>
+            </a:fillRef>
+            <a:effectRef idx="0">
+              <a:schemeClr val="accent2"/>
+            </a:effectRef>
+            <a:fontRef idx="minor">
+              <a:schemeClr val="lt1"/>
+            </a:fontRef>
+          </p:style>
+          <p:txBody>
+            <a:bodyPr rtlCol="0" anchor="ctr"/>
+            <a:lstStyle/>
+            <a:p>
+              <a:pPr algn="ctr"/>
+              <a:r>
+                <a:rPr lang="en-US" dirty="0" smtClean="0"/>
+                <a:t>Basics</a:t>
+              </a:r>
+              <a:endParaRPr lang="en-US" dirty="0"/>
+            </a:p>
+          </p:txBody>
+        </p:sp>
+        <p:sp>
+          <p:nvSpPr>
+            <p:cNvPr id="27" name="Rounded Rectangle 26"/>
+            <p:cNvSpPr/>
+            <p:nvPr/>
+          </p:nvSpPr>
+          <p:spPr>
+            <a:xfrm>
+              <a:off x="476250" y="3371153"/>
+              <a:ext cx="1828800" cy="533400"/>
+            </a:xfrm>
+            <a:prstGeom prst="roundRect">
+              <a:avLst/>
+            </a:prstGeom>
+            <a:solidFill>
+              <a:schemeClr val="accent1">
+                <a:lumMod val="20000"/>
+                <a:lumOff val="80000"/>
+              </a:schemeClr>
+            </a:solidFill>
+          </p:spPr>
+          <p:style>
+            <a:lnRef idx="1">
+              <a:schemeClr val="accent1"/>
+            </a:lnRef>
+            <a:fillRef idx="2">
+              <a:schemeClr val="accent1"/>
+            </a:fillRef>
+            <a:effectRef idx="1">
+              <a:schemeClr val="accent1"/>
+            </a:effectRef>
+            <a:fontRef idx="minor">
+              <a:schemeClr val="dk1"/>
+            </a:fontRef>
+          </p:style>
+          <p:txBody>
+            <a:bodyPr rtlCol="0" anchor="ctr"/>
+            <a:lstStyle/>
+            <a:p>
+              <a:pPr algn="ctr"/>
+              <a:r>
+                <a:rPr lang="en-US" dirty="0" smtClean="0"/>
+                <a:t>Recursive Data</a:t>
+              </a:r>
+              <a:endParaRPr lang="en-US" dirty="0"/>
+            </a:p>
+          </p:txBody>
+        </p:sp>
+        <p:sp>
+          <p:nvSpPr>
+            <p:cNvPr id="37" name="Rounded Rectangle 36"/>
+            <p:cNvSpPr/>
+            <p:nvPr/>
+          </p:nvSpPr>
+          <p:spPr>
+            <a:xfrm>
+              <a:off x="476250" y="4177836"/>
+              <a:ext cx="1828800" cy="533400"/>
+            </a:xfrm>
+            <a:prstGeom prst="roundRect">
+              <a:avLst/>
+            </a:prstGeom>
+            <a:solidFill>
+              <a:schemeClr val="accent1">
+                <a:lumMod val="20000"/>
+                <a:lumOff val="80000"/>
+              </a:schemeClr>
+            </a:solidFill>
+          </p:spPr>
+          <p:style>
+            <a:lnRef idx="1">
+              <a:schemeClr val="accent1"/>
+            </a:lnRef>
+            <a:fillRef idx="2">
+              <a:schemeClr val="accent1"/>
+            </a:fillRef>
+            <a:effectRef idx="1">
+              <a:schemeClr val="accent1"/>
+            </a:effectRef>
+            <a:fontRef idx="minor">
+              <a:schemeClr val="dk1"/>
+            </a:fontRef>
+          </p:style>
+          <p:txBody>
+            <a:bodyPr rtlCol="0" anchor="ctr"/>
+            <a:lstStyle/>
+            <a:p>
+              <a:pPr algn="ctr"/>
+              <a:r>
+                <a:rPr lang="en-US" dirty="0" smtClean="0"/>
+                <a:t>Functional Data</a:t>
+              </a:r>
+              <a:endParaRPr lang="en-US" dirty="0"/>
+            </a:p>
+          </p:txBody>
+        </p:sp>
+        <p:sp>
+          <p:nvSpPr>
+            <p:cNvPr id="42" name="Rounded Rectangle 41"/>
+            <p:cNvSpPr/>
+            <p:nvPr/>
+          </p:nvSpPr>
+          <p:spPr>
+            <a:xfrm>
+              <a:off x="476250" y="4984519"/>
+              <a:ext cx="1828800" cy="533400"/>
+            </a:xfrm>
+            <a:prstGeom prst="roundRect">
+              <a:avLst/>
+            </a:prstGeom>
+            <a:solidFill>
+              <a:schemeClr val="accent1">
+                <a:lumMod val="20000"/>
+                <a:lumOff val="80000"/>
+              </a:schemeClr>
+            </a:solidFill>
+          </p:spPr>
+          <p:style>
+            <a:lnRef idx="1">
+              <a:schemeClr val="accent1"/>
+            </a:lnRef>
+            <a:fillRef idx="2">
+              <a:schemeClr val="accent1"/>
+            </a:fillRef>
+            <a:effectRef idx="1">
+              <a:schemeClr val="accent1"/>
+            </a:effectRef>
+            <a:fontRef idx="minor">
+              <a:schemeClr val="dk1"/>
+            </a:fontRef>
+          </p:style>
+          <p:txBody>
+            <a:bodyPr rtlCol="0" anchor="ctr"/>
+            <a:lstStyle/>
+            <a:p>
+              <a:pPr algn="ctr"/>
+              <a:r>
+                <a:rPr lang="en-US" dirty="0" smtClean="0"/>
+                <a:t>Objects &amp; Classes</a:t>
+              </a:r>
+              <a:endParaRPr lang="en-US" dirty="0"/>
+            </a:p>
+          </p:txBody>
+        </p:sp>
+        <p:sp>
+          <p:nvSpPr>
+            <p:cNvPr id="47" name="Rounded Rectangle 46"/>
+            <p:cNvSpPr/>
+            <p:nvPr/>
+          </p:nvSpPr>
+          <p:spPr>
+            <a:xfrm>
+              <a:off x="476250" y="5791200"/>
+              <a:ext cx="1828800" cy="533400"/>
+            </a:xfrm>
+            <a:prstGeom prst="roundRect">
+              <a:avLst/>
+            </a:prstGeom>
+            <a:solidFill>
+              <a:schemeClr val="accent1">
+                <a:lumMod val="20000"/>
+                <a:lumOff val="80000"/>
+              </a:schemeClr>
+            </a:solidFill>
+          </p:spPr>
+          <p:style>
+            <a:lnRef idx="1">
+              <a:schemeClr val="accent1"/>
+            </a:lnRef>
+            <a:fillRef idx="2">
+              <a:schemeClr val="accent1"/>
+            </a:fillRef>
+            <a:effectRef idx="1">
+              <a:schemeClr val="accent1"/>
+            </a:effectRef>
+            <a:fontRef idx="minor">
+              <a:schemeClr val="dk1"/>
+            </a:fontRef>
+          </p:style>
+          <p:txBody>
+            <a:bodyPr rtlCol="0" anchor="ctr"/>
+            <a:lstStyle/>
+            <a:p>
+              <a:pPr algn="ctr"/>
+              <a:r>
+                <a:rPr lang="en-US" dirty="0" err="1" smtClean="0"/>
+                <a:t>Stateful</a:t>
+              </a:r>
+              <a:r>
+                <a:rPr lang="en-US" dirty="0" smtClean="0"/>
+                <a:t> Objects</a:t>
+              </a:r>
+              <a:endParaRPr lang="en-US" dirty="0"/>
+            </a:p>
+          </p:txBody>
+        </p:sp>
+        <p:cxnSp>
+          <p:nvCxnSpPr>
+            <p:cNvPr id="58" name="Straight Arrow Connector 57"/>
+            <p:cNvCxnSpPr>
+              <a:stCxn id="12" idx="2"/>
+              <a:endCxn id="22" idx="0"/>
+            </p:cNvCxnSpPr>
+            <p:nvPr/>
+          </p:nvCxnSpPr>
+          <p:spPr>
+            <a:xfrm>
+              <a:off x="1390650" y="2291187"/>
+              <a:ext cx="0" cy="273283"/>
+            </a:xfrm>
+            <a:prstGeom prst="straightConnector1">
+              <a:avLst/>
+            </a:prstGeom>
+            <a:ln>
+              <a:tailEnd type="triangle"/>
+            </a:ln>
+          </p:spPr>
+          <p:style>
+            <a:lnRef idx="1">
+              <a:schemeClr val="accent1"/>
+            </a:lnRef>
+            <a:fillRef idx="0">
+              <a:schemeClr val="accent1"/>
+            </a:fillRef>
+            <a:effectRef idx="0">
+              <a:schemeClr val="accent1"/>
+            </a:effectRef>
+            <a:fontRef idx="minor">
+              <a:schemeClr val="tx1"/>
+            </a:fontRef>
+          </p:style>
+        </p:cxnSp>
+        <p:cxnSp>
+          <p:nvCxnSpPr>
+            <p:cNvPr id="66" name="Straight Arrow Connector 65"/>
+            <p:cNvCxnSpPr>
+              <a:stCxn id="22" idx="2"/>
+              <a:endCxn id="27" idx="0"/>
+            </p:cNvCxnSpPr>
+            <p:nvPr/>
+          </p:nvCxnSpPr>
+          <p:spPr>
+            <a:xfrm>
+              <a:off x="1390650" y="3097870"/>
+              <a:ext cx="0" cy="273283"/>
+            </a:xfrm>
+            <a:prstGeom prst="straightConnector1">
+              <a:avLst/>
+            </a:prstGeom>
+            <a:ln>
+              <a:tailEnd type="triangle"/>
+            </a:ln>
+          </p:spPr>
+          <p:style>
+            <a:lnRef idx="1">
+              <a:schemeClr val="accent1"/>
+            </a:lnRef>
+            <a:fillRef idx="0">
+              <a:schemeClr val="accent1"/>
+            </a:fillRef>
+            <a:effectRef idx="0">
+              <a:schemeClr val="accent1"/>
+            </a:effectRef>
+            <a:fontRef idx="minor">
+              <a:schemeClr val="tx1"/>
+            </a:fontRef>
+          </p:style>
+        </p:cxnSp>
+      </p:grpSp>
+      <p:grpSp>
+        <p:nvGrpSpPr>
+          <p:cNvPr id="80" name="Group 79"/>
+          <p:cNvGrpSpPr/>
+          <p:nvPr/>
+        </p:nvGrpSpPr>
+        <p:grpSpPr>
+          <a:xfrm>
+            <a:off x="3657600" y="951104"/>
+            <a:ext cx="1828800" cy="5373496"/>
+            <a:chOff x="2598691" y="951104"/>
+            <a:chExt cx="1828800" cy="5373496"/>
+          </a:xfrm>
+        </p:grpSpPr>
+        <p:sp>
+          <p:nvSpPr>
+            <p:cNvPr id="6" name="Rounded Rectangle 5"/>
+            <p:cNvSpPr/>
+            <p:nvPr/>
+          </p:nvSpPr>
+          <p:spPr>
+            <a:xfrm>
+              <a:off x="2598691" y="951104"/>
+              <a:ext cx="1828800" cy="533400"/>
+            </a:xfrm>
+            <a:prstGeom prst="roundRect">
+              <a:avLst/>
+            </a:prstGeom>
+          </p:spPr>
+          <p:style>
+            <a:lnRef idx="0">
+              <a:schemeClr val="accent1"/>
+            </a:lnRef>
+            <a:fillRef idx="3">
+              <a:schemeClr val="accent1"/>
+            </a:fillRef>
+            <a:effectRef idx="3">
+              <a:schemeClr val="accent1"/>
+            </a:effectRef>
+            <a:fontRef idx="minor">
+              <a:schemeClr val="lt1"/>
+            </a:fontRef>
+          </p:style>
+          <p:txBody>
+            <a:bodyPr rtlCol="0" anchor="ctr"/>
+            <a:lstStyle/>
+            <a:p>
+              <a:pPr algn="ctr"/>
+              <a:r>
+                <a:rPr lang="en-US" dirty="0" smtClean="0"/>
+                <a:t>Design Strategies</a:t>
+              </a:r>
+              <a:endParaRPr lang="en-US" dirty="0"/>
+            </a:p>
+          </p:txBody>
+        </p:sp>
+        <p:sp>
+          <p:nvSpPr>
+            <p:cNvPr id="13" name="Rounded Rectangle 12"/>
+            <p:cNvSpPr/>
+            <p:nvPr/>
+          </p:nvSpPr>
+          <p:spPr>
+            <a:xfrm>
+              <a:off x="2598691" y="1757787"/>
+              <a:ext cx="1828800" cy="533400"/>
+            </a:xfrm>
+            <a:prstGeom prst="roundRect">
+              <a:avLst/>
+            </a:prstGeom>
+            <a:solidFill>
+              <a:schemeClr val="accent1">
+                <a:lumMod val="20000"/>
+                <a:lumOff val="80000"/>
+              </a:schemeClr>
+            </a:solidFill>
+          </p:spPr>
+          <p:style>
+            <a:lnRef idx="1">
+              <a:schemeClr val="accent1"/>
+            </a:lnRef>
+            <a:fillRef idx="2">
+              <a:schemeClr val="accent1"/>
+            </a:fillRef>
+            <a:effectRef idx="1">
+              <a:schemeClr val="accent1"/>
+            </a:effectRef>
+            <a:fontRef idx="minor">
+              <a:schemeClr val="dk1"/>
+            </a:fontRef>
+          </p:style>
+          <p:txBody>
+            <a:bodyPr rtlCol="0" anchor="ctr"/>
+            <a:lstStyle/>
+            <a:p>
+              <a:pPr algn="ctr"/>
+              <a:r>
+                <a:rPr lang="en-US" dirty="0" smtClean="0"/>
+                <a:t>Combine simpler functions</a:t>
+              </a:r>
+              <a:endParaRPr lang="en-US" dirty="0"/>
+            </a:p>
+          </p:txBody>
+        </p:sp>
+        <p:sp>
+          <p:nvSpPr>
+            <p:cNvPr id="38" name="Rounded Rectangle 37"/>
+            <p:cNvSpPr/>
+            <p:nvPr/>
+          </p:nvSpPr>
+          <p:spPr>
+            <a:xfrm>
+              <a:off x="2598691" y="4782846"/>
+              <a:ext cx="1828800" cy="533400"/>
+            </a:xfrm>
+            <a:prstGeom prst="roundRect">
+              <a:avLst/>
+            </a:prstGeom>
+            <a:solidFill>
+              <a:schemeClr val="accent1">
+                <a:lumMod val="20000"/>
+                <a:lumOff val="80000"/>
+              </a:schemeClr>
+            </a:solidFill>
+          </p:spPr>
+          <p:style>
+            <a:lnRef idx="1">
+              <a:schemeClr val="accent1"/>
+            </a:lnRef>
+            <a:fillRef idx="2">
+              <a:schemeClr val="accent1"/>
+            </a:fillRef>
+            <a:effectRef idx="1">
+              <a:schemeClr val="accent1"/>
+            </a:effectRef>
+            <a:fontRef idx="minor">
+              <a:schemeClr val="dk1"/>
+            </a:fontRef>
+          </p:style>
+          <p:txBody>
+            <a:bodyPr rtlCol="0" anchor="ctr"/>
+            <a:lstStyle/>
+            <a:p>
+              <a:pPr algn="ctr"/>
+              <a:r>
+                <a:rPr lang="en-US" dirty="0" smtClean="0"/>
+                <a:t>Call a more general function</a:t>
+              </a:r>
+              <a:endParaRPr lang="en-US" dirty="0"/>
+            </a:p>
+          </p:txBody>
+        </p:sp>
+        <p:sp>
+          <p:nvSpPr>
+            <p:cNvPr id="48" name="Rounded Rectangle 47"/>
+            <p:cNvSpPr/>
+            <p:nvPr/>
+          </p:nvSpPr>
+          <p:spPr>
+            <a:xfrm>
+              <a:off x="2598691" y="5791200"/>
+              <a:ext cx="1828800" cy="533400"/>
+            </a:xfrm>
+            <a:prstGeom prst="roundRect">
+              <a:avLst/>
+            </a:prstGeom>
+            <a:solidFill>
+              <a:schemeClr val="accent1">
+                <a:lumMod val="20000"/>
+                <a:lumOff val="80000"/>
+              </a:schemeClr>
+            </a:solidFill>
+          </p:spPr>
+          <p:style>
+            <a:lnRef idx="1">
+              <a:schemeClr val="accent1"/>
+            </a:lnRef>
+            <a:fillRef idx="2">
+              <a:schemeClr val="accent1"/>
+            </a:fillRef>
+            <a:effectRef idx="1">
+              <a:schemeClr val="accent1"/>
+            </a:effectRef>
+            <a:fontRef idx="minor">
+              <a:schemeClr val="dk1"/>
+            </a:fontRef>
+          </p:style>
+          <p:txBody>
+            <a:bodyPr rtlCol="0" anchor="ctr"/>
+            <a:lstStyle/>
+            <a:p>
+              <a:pPr algn="ctr"/>
+              <a:r>
+                <a:rPr lang="en-US" dirty="0" smtClean="0"/>
+                <a:t>Communicate via State</a:t>
+              </a:r>
+              <a:endParaRPr lang="en-US" dirty="0"/>
+            </a:p>
+          </p:txBody>
+        </p:sp>
+        <p:cxnSp>
+          <p:nvCxnSpPr>
+            <p:cNvPr id="70" name="Straight Arrow Connector 69"/>
+            <p:cNvCxnSpPr>
+              <a:stCxn id="13" idx="2"/>
+            </p:cNvCxnSpPr>
+            <p:nvPr/>
+          </p:nvCxnSpPr>
+          <p:spPr>
+            <a:xfrm>
+              <a:off x="3513091" y="2291187"/>
+              <a:ext cx="0" cy="474953"/>
+            </a:xfrm>
+            <a:prstGeom prst="straightConnector1">
+              <a:avLst/>
+            </a:prstGeom>
+            <a:ln>
+              <a:tailEnd type="triangle"/>
+            </a:ln>
+          </p:spPr>
+          <p:style>
+            <a:lnRef idx="1">
+              <a:schemeClr val="accent1"/>
+            </a:lnRef>
+            <a:fillRef idx="0">
+              <a:schemeClr val="accent1"/>
+            </a:fillRef>
+            <a:effectRef idx="0">
+              <a:schemeClr val="accent1"/>
+            </a:effectRef>
+            <a:fontRef idx="minor">
+              <a:schemeClr val="tx1"/>
+            </a:fontRef>
+          </p:style>
+        </p:cxnSp>
+        <p:cxnSp>
+          <p:nvCxnSpPr>
+            <p:cNvPr id="72" name="Straight Arrow Connector 71"/>
+            <p:cNvCxnSpPr/>
+            <p:nvPr/>
+          </p:nvCxnSpPr>
+          <p:spPr>
+            <a:xfrm>
+              <a:off x="3513091" y="3299540"/>
+              <a:ext cx="0" cy="474953"/>
+            </a:xfrm>
+            <a:prstGeom prst="straightConnector1">
+              <a:avLst/>
+            </a:prstGeom>
+            <a:ln>
+              <a:tailEnd type="triangle"/>
+            </a:ln>
+          </p:spPr>
+          <p:style>
+            <a:lnRef idx="1">
+              <a:schemeClr val="accent1"/>
+            </a:lnRef>
+            <a:fillRef idx="0">
+              <a:schemeClr val="accent1"/>
+            </a:fillRef>
+            <a:effectRef idx="0">
+              <a:schemeClr val="accent1"/>
+            </a:effectRef>
+            <a:fontRef idx="minor">
+              <a:schemeClr val="tx1"/>
+            </a:fontRef>
+          </p:style>
+        </p:cxnSp>
+        <p:cxnSp>
+          <p:nvCxnSpPr>
+            <p:cNvPr id="74" name="Straight Arrow Connector 73"/>
+            <p:cNvCxnSpPr>
+              <a:endCxn id="38" idx="0"/>
+            </p:cNvCxnSpPr>
+            <p:nvPr/>
+          </p:nvCxnSpPr>
+          <p:spPr>
+            <a:xfrm>
+              <a:off x="3513091" y="4307893"/>
+              <a:ext cx="0" cy="474953"/>
+            </a:xfrm>
+            <a:prstGeom prst="straightConnector1">
+              <a:avLst/>
+            </a:prstGeom>
+            <a:ln>
+              <a:tailEnd type="triangle"/>
+            </a:ln>
+          </p:spPr>
+          <p:style>
+            <a:lnRef idx="1">
+              <a:schemeClr val="accent1"/>
+            </a:lnRef>
+            <a:fillRef idx="0">
+              <a:schemeClr val="accent1"/>
+            </a:fillRef>
+            <a:effectRef idx="0">
+              <a:schemeClr val="accent1"/>
+            </a:effectRef>
+            <a:fontRef idx="minor">
+              <a:schemeClr val="tx1"/>
+            </a:fontRef>
+          </p:style>
+        </p:cxnSp>
+        <p:cxnSp>
+          <p:nvCxnSpPr>
+            <p:cNvPr id="77" name="Straight Arrow Connector 76"/>
+            <p:cNvCxnSpPr>
+              <a:stCxn id="38" idx="2"/>
+              <a:endCxn id="48" idx="0"/>
+            </p:cNvCxnSpPr>
+            <p:nvPr/>
+          </p:nvCxnSpPr>
+          <p:spPr>
+            <a:xfrm>
+              <a:off x="3513091" y="5316246"/>
+              <a:ext cx="0" cy="474954"/>
+            </a:xfrm>
+            <a:prstGeom prst="straightConnector1">
+              <a:avLst/>
+            </a:prstGeom>
+            <a:ln>
+              <a:tailEnd type="triangle"/>
+            </a:ln>
+          </p:spPr>
+          <p:style>
+            <a:lnRef idx="1">
+              <a:schemeClr val="accent1"/>
+            </a:lnRef>
+            <a:fillRef idx="0">
+              <a:schemeClr val="accent1"/>
+            </a:fillRef>
+            <a:effectRef idx="0">
+              <a:schemeClr val="accent1"/>
+            </a:effectRef>
+            <a:fontRef idx="minor">
+              <a:schemeClr val="tx1"/>
+            </a:fontRef>
+          </p:style>
+        </p:cxnSp>
+      </p:grpSp>
+      <p:cxnSp>
+        <p:nvCxnSpPr>
+          <p:cNvPr id="88" name="Straight Arrow Connector 87"/>
+          <p:cNvCxnSpPr>
+            <a:stCxn id="7" idx="2"/>
+            <a:endCxn id="14" idx="0"/>
+          </p:cNvCxnSpPr>
+          <p:nvPr/>
+        </p:nvCxnSpPr>
+        <p:spPr>
+          <a:xfrm>
+            <a:off x="7315200" y="2291187"/>
+            <a:ext cx="0" cy="273283"/>
+          </a:xfrm>
+          <a:prstGeom prst="straightConnector1">
+            <a:avLst/>
+          </a:prstGeom>
+          <a:ln>
+            <a:tailEnd type="triangle"/>
+          </a:ln>
+        </p:spPr>
+        <p:style>
+          <a:lnRef idx="1">
+            <a:schemeClr val="accent1"/>
+          </a:lnRef>
+          <a:fillRef idx="0">
+            <a:schemeClr val="accent1"/>
+          </a:fillRef>
+          <a:effectRef idx="0">
+            <a:schemeClr val="accent1"/>
+          </a:effectRef>
+          <a:fontRef idx="minor">
+            <a:schemeClr val="tx1"/>
+          </a:fontRef>
+        </p:style>
+      </p:cxnSp>
+      <p:cxnSp>
+        <p:nvCxnSpPr>
+          <p:cNvPr id="92" name="Straight Arrow Connector 91"/>
+          <p:cNvCxnSpPr>
+            <a:stCxn id="14" idx="2"/>
+            <a:endCxn id="29" idx="0"/>
+          </p:cNvCxnSpPr>
+          <p:nvPr/>
+        </p:nvCxnSpPr>
+        <p:spPr>
+          <a:xfrm>
+            <a:off x="7315200" y="3097870"/>
+            <a:ext cx="0" cy="273283"/>
+          </a:xfrm>
+          <a:prstGeom prst="straightConnector1">
+            <a:avLst/>
+          </a:prstGeom>
+          <a:ln>
+            <a:tailEnd type="triangle"/>
+          </a:ln>
+        </p:spPr>
+        <p:style>
+          <a:lnRef idx="1">
+            <a:schemeClr val="accent1"/>
+          </a:lnRef>
+          <a:fillRef idx="0">
+            <a:schemeClr val="accent1"/>
+          </a:fillRef>
+          <a:effectRef idx="0">
+            <a:schemeClr val="accent1"/>
+          </a:effectRef>
+          <a:fontRef idx="minor">
+            <a:schemeClr val="tx1"/>
+          </a:fontRef>
+        </p:style>
+      </p:cxnSp>
+      <p:cxnSp>
+        <p:nvCxnSpPr>
+          <p:cNvPr id="98" name="Straight Arrow Connector 97"/>
+          <p:cNvCxnSpPr>
+            <a:stCxn id="29" idx="2"/>
+            <a:endCxn id="34" idx="0"/>
+          </p:cNvCxnSpPr>
+          <p:nvPr/>
+        </p:nvCxnSpPr>
+        <p:spPr>
+          <a:xfrm>
+            <a:off x="7315200" y="3904553"/>
+            <a:ext cx="0" cy="273283"/>
+          </a:xfrm>
+          <a:prstGeom prst="straightConnector1">
+            <a:avLst/>
+          </a:prstGeom>
+          <a:ln>
+            <a:tailEnd type="triangle"/>
+          </a:ln>
+        </p:spPr>
+        <p:style>
+          <a:lnRef idx="1">
+            <a:schemeClr val="accent1"/>
+          </a:lnRef>
+          <a:fillRef idx="0">
+            <a:schemeClr val="accent1"/>
+          </a:fillRef>
+          <a:effectRef idx="0">
+            <a:schemeClr val="accent1"/>
+          </a:effectRef>
+          <a:fontRef idx="minor">
+            <a:schemeClr val="tx1"/>
+          </a:fontRef>
+        </p:style>
+      </p:cxnSp>
+      <p:cxnSp>
+        <p:nvCxnSpPr>
+          <p:cNvPr id="100" name="Straight Arrow Connector 99"/>
+          <p:cNvCxnSpPr>
+            <a:stCxn id="34" idx="2"/>
+            <a:endCxn id="39" idx="0"/>
+          </p:cNvCxnSpPr>
+          <p:nvPr/>
+        </p:nvCxnSpPr>
+        <p:spPr>
+          <a:xfrm>
+            <a:off x="7315200" y="4711236"/>
+            <a:ext cx="0" cy="273283"/>
+          </a:xfrm>
+          <a:prstGeom prst="straightConnector1">
+            <a:avLst/>
+          </a:prstGeom>
+          <a:ln>
+            <a:tailEnd type="triangle"/>
+          </a:ln>
+        </p:spPr>
+        <p:style>
+          <a:lnRef idx="1">
+            <a:schemeClr val="accent1"/>
+          </a:lnRef>
+          <a:fillRef idx="0">
+            <a:schemeClr val="accent1"/>
+          </a:fillRef>
+          <a:effectRef idx="0">
+            <a:schemeClr val="accent1"/>
+          </a:effectRef>
+          <a:fontRef idx="minor">
+            <a:schemeClr val="tx1"/>
+          </a:fontRef>
+        </p:style>
+      </p:cxnSp>
+      <p:cxnSp>
+        <p:nvCxnSpPr>
+          <p:cNvPr id="102" name="Straight Arrow Connector 101"/>
+          <p:cNvCxnSpPr>
+            <a:stCxn id="39" idx="2"/>
+            <a:endCxn id="44" idx="0"/>
+          </p:cNvCxnSpPr>
+          <p:nvPr/>
+        </p:nvCxnSpPr>
+        <p:spPr>
+          <a:xfrm>
+            <a:off x="7315200" y="5517919"/>
+            <a:ext cx="0" cy="273281"/>
+          </a:xfrm>
+          <a:prstGeom prst="straightConnector1">
+            <a:avLst/>
+          </a:prstGeom>
+          <a:ln>
+            <a:tailEnd type="triangle"/>
+          </a:ln>
+        </p:spPr>
+        <p:style>
+          <a:lnRef idx="1">
+            <a:schemeClr val="accent1"/>
+          </a:lnRef>
+          <a:fillRef idx="0">
+            <a:schemeClr val="accent1"/>
+          </a:fillRef>
+          <a:effectRef idx="0">
+            <a:schemeClr val="accent1"/>
+          </a:effectRef>
+          <a:fontRef idx="minor">
+            <a:schemeClr val="tx1"/>
+          </a:fontRef>
+        </p:style>
+      </p:cxnSp>
+      <p:sp>
+        <p:nvSpPr>
+          <p:cNvPr id="103" name="Rounded Rectangle 102"/>
+          <p:cNvSpPr/>
+          <p:nvPr/>
+        </p:nvSpPr>
+        <p:spPr>
+          <a:xfrm>
+            <a:off x="5791200" y="417704"/>
+            <a:ext cx="3048000" cy="1066800"/>
+          </a:xfrm>
+          <a:prstGeom prst="roundRect">
+            <a:avLst/>
+          </a:prstGeom>
+          <a:noFill/>
+          <a:ln w="28575">
+            <a:solidFill>
+              <a:schemeClr val="accent2"/>
+            </a:solidFill>
+          </a:ln>
+        </p:spPr>
+        <p:style>
+          <a:lnRef idx="2">
+            <a:schemeClr val="accent1"/>
+          </a:lnRef>
+          <a:fillRef idx="1">
+            <a:schemeClr val="lt1"/>
+          </a:fillRef>
+          <a:effectRef idx="0">
+            <a:schemeClr val="accent1"/>
+          </a:effectRef>
+          <a:fontRef idx="minor">
+            <a:schemeClr val="dk1"/>
+          </a:fontRef>
+        </p:style>
+        <p:txBody>
+          <a:bodyPr rot="0" spcFirstLastPara="0" vertOverflow="overflow" horzOverflow="overflow" vert="horz" wrap="square" lIns="91440" tIns="45720" rIns="91440" bIns="45720" numCol="1" spcCol="0" rtlCol="0" fromWordArt="0" anchor="ctr" anchorCtr="0" forceAA="0" compatLnSpc="1">
+            <a:prstTxWarp prst="textNoShape">
+              <a:avLst/>
+            </a:prstTxWarp>
+            <a:noAutofit/>
+          </a:bodyPr>
+          <a:lstStyle/>
+          <a:p>
+            <a:pPr algn="ctr"/>
+            <a:r>
+              <a:rPr lang="en-US" sz="4400" dirty="0" smtClean="0"/>
+              <a:t>Lesson 2.1</a:t>
+            </a:r>
+            <a:endParaRPr lang="en-US" sz="4400" dirty="0">
+              <a:solidFill>
+                <a:schemeClr val="tx1"/>
+              </a:solidFill>
+            </a:endParaRPr>
+          </a:p>
+        </p:txBody>
+      </p:sp>
+      <p:cxnSp>
+        <p:nvCxnSpPr>
+          <p:cNvPr id="107" name="Straight Arrow Connector 106"/>
+          <p:cNvCxnSpPr>
+            <a:stCxn id="27" idx="2"/>
+            <a:endCxn id="37" idx="0"/>
+          </p:cNvCxnSpPr>
+          <p:nvPr/>
+        </p:nvCxnSpPr>
+        <p:spPr>
+          <a:xfrm>
+            <a:off x="1828800" y="3904553"/>
+            <a:ext cx="0" cy="273283"/>
+          </a:xfrm>
+          <a:prstGeom prst="straightConnector1">
+            <a:avLst/>
+          </a:prstGeom>
+          <a:ln>
+            <a:tailEnd type="triangle"/>
+          </a:ln>
+        </p:spPr>
+        <p:style>
+          <a:lnRef idx="1">
+            <a:schemeClr val="accent1"/>
+          </a:lnRef>
+          <a:fillRef idx="0">
+            <a:schemeClr val="accent1"/>
+          </a:fillRef>
+          <a:effectRef idx="0">
+            <a:schemeClr val="accent1"/>
+          </a:effectRef>
+          <a:fontRef idx="minor">
+            <a:schemeClr val="tx1"/>
+          </a:fontRef>
+        </p:style>
+      </p:cxnSp>
+      <p:cxnSp>
+        <p:nvCxnSpPr>
+          <p:cNvPr id="109" name="Straight Arrow Connector 108"/>
+          <p:cNvCxnSpPr>
+            <a:stCxn id="37" idx="2"/>
+            <a:endCxn id="42" idx="0"/>
+          </p:cNvCxnSpPr>
+          <p:nvPr/>
+        </p:nvCxnSpPr>
+        <p:spPr>
+          <a:xfrm>
+            <a:off x="1828800" y="4711236"/>
+            <a:ext cx="0" cy="273283"/>
+          </a:xfrm>
+          <a:prstGeom prst="straightConnector1">
+            <a:avLst/>
+          </a:prstGeom>
+          <a:ln>
+            <a:tailEnd type="triangle"/>
+          </a:ln>
+        </p:spPr>
+        <p:style>
+          <a:lnRef idx="1">
+            <a:schemeClr val="accent1"/>
+          </a:lnRef>
+          <a:fillRef idx="0">
+            <a:schemeClr val="accent1"/>
+          </a:fillRef>
+          <a:effectRef idx="0">
+            <a:schemeClr val="accent1"/>
+          </a:effectRef>
+          <a:fontRef idx="minor">
+            <a:schemeClr val="tx1"/>
+          </a:fontRef>
+        </p:style>
+      </p:cxnSp>
+      <p:cxnSp>
+        <p:nvCxnSpPr>
+          <p:cNvPr id="111" name="Straight Arrow Connector 110"/>
+          <p:cNvCxnSpPr>
+            <a:stCxn id="42" idx="2"/>
+            <a:endCxn id="47" idx="0"/>
+          </p:cNvCxnSpPr>
+          <p:nvPr/>
+        </p:nvCxnSpPr>
+        <p:spPr>
+          <a:xfrm>
+            <a:off x="1828800" y="5517919"/>
+            <a:ext cx="0" cy="273281"/>
+          </a:xfrm>
+          <a:prstGeom prst="straightConnector1">
+            <a:avLst/>
+          </a:prstGeom>
+          <a:ln>
+            <a:tailEnd type="triangle"/>
+          </a:ln>
+        </p:spPr>
+        <p:style>
+          <a:lnRef idx="1">
+            <a:schemeClr val="accent1"/>
+          </a:lnRef>
+          <a:fillRef idx="0">
+            <a:schemeClr val="accent1"/>
+          </a:fillRef>
+          <a:effectRef idx="0">
+            <a:schemeClr val="accent1"/>
+          </a:effectRef>
+          <a:fontRef idx="minor">
+            <a:schemeClr val="tx1"/>
+          </a:fontRef>
+        </p:style>
+      </p:cxnSp>
+      <p:cxnSp>
+        <p:nvCxnSpPr>
+          <p:cNvPr id="113" name="Elbow Connector 112"/>
+          <p:cNvCxnSpPr>
+            <a:stCxn id="38" idx="3"/>
+            <a:endCxn id="7" idx="1"/>
+          </p:cNvCxnSpPr>
+          <p:nvPr/>
+        </p:nvCxnSpPr>
+        <p:spPr>
+          <a:xfrm flipV="1">
+            <a:off x="5486400" y="2024487"/>
+            <a:ext cx="914400" cy="3025059"/>
+          </a:xfrm>
+          <a:prstGeom prst="bentConnector3">
+            <a:avLst>
+              <a:gd name="adj1" fmla="val 50000"/>
+            </a:avLst>
+          </a:prstGeom>
+          <a:ln w="38100">
+            <a:tailEnd type="triangle"/>
+          </a:ln>
+        </p:spPr>
+        <p:style>
+          <a:lnRef idx="1">
+            <a:schemeClr val="accent1"/>
+          </a:lnRef>
+          <a:fillRef idx="0">
+            <a:schemeClr val="accent1"/>
+          </a:fillRef>
+          <a:effectRef idx="0">
+            <a:schemeClr val="accent1"/>
+          </a:effectRef>
+          <a:fontRef idx="minor">
+            <a:schemeClr val="tx1"/>
+          </a:fontRef>
+        </p:style>
+      </p:cxnSp>
+      <p:sp>
+        <p:nvSpPr>
+          <p:cNvPr id="2" name="Slide Number Placeholder 1"/>
+          <p:cNvSpPr>
+            <a:spLocks noGrp="1"/>
+          </p:cNvSpPr>
+          <p:nvPr>
+            <p:ph type="sldNum" sz="quarter" idx="12"/>
           </p:nvPr>
         </p:nvSpPr>
         <p:spPr/>
         <p:txBody>
-          <a:bodyPr>
-            <a:normAutofit/>
-          </a:bodyPr>
-          <a:lstStyle/>
-          <a:p>
-            <a:r>
-              <a:rPr lang="en-US" dirty="0" smtClean="0"/>
-              <a:t>Divide into cases on &lt;condition&gt;</a:t>
-            </a:r>
-            <a:endParaRPr lang="en-US" dirty="0"/>
-          </a:p>
-        </p:txBody>
-      </p:sp>
-      <p:sp>
-        <p:nvSpPr>
-          <p:cNvPr id="3" name="Content Placeholder 2"/>
-          <p:cNvSpPr>
-            <a:spLocks noGrp="1"/>
-          </p:cNvSpPr>
-          <p:nvPr>
-            <p:ph idx="1"/>
-          </p:nvPr>
-        </p:nvSpPr>
-        <p:spPr/>
-        <p:txBody>
-          <a:bodyPr>
-            <a:normAutofit lnSpcReduction="10000"/>
-          </a:bodyPr>
-          <a:lstStyle/>
-          <a:p>
-            <a:r>
-              <a:rPr lang="en-US" dirty="0" smtClean="0"/>
-              <a:t>Sometimes you need to break up </a:t>
-            </a:r>
-            <a:r>
-              <a:rPr lang="en-US" dirty="0" smtClean="0"/>
-              <a:t>an argument in some way other than by its template.</a:t>
-            </a:r>
-          </a:p>
-          <a:p>
-            <a:r>
-              <a:rPr lang="en-US" dirty="0" smtClean="0"/>
-              <a:t>We already saw this in Lesson 0.4 in the definition of </a:t>
-            </a:r>
-            <a:r>
-              <a:rPr lang="en-US" b="1" dirty="0" smtClean="0"/>
-              <a:t>abs:</a:t>
-            </a:r>
-          </a:p>
-          <a:p>
-            <a:endParaRPr lang="en-US" b="1" dirty="0" smtClean="0"/>
-          </a:p>
-          <a:p>
-            <a:pPr marL="0" indent="0">
-              <a:spcBef>
-                <a:spcPts val="0"/>
-              </a:spcBef>
-              <a:buNone/>
-            </a:pPr>
-            <a:r>
-              <a:rPr lang="en-US" sz="2000" b="1" dirty="0">
-                <a:latin typeface="Consolas" panose="020B0609020204030204" pitchFamily="49" charset="0"/>
-                <a:cs typeface="Consolas" panose="020B0609020204030204" pitchFamily="49" charset="0"/>
-              </a:rPr>
-              <a:t>; abs : Real -&gt; Real</a:t>
-            </a:r>
-          </a:p>
-          <a:p>
-            <a:pPr marL="0" indent="0">
-              <a:spcBef>
-                <a:spcPts val="0"/>
-              </a:spcBef>
-              <a:buNone/>
-            </a:pPr>
-            <a:r>
-              <a:rPr lang="en-US" sz="2000" b="1" dirty="0">
-                <a:latin typeface="Consolas" panose="020B0609020204030204" pitchFamily="49" charset="0"/>
-                <a:cs typeface="Consolas" panose="020B0609020204030204" pitchFamily="49" charset="0"/>
-              </a:rPr>
-              <a:t>; RETURNS: the absolute value of the given real number</a:t>
-            </a:r>
-            <a:r>
-              <a:rPr lang="en-US" sz="2000" b="1" dirty="0" smtClean="0">
-                <a:latin typeface="Consolas" panose="020B0609020204030204" pitchFamily="49" charset="0"/>
-                <a:cs typeface="Consolas" panose="020B0609020204030204" pitchFamily="49" charset="0"/>
-              </a:rPr>
-              <a:t>.</a:t>
-            </a:r>
-          </a:p>
-          <a:p>
-            <a:pPr marL="0" indent="0">
-              <a:spcBef>
-                <a:spcPts val="0"/>
-              </a:spcBef>
-              <a:buNone/>
-            </a:pPr>
-            <a:r>
-              <a:rPr lang="en-US" sz="2000" b="1" dirty="0" smtClean="0">
-                <a:latin typeface="Consolas" panose="020B0609020204030204" pitchFamily="49" charset="0"/>
-                <a:cs typeface="Consolas" panose="020B0609020204030204" pitchFamily="49" charset="0"/>
-              </a:rPr>
-              <a:t>; STRATEGY: divide into cases on sign of x</a:t>
-            </a:r>
-            <a:endParaRPr lang="en-US" sz="2000" b="1" dirty="0">
-              <a:latin typeface="Consolas" panose="020B0609020204030204" pitchFamily="49" charset="0"/>
-              <a:cs typeface="Consolas" panose="020B0609020204030204" pitchFamily="49" charset="0"/>
-            </a:endParaRPr>
-          </a:p>
-          <a:p>
-            <a:pPr marL="0" indent="0">
-              <a:spcBef>
-                <a:spcPts val="0"/>
-              </a:spcBef>
-              <a:buNone/>
-            </a:pPr>
-            <a:r>
-              <a:rPr lang="en-US" sz="2000" b="1" dirty="0">
-                <a:latin typeface="Consolas" panose="020B0609020204030204" pitchFamily="49" charset="0"/>
-                <a:cs typeface="Consolas" panose="020B0609020204030204" pitchFamily="49" charset="0"/>
-              </a:rPr>
-              <a:t>(define (abs x)</a:t>
-            </a:r>
-          </a:p>
-          <a:p>
-            <a:pPr marL="0" indent="0">
-              <a:spcBef>
-                <a:spcPts val="0"/>
-              </a:spcBef>
-              <a:buNone/>
-            </a:pPr>
-            <a:r>
-              <a:rPr lang="en-US" sz="2000" b="1" dirty="0">
-                <a:latin typeface="Consolas" panose="020B0609020204030204" pitchFamily="49" charset="0"/>
-                <a:cs typeface="Consolas" panose="020B0609020204030204" pitchFamily="49" charset="0"/>
-              </a:rPr>
-              <a:t>  (if (&lt; x 0)</a:t>
-            </a:r>
-          </a:p>
-          <a:p>
-            <a:pPr marL="0" indent="0">
-              <a:spcBef>
-                <a:spcPts val="0"/>
-              </a:spcBef>
-              <a:buNone/>
-            </a:pPr>
-            <a:r>
-              <a:rPr lang="en-US" sz="2000" b="1" dirty="0">
-                <a:latin typeface="Consolas" panose="020B0609020204030204" pitchFamily="49" charset="0"/>
-                <a:cs typeface="Consolas" panose="020B0609020204030204" pitchFamily="49" charset="0"/>
-              </a:rPr>
-              <a:t>      (- 0 x)</a:t>
-            </a:r>
-          </a:p>
-          <a:p>
-            <a:pPr marL="0" indent="0">
-              <a:spcBef>
-                <a:spcPts val="0"/>
-              </a:spcBef>
-              <a:buNone/>
-            </a:pPr>
-            <a:r>
-              <a:rPr lang="en-US" sz="2000" b="1" dirty="0">
-                <a:latin typeface="Consolas" panose="020B0609020204030204" pitchFamily="49" charset="0"/>
-                <a:cs typeface="Consolas" panose="020B0609020204030204" pitchFamily="49" charset="0"/>
-              </a:rPr>
-              <a:t>      x))</a:t>
-            </a:r>
-            <a:endParaRPr lang="en-US" sz="2000" b="1" dirty="0" smtClean="0">
-              <a:latin typeface="Consolas" panose="020B0609020204030204" pitchFamily="49" charset="0"/>
-              <a:cs typeface="Consolas" panose="020B0609020204030204" pitchFamily="49" charset="0"/>
-            </a:endParaRPr>
-          </a:p>
-        </p:txBody>
-      </p:sp>
-      <p:sp>
-        <p:nvSpPr>
-          <p:cNvPr id="4" name="Slide Number Placeholder 3"/>
-          <p:cNvSpPr>
-            <a:spLocks noGrp="1"/>
-          </p:cNvSpPr>
-          <p:nvPr>
-            <p:ph type="sldNum" sz="quarter" idx="12"/>
-          </p:nvPr>
-        </p:nvSpPr>
-        <p:spPr/>
-        <p:txBody>
-          <a:bodyPr/>
-          <a:lstStyle/>
-          <a:p>
-            <a:fld id="{B6F15528-21DE-4FAA-801E-634DDDAF4B2B}" type="slidenum">
-              <a:rPr lang="en-US" smtClean="0"/>
-              <a:pPr/>
+          <a:bodyPr/>
+          <a:lstStyle/>
+          <a:p>
+            <a:fld id="{2AF3B5EA-18B6-4040-9F78-6052AF49C681}" type="slidenum">
+              <a:rPr lang="en-US" smtClean="0"/>
               <a:t>2</a:t>
             </a:fld>
+            <a:endParaRPr lang="en-US"/>
+          </a:p>
+        </p:txBody>
+      </p:sp>
+      <p:sp>
+        <p:nvSpPr>
+          <p:cNvPr id="43" name="Rounded Rectangle 42"/>
+          <p:cNvSpPr/>
+          <p:nvPr/>
+        </p:nvSpPr>
+        <p:spPr>
+          <a:xfrm>
+            <a:off x="3660228" y="3790560"/>
+            <a:ext cx="1828800" cy="533400"/>
+          </a:xfrm>
+          <a:prstGeom prst="roundRect">
+            <a:avLst/>
+          </a:prstGeom>
+        </p:spPr>
+        <p:style>
+          <a:lnRef idx="2">
+            <a:schemeClr val="accent2">
+              <a:shade val="50000"/>
+            </a:schemeClr>
+          </a:lnRef>
+          <a:fillRef idx="1">
+            <a:schemeClr val="accent2"/>
+          </a:fillRef>
+          <a:effectRef idx="0">
+            <a:schemeClr val="accent2"/>
+          </a:effectRef>
+          <a:fontRef idx="minor">
+            <a:schemeClr val="lt1"/>
+          </a:fontRef>
+        </p:style>
+        <p:txBody>
+          <a:bodyPr rtlCol="0" anchor="ctr"/>
+          <a:lstStyle/>
+          <a:p>
+            <a:pPr algn="ctr"/>
+            <a:r>
+              <a:rPr lang="en-US" dirty="0" smtClean="0"/>
+              <a:t>Divide into Cases</a:t>
+            </a:r>
+            <a:endParaRPr lang="en-US" dirty="0"/>
+          </a:p>
+        </p:txBody>
+      </p:sp>
+      <p:sp>
+        <p:nvSpPr>
+          <p:cNvPr id="41" name="Rounded Rectangle 40"/>
+          <p:cNvSpPr/>
+          <p:nvPr/>
+        </p:nvSpPr>
+        <p:spPr>
+          <a:xfrm>
+            <a:off x="3654972" y="2779612"/>
+            <a:ext cx="1828800" cy="533400"/>
+          </a:xfrm>
+          <a:prstGeom prst="roundRect">
+            <a:avLst/>
+          </a:prstGeom>
+          <a:solidFill>
+            <a:schemeClr val="accent1">
+              <a:lumMod val="20000"/>
+              <a:lumOff val="80000"/>
+            </a:schemeClr>
+          </a:solidFill>
+        </p:spPr>
+        <p:style>
+          <a:lnRef idx="1">
+            <a:schemeClr val="accent1"/>
+          </a:lnRef>
+          <a:fillRef idx="2">
+            <a:schemeClr val="accent1"/>
+          </a:fillRef>
+          <a:effectRef idx="1">
+            <a:schemeClr val="accent1"/>
+          </a:effectRef>
+          <a:fontRef idx="minor">
+            <a:schemeClr val="dk1"/>
+          </a:fontRef>
+        </p:style>
+        <p:txBody>
+          <a:bodyPr rtlCol="0" anchor="ctr"/>
+          <a:lstStyle/>
+          <a:p>
+            <a:pPr algn="ctr"/>
+            <a:r>
+              <a:rPr lang="en-US" dirty="0" smtClean="0"/>
+              <a:t>Use a template</a:t>
+            </a:r>
             <a:endParaRPr lang="en-US" dirty="0"/>
           </a:p>
         </p:txBody>
@@ -8332,7 +9773,7 @@
     </p:spTree>
     <p:extLst>
       <p:ext uri="{BB962C8B-B14F-4D97-AF65-F5344CB8AC3E}">
-        <p14:creationId xmlns:p14="http://schemas.microsoft.com/office/powerpoint/2010/main" val="2557977111"/>
+        <p14:creationId xmlns:p14="http://schemas.microsoft.com/office/powerpoint/2010/main" val="2706989822"/>
       </p:ext>
     </p:extLst>
   </p:cSld>
@@ -8378,12 +9819,14 @@
         </p:nvSpPr>
         <p:spPr/>
         <p:txBody>
-          <a:bodyPr/>
+          <a:bodyPr>
+            <a:normAutofit/>
+          </a:bodyPr>
           <a:lstStyle/>
           <a:p>
             <a:r>
               <a:rPr lang="en-US" dirty="0" smtClean="0"/>
-              <a:t>Example: income tax</a:t>
+              <a:t>Divide into cases on &lt;condition&gt;</a:t>
             </a:r>
             <a:endParaRPr lang="en-US" dirty="0"/>
           </a:p>
@@ -8401,41 +9844,148 @@
         </p:nvSpPr>
         <p:spPr/>
         <p:txBody>
-          <a:bodyPr/>
+          <a:bodyPr>
+            <a:normAutofit lnSpcReduction="10000"/>
+          </a:bodyPr>
           <a:lstStyle/>
           <a:p>
             <a:r>
               <a:rPr lang="en-US" dirty="0" smtClean="0"/>
-              <a:t>Imagine we are computing income tax in a system where there are three rates:</a:t>
-            </a:r>
-          </a:p>
-          <a:p>
-            <a:pPr lvl="1"/>
+              <a:t>Sometimes you need to break up an argument in some way other than by its template.</a:t>
+            </a:r>
+          </a:p>
+          <a:p>
             <a:r>
               <a:rPr lang="en-US" dirty="0" smtClean="0"/>
-              <a:t>One on incomes less than $10,000</a:t>
-            </a:r>
-          </a:p>
-          <a:p>
-            <a:pPr lvl="1"/>
-            <a:r>
-              <a:rPr lang="en-US" dirty="0" smtClean="0"/>
-              <a:t>One on incomes between $10,000 and $20,000</a:t>
-            </a:r>
-          </a:p>
-          <a:p>
-            <a:pPr lvl="1"/>
-            <a:r>
-              <a:rPr lang="en-US" dirty="0" smtClean="0"/>
-              <a:t>One on incomes of $20,000 and over</a:t>
-            </a:r>
-          </a:p>
-          <a:p>
-            <a:r>
-              <a:rPr lang="en-US" dirty="0" smtClean="0"/>
-              <a:t>The natural thing to do is to partition the income into three cases, corresponding to these three income ranges.</a:t>
-            </a:r>
-            <a:endParaRPr lang="en-US" dirty="0"/>
+              <a:t>We already saw this in Lesson 0.4 in the definition of </a:t>
+            </a:r>
+            <a:r>
+              <a:rPr lang="en-US" b="1" dirty="0" smtClean="0"/>
+              <a:t>abs:</a:t>
+            </a:r>
+          </a:p>
+          <a:p>
+            <a:endParaRPr lang="en-US" b="1" dirty="0" smtClean="0"/>
+          </a:p>
+          <a:p>
+            <a:pPr marL="0" indent="0">
+              <a:spcBef>
+                <a:spcPts val="0"/>
+              </a:spcBef>
+              <a:buNone/>
+            </a:pPr>
+            <a:r>
+              <a:rPr lang="en-US" sz="2000" b="1" dirty="0">
+                <a:latin typeface="Consolas" panose="020B0609020204030204" pitchFamily="49" charset="0"/>
+                <a:cs typeface="Consolas" panose="020B0609020204030204" pitchFamily="49" charset="0"/>
+              </a:rPr>
+              <a:t>; abs : Real -&gt; Real</a:t>
+            </a:r>
+          </a:p>
+          <a:p>
+            <a:pPr marL="0" indent="0">
+              <a:spcBef>
+                <a:spcPts val="0"/>
+              </a:spcBef>
+              <a:buNone/>
+            </a:pPr>
+            <a:r>
+              <a:rPr lang="en-US" sz="2000" b="1" dirty="0">
+                <a:latin typeface="Consolas" panose="020B0609020204030204" pitchFamily="49" charset="0"/>
+                <a:cs typeface="Consolas" panose="020B0609020204030204" pitchFamily="49" charset="0"/>
+              </a:rPr>
+              <a:t>; RETURNS: the absolute value of the given real number</a:t>
+            </a:r>
+            <a:r>
+              <a:rPr lang="en-US" sz="2000" b="1" dirty="0" smtClean="0">
+                <a:latin typeface="Consolas" panose="020B0609020204030204" pitchFamily="49" charset="0"/>
+                <a:cs typeface="Consolas" panose="020B0609020204030204" pitchFamily="49" charset="0"/>
+              </a:rPr>
+              <a:t>.</a:t>
+            </a:r>
+          </a:p>
+          <a:p>
+            <a:pPr marL="0" indent="0">
+              <a:spcBef>
+                <a:spcPts val="0"/>
+              </a:spcBef>
+              <a:buNone/>
+            </a:pPr>
+            <a:r>
+              <a:rPr lang="en-US" sz="2000" b="1" dirty="0" smtClean="0">
+                <a:latin typeface="Consolas" panose="020B0609020204030204" pitchFamily="49" charset="0"/>
+                <a:cs typeface="Consolas" panose="020B0609020204030204" pitchFamily="49" charset="0"/>
+              </a:rPr>
+              <a:t>; STRATEGY: divide into cases on sign of x</a:t>
+            </a:r>
+            <a:endParaRPr lang="en-US" sz="2000" b="1" dirty="0">
+              <a:latin typeface="Consolas" panose="020B0609020204030204" pitchFamily="49" charset="0"/>
+              <a:cs typeface="Consolas" panose="020B0609020204030204" pitchFamily="49" charset="0"/>
+            </a:endParaRPr>
+          </a:p>
+          <a:p>
+            <a:pPr marL="0" indent="0">
+              <a:spcBef>
+                <a:spcPts val="0"/>
+              </a:spcBef>
+              <a:buNone/>
+            </a:pPr>
+            <a:r>
+              <a:rPr lang="en-US" sz="2000" b="1" dirty="0">
+                <a:latin typeface="Consolas" panose="020B0609020204030204" pitchFamily="49" charset="0"/>
+                <a:cs typeface="Consolas" panose="020B0609020204030204" pitchFamily="49" charset="0"/>
+              </a:rPr>
+              <a:t>(define (abs x)</a:t>
+            </a:r>
+          </a:p>
+          <a:p>
+            <a:pPr marL="0" indent="0">
+              <a:spcBef>
+                <a:spcPts val="0"/>
+              </a:spcBef>
+              <a:buNone/>
+            </a:pPr>
+            <a:r>
+              <a:rPr lang="en-US" sz="2000" b="1" dirty="0">
+                <a:latin typeface="Consolas" panose="020B0609020204030204" pitchFamily="49" charset="0"/>
+                <a:cs typeface="Consolas" panose="020B0609020204030204" pitchFamily="49" charset="0"/>
+              </a:rPr>
+              <a:t>  (if (&lt; x 0)</a:t>
+            </a:r>
+          </a:p>
+          <a:p>
+            <a:pPr marL="0" indent="0">
+              <a:spcBef>
+                <a:spcPts val="0"/>
+              </a:spcBef>
+              <a:buNone/>
+            </a:pPr>
+            <a:r>
+              <a:rPr lang="en-US" sz="2000" b="1" dirty="0">
+                <a:latin typeface="Consolas" panose="020B0609020204030204" pitchFamily="49" charset="0"/>
+                <a:cs typeface="Consolas" panose="020B0609020204030204" pitchFamily="49" charset="0"/>
+              </a:rPr>
+              <a:t>      (- 0 x)</a:t>
+            </a:r>
+          </a:p>
+          <a:p>
+            <a:pPr marL="0" indent="0">
+              <a:spcBef>
+                <a:spcPts val="0"/>
+              </a:spcBef>
+              <a:buNone/>
+            </a:pPr>
+            <a:r>
+              <a:rPr lang="en-US" sz="2000" b="1" dirty="0">
+                <a:latin typeface="Consolas" panose="020B0609020204030204" pitchFamily="49" charset="0"/>
+                <a:cs typeface="Consolas" panose="020B0609020204030204" pitchFamily="49" charset="0"/>
+              </a:rPr>
+              <a:t>      x))</a:t>
+            </a:r>
+            <a:endParaRPr lang="en-US" sz="2000" b="1" dirty="0" smtClean="0">
+              <a:latin typeface="Consolas" panose="020B0609020204030204" pitchFamily="49" charset="0"/>
+              <a:cs typeface="Consolas" panose="020B0609020204030204" pitchFamily="49" charset="0"/>
+            </a:endParaRPr>
           </a:p>
         </p:txBody>
       </p:sp>
@@ -8466,13 +10016,20 @@
     </p:spTree>
     <p:extLst>
       <p:ext uri="{BB962C8B-B14F-4D97-AF65-F5344CB8AC3E}">
-        <p14:creationId xmlns:p14="http://schemas.microsoft.com/office/powerpoint/2010/main" val="461952826"/>
+        <p14:creationId xmlns:p14="http://schemas.microsoft.com/office/powerpoint/2010/main" val="2557977111"/>
       </p:ext>
     </p:extLst>
   </p:cSld>
   <p:clrMapOvr>
     <a:masterClrMapping/>
   </p:clrMapOvr>
+  <p:timing>
+    <p:tnLst>
+      <p:par>
+        <p:cTn id="1" dur="indefinite" restart="never" nodeType="tmRoot"/>
+      </p:par>
+    </p:tnLst>
+  </p:timing>
 </p:sld>
 </file>
 
@@ -8505,6 +10062,133 @@
         </p:nvSpPr>
         <p:spPr/>
         <p:txBody>
+          <a:bodyPr/>
+          <a:lstStyle/>
+          <a:p>
+            <a:r>
+              <a:rPr lang="en-US" dirty="0" smtClean="0"/>
+              <a:t>Example: income tax</a:t>
+            </a:r>
+            <a:endParaRPr lang="en-US" dirty="0"/>
+          </a:p>
+        </p:txBody>
+      </p:sp>
+      <p:sp>
+        <p:nvSpPr>
+          <p:cNvPr id="3" name="Content Placeholder 2"/>
+          <p:cNvSpPr>
+            <a:spLocks noGrp="1"/>
+          </p:cNvSpPr>
+          <p:nvPr>
+            <p:ph idx="1"/>
+          </p:nvPr>
+        </p:nvSpPr>
+        <p:spPr/>
+        <p:txBody>
+          <a:bodyPr/>
+          <a:lstStyle/>
+          <a:p>
+            <a:r>
+              <a:rPr lang="en-US" dirty="0" smtClean="0"/>
+              <a:t>Imagine we are computing income tax in a system where there are three rates:</a:t>
+            </a:r>
+          </a:p>
+          <a:p>
+            <a:pPr lvl="1"/>
+            <a:r>
+              <a:rPr lang="en-US" dirty="0" smtClean="0"/>
+              <a:t>One on incomes less than $10,000</a:t>
+            </a:r>
+          </a:p>
+          <a:p>
+            <a:pPr lvl="1"/>
+            <a:r>
+              <a:rPr lang="en-US" dirty="0" smtClean="0"/>
+              <a:t>One on incomes between $10,000 and $20,000</a:t>
+            </a:r>
+          </a:p>
+          <a:p>
+            <a:pPr lvl="1"/>
+            <a:r>
+              <a:rPr lang="en-US" dirty="0" smtClean="0"/>
+              <a:t>One on incomes of $20,000 and over</a:t>
+            </a:r>
+          </a:p>
+          <a:p>
+            <a:r>
+              <a:rPr lang="en-US" dirty="0" smtClean="0"/>
+              <a:t>The natural thing to do is to partition the income into three cases, corresponding to these three income ranges.</a:t>
+            </a:r>
+            <a:endParaRPr lang="en-US" dirty="0"/>
+          </a:p>
+        </p:txBody>
+      </p:sp>
+      <p:sp>
+        <p:nvSpPr>
+          <p:cNvPr id="4" name="Slide Number Placeholder 3"/>
+          <p:cNvSpPr>
+            <a:spLocks noGrp="1"/>
+          </p:cNvSpPr>
+          <p:nvPr>
+            <p:ph type="sldNum" sz="quarter" idx="12"/>
+          </p:nvPr>
+        </p:nvSpPr>
+        <p:spPr/>
+        <p:txBody>
+          <a:bodyPr/>
+          <a:lstStyle/>
+          <a:p>
+            <a:fld id="{B6F15528-21DE-4FAA-801E-634DDDAF4B2B}" type="slidenum">
+              <a:rPr lang="en-US" smtClean="0"/>
+              <a:pPr/>
+              <a:t>4</a:t>
+            </a:fld>
+            <a:endParaRPr lang="en-US" dirty="0"/>
+          </a:p>
+        </p:txBody>
+      </p:sp>
+    </p:spTree>
+    <p:extLst>
+      <p:ext uri="{BB962C8B-B14F-4D97-AF65-F5344CB8AC3E}">
+        <p14:creationId xmlns:p14="http://schemas.microsoft.com/office/powerpoint/2010/main" val="461952826"/>
+      </p:ext>
+    </p:extLst>
+  </p:cSld>
+  <p:clrMapOvr>
+    <a:masterClrMapping/>
+  </p:clrMapOvr>
+</p:sld>
+</file>
+
+<file path=ppt/slides/slide5.xml><?xml version="1.0" encoding="utf-8"?>
+<p:sld xmlns:a="http://schemas.openxmlformats.org/drawingml/2006/main" xmlns:r="http://schemas.openxmlformats.org/officeDocument/2006/relationships" xmlns:p="http://schemas.openxmlformats.org/presentationml/2006/main">
+  <p:cSld>
+    <p:spTree>
+      <p:nvGrpSpPr>
+        <p:cNvPr id="1" name=""/>
+        <p:cNvGrpSpPr/>
+        <p:nvPr/>
+      </p:nvGrpSpPr>
+      <p:grpSpPr>
+        <a:xfrm>
+          <a:off x="0" y="0"/>
+          <a:ext cx="0" cy="0"/>
+          <a:chOff x="0" y="0"/>
+          <a:chExt cx="0" cy="0"/>
+        </a:xfrm>
+      </p:grpSpPr>
+      <p:sp>
+        <p:nvSpPr>
+          <p:cNvPr id="2" name="Title 1"/>
+          <p:cNvSpPr>
+            <a:spLocks noGrp="1"/>
+          </p:cNvSpPr>
+          <p:nvPr>
+            <p:ph type="title"/>
+          </p:nvPr>
+        </p:nvSpPr>
+        <p:spPr/>
+        <p:txBody>
           <a:bodyPr>
             <a:normAutofit fontScale="90000"/>
           </a:bodyPr>
@@ -8528,11 +10212,7 @@
             </a:r>
             <a:r>
               <a:rPr lang="en-US" dirty="0" smtClean="0"/>
-              <a:t>that divides the data into the desired cases</a:t>
-            </a:r>
-            <a:r>
-              <a:rPr lang="en-US" dirty="0" smtClean="0"/>
-              <a:t> </a:t>
+              <a:t>that divides the data into the desired cases </a:t>
             </a:r>
             <a:endParaRPr lang="en-US" dirty="0"/>
           </a:p>
@@ -8556,7 +10236,7 @@
             <a:fld id="{B6F15528-21DE-4FAA-801E-634DDDAF4B2B}" type="slidenum">
               <a:rPr lang="en-US" smtClean="0"/>
               <a:pPr/>
-              <a:t>4</a:t>
+              <a:t>5</a:t>
             </a:fld>
             <a:endParaRPr lang="en-US" dirty="0"/>
           </a:p>
@@ -8594,10 +10274,6 @@
               </a:rPr>
               <a:t>;; STRATEGY: Cases on amt</a:t>
             </a:r>
-            <a:endParaRPr lang="en-US" sz="2400" b="1" dirty="0" smtClean="0">
-              <a:latin typeface="Consolas" pitchFamily="49" charset="0"/>
-              <a:cs typeface="Consolas" pitchFamily="49" charset="0"/>
-            </a:endParaRPr>
           </a:p>
           <a:p>
             <a:pPr>
@@ -8705,7 +10381,7 @@
 </p:sld>
 </file>
 
-<file path=ppt/slides/slide5.xml><?xml version="1.0" encoding="utf-8"?>
+<file path=ppt/slides/slide6.xml><?xml version="1.0" encoding="utf-8"?>
 <p:sld xmlns:a="http://schemas.openxmlformats.org/drawingml/2006/main" xmlns:r="http://schemas.openxmlformats.org/officeDocument/2006/relationships" xmlns:p="http://schemas.openxmlformats.org/presentationml/2006/main">
   <p:cSld>
     <p:spTree>
@@ -8759,7 +10435,6 @@
               <a:rPr lang="en-US" dirty="0"/>
               <a:t>that divides the data into the desired cases </a:t>
             </a:r>
-            <a:endParaRPr lang="en-US" dirty="0"/>
           </a:p>
         </p:txBody>
       </p:sp>
@@ -8830,27 +10505,7 @@
                 <a:latin typeface="Consolas" pitchFamily="49" charset="0"/>
                 <a:cs typeface="Consolas" pitchFamily="49" charset="0"/>
               </a:rPr>
-              <a:t>;; </a:t>
-            </a:r>
-            <a:r>
-              <a:rPr lang="en-US" sz="2000" b="1" dirty="0" smtClean="0">
-                <a:solidFill>
-                  <a:srgbClr val="FF0000"/>
-                </a:solidFill>
-                <a:latin typeface="Consolas" pitchFamily="49" charset="0"/>
-                <a:cs typeface="Consolas" pitchFamily="49" charset="0"/>
-              </a:rPr>
-              <a:t>RETURNS: </a:t>
-            </a:r>
-            <a:r>
-              <a:rPr lang="en-US" sz="2000" b="1" dirty="0" smtClean="0">
-                <a:solidFill>
-                  <a:srgbClr val="FF0000"/>
-                </a:solidFill>
-                <a:latin typeface="Consolas" pitchFamily="49" charset="0"/>
-                <a:cs typeface="Consolas" pitchFamily="49" charset="0"/>
-              </a:rPr>
-              <a:t>the tax on the income</a:t>
+              <a:t>;; RETURNS: the tax on the income</a:t>
             </a:r>
           </a:p>
           <a:p>
@@ -9171,7 +10826,7 @@
 </p:sld>
 </file>
 
-<file path=ppt/slides/slide6.xml><?xml version="1.0" encoding="utf-8"?>
+<file path=ppt/slides/slide7.xml><?xml version="1.0" encoding="utf-8"?>
 <p:sld xmlns:a="http://schemas.openxmlformats.org/drawingml/2006/main" xmlns:r="http://schemas.openxmlformats.org/officeDocument/2006/relationships" xmlns:p="http://schemas.openxmlformats.org/presentationml/2006/main">
   <p:cSld>
     <p:spTree>
@@ -9207,11 +10862,7 @@
           <a:p>
             <a:r>
               <a:rPr lang="en-US" dirty="0" smtClean="0"/>
-              <a:t>Now fill in the </a:t>
-            </a:r>
-            <a:r>
-              <a:rPr lang="en-US" dirty="0" smtClean="0"/>
-              <a:t>blanks</a:t>
+              <a:t>Now fill in the blanks</a:t>
             </a:r>
             <a:endParaRPr lang="en-US" dirty="0"/>
           </a:p>
@@ -9305,14 +10956,7 @@
                 <a:latin typeface="Consolas" pitchFamily="49" charset="0"/>
                 <a:cs typeface="Consolas" pitchFamily="49" charset="0"/>
               </a:rPr>
-              <a:t>RETURNS</a:t>
-            </a:r>
-            <a:r>
-              <a:rPr lang="en-US" sz="2400" b="1" dirty="0" smtClean="0">
-                <a:latin typeface="Consolas" pitchFamily="49" charset="0"/>
-                <a:cs typeface="Consolas" pitchFamily="49" charset="0"/>
-              </a:rPr>
-              <a:t>: </a:t>
+              <a:t>RETURNS: </a:t>
             </a:r>
             <a:r>
               <a:rPr lang="en-US" sz="2400" b="1" dirty="0">
@@ -9485,27 +11129,7 @@
                 <a:latin typeface="Consolas" pitchFamily="49" charset="0"/>
                 <a:cs typeface="Consolas" pitchFamily="49" charset="0"/>
               </a:rPr>
-              <a:t>(+ 1000 (* </a:t>
-            </a:r>
-            <a:r>
-              <a:rPr lang="en-US" sz="2400" b="1" dirty="0" smtClean="0">
-                <a:solidFill>
-                  <a:srgbClr val="FF0000"/>
-                </a:solidFill>
-                <a:latin typeface="Consolas" pitchFamily="49" charset="0"/>
-                <a:cs typeface="Consolas" pitchFamily="49" charset="0"/>
-              </a:rPr>
-              <a:t>0.20 (- amt 20000</a:t>
-            </a:r>
-            <a:r>
-              <a:rPr lang="en-US" sz="2400" b="1" dirty="0" smtClean="0">
-                <a:solidFill>
-                  <a:srgbClr val="FF0000"/>
-                </a:solidFill>
-                <a:latin typeface="Consolas" pitchFamily="49" charset="0"/>
-                <a:cs typeface="Consolas" pitchFamily="49" charset="0"/>
-              </a:rPr>
-              <a:t>)))</a:t>
+              <a:t>(+ 1000 (* 0.20 (- amt 20000)))</a:t>
             </a:r>
             <a:r>
               <a:rPr lang="en-US" sz="2400" b="1" dirty="0" smtClean="0">
@@ -9514,10 +11138,6 @@
               </a:rPr>
               <a:t>]))</a:t>
             </a:r>
-            <a:endParaRPr lang="en-US" sz="2400" b="1" dirty="0" smtClean="0">
-              <a:latin typeface="Consolas" pitchFamily="49" charset="0"/>
-              <a:cs typeface="Consolas" pitchFamily="49" charset="0"/>
-            </a:endParaRPr>
           </a:p>
           <a:p>
             <a:pPr>
@@ -9684,180 +11304,6 @@
 </p:sld>
 </file>
 
-<file path=ppt/slides/slide7.xml><?xml version="1.0" encoding="utf-8"?>
-<p:sld xmlns:a="http://schemas.openxmlformats.org/drawingml/2006/main" xmlns:r="http://schemas.openxmlformats.org/officeDocument/2006/relationships" xmlns:p="http://schemas.openxmlformats.org/presentationml/2006/main">
-  <p:cSld>
-    <p:spTree>
-      <p:nvGrpSpPr>
-        <p:cNvPr id="1" name=""/>
-        <p:cNvGrpSpPr/>
-        <p:nvPr/>
-      </p:nvGrpSpPr>
-      <p:grpSpPr>
-        <a:xfrm>
-          <a:off x="0" y="0"/>
-          <a:ext cx="0" cy="0"/>
-          <a:chOff x="0" y="0"/>
-          <a:chExt cx="0" cy="0"/>
-        </a:xfrm>
-      </p:grpSpPr>
-      <p:sp>
-        <p:nvSpPr>
-          <p:cNvPr id="5" name="Title 4"/>
-          <p:cNvSpPr>
-            <a:spLocks noGrp="1"/>
-          </p:cNvSpPr>
-          <p:nvPr>
-            <p:ph type="title"/>
-          </p:nvPr>
-        </p:nvSpPr>
-        <p:spPr/>
-        <p:txBody>
-          <a:bodyPr/>
-          <a:lstStyle/>
-          <a:p>
-            <a:r>
-              <a:rPr lang="en-US" dirty="0" smtClean="0"/>
-              <a:t>Another example</a:t>
-            </a:r>
-            <a:endParaRPr lang="en-US" dirty="0"/>
-          </a:p>
-        </p:txBody>
-      </p:sp>
-      <p:sp>
-        <p:nvSpPr>
-          <p:cNvPr id="6" name="Content Placeholder 5"/>
-          <p:cNvSpPr>
-            <a:spLocks noGrp="1"/>
-          </p:cNvSpPr>
-          <p:nvPr>
-            <p:ph idx="1"/>
-          </p:nvPr>
-        </p:nvSpPr>
-        <p:spPr/>
-        <p:txBody>
-          <a:bodyPr/>
-          <a:lstStyle/>
-          <a:p>
-            <a:r>
-              <a:rPr lang="en-US" dirty="0"/>
-              <a:t>;; ball-after-tick : Ball -&gt; Ball</a:t>
-            </a:r>
-          </a:p>
-          <a:p>
-            <a:r>
-              <a:rPr lang="en-US" dirty="0">
-                <a:solidFill>
-                  <a:srgbClr val="FF0000"/>
-                </a:solidFill>
-              </a:rPr>
-              <a:t>;; </a:t>
-            </a:r>
-            <a:r>
-              <a:rPr lang="en-US" dirty="0" smtClean="0">
-                <a:solidFill>
-                  <a:srgbClr val="FF0000"/>
-                </a:solidFill>
-              </a:rPr>
-              <a:t>STRATEGY: cases on whether ball would hit the wall on </a:t>
-            </a:r>
-          </a:p>
-          <a:p>
-            <a:r>
-              <a:rPr lang="en-US" dirty="0" smtClean="0">
-                <a:solidFill>
-                  <a:srgbClr val="FF0000"/>
-                </a:solidFill>
-              </a:rPr>
-              <a:t>;; the next tick</a:t>
-            </a:r>
-            <a:endParaRPr lang="en-US" dirty="0">
-              <a:solidFill>
-                <a:srgbClr val="FF0000"/>
-              </a:solidFill>
-            </a:endParaRPr>
-          </a:p>
-          <a:p>
-            <a:endParaRPr lang="en-US" dirty="0" smtClean="0"/>
-          </a:p>
-          <a:p>
-            <a:r>
-              <a:rPr lang="en-US" dirty="0" smtClean="0"/>
-              <a:t>(</a:t>
-            </a:r>
-            <a:r>
-              <a:rPr lang="en-US" dirty="0"/>
-              <a:t>define (ball-after-tick b)</a:t>
-            </a:r>
-          </a:p>
-          <a:p>
-            <a:r>
-              <a:rPr lang="en-US" dirty="0"/>
-              <a:t>  (</a:t>
-            </a:r>
-            <a:r>
-              <a:rPr lang="en-US" dirty="0" smtClean="0"/>
-              <a:t>if (</a:t>
-            </a:r>
-            <a:r>
-              <a:rPr lang="en-US" dirty="0"/>
-              <a:t>ball-would-hit-wall? b)</a:t>
-            </a:r>
-          </a:p>
-          <a:p>
-            <a:r>
-              <a:rPr lang="en-US" dirty="0"/>
-              <a:t>    (ball-after-bounce b)</a:t>
-            </a:r>
-          </a:p>
-          <a:p>
-            <a:r>
-              <a:rPr lang="en-US" dirty="0"/>
-              <a:t>    (ball-after-straight-travel b)))</a:t>
-            </a:r>
-          </a:p>
-          <a:p>
-            <a:endParaRPr lang="en-US" dirty="0"/>
-          </a:p>
-        </p:txBody>
-      </p:sp>
-      <p:sp>
-        <p:nvSpPr>
-          <p:cNvPr id="4" name="Slide Number Placeholder 3"/>
-          <p:cNvSpPr>
-            <a:spLocks noGrp="1"/>
-          </p:cNvSpPr>
-          <p:nvPr>
-            <p:ph type="sldNum" sz="quarter" idx="12"/>
-          </p:nvPr>
-        </p:nvSpPr>
-        <p:spPr/>
-        <p:txBody>
-          <a:bodyPr/>
-          <a:lstStyle/>
-          <a:p>
-            <a:fld id="{B6F15528-21DE-4FAA-801E-634DDDAF4B2B}" type="slidenum">
-              <a:rPr lang="en-US" smtClean="0"/>
-              <a:pPr/>
-              <a:t>7</a:t>
-            </a:fld>
-            <a:endParaRPr lang="en-US" dirty="0"/>
-          </a:p>
-        </p:txBody>
-      </p:sp>
-    </p:spTree>
-    <p:extLst>
-      <p:ext uri="{BB962C8B-B14F-4D97-AF65-F5344CB8AC3E}">
-        <p14:creationId xmlns:p14="http://schemas.microsoft.com/office/powerpoint/2010/main" val="1822819290"/>
-      </p:ext>
-    </p:extLst>
-  </p:cSld>
-  <p:clrMapOvr>
-    <a:masterClrMapping/>
-  </p:clrMapOvr>
-</p:sld>
-</file>
-
 <file path=ppt/slides/slide8.xml><?xml version="1.0" encoding="utf-8"?>
 <p:sld xmlns:a="http://schemas.openxmlformats.org/drawingml/2006/main" xmlns:r="http://schemas.openxmlformats.org/officeDocument/2006/relationships" xmlns:p="http://schemas.openxmlformats.org/presentationml/2006/main">
   <p:cSld>
@@ -9877,7 +11323,7 @@
       </p:grpSpPr>
       <p:sp>
         <p:nvSpPr>
-          <p:cNvPr id="2" name="Title 1"/>
+          <p:cNvPr id="5" name="Title 4"/>
           <p:cNvSpPr>
             <a:spLocks noGrp="1"/>
           </p:cNvSpPr>
@@ -9887,14 +11333,12 @@
         </p:nvSpPr>
         <p:spPr/>
         <p:txBody>
-          <a:bodyPr>
-            <a:normAutofit fontScale="90000"/>
-          </a:bodyPr>
+          <a:bodyPr/>
           <a:lstStyle/>
           <a:p>
             <a:r>
               <a:rPr lang="en-US" dirty="0" smtClean="0"/>
-              <a:t>Where does cases fit in our menu of design strategies?</a:t>
+              <a:t>Another example</a:t>
             </a:r>
             <a:endParaRPr lang="en-US" dirty="0"/>
           </a:p>
@@ -9902,7 +11346,7 @@
       </p:sp>
       <p:sp>
         <p:nvSpPr>
-          <p:cNvPr id="3" name="Content Placeholder 2"/>
+          <p:cNvPr id="6" name="Content Placeholder 5"/>
           <p:cNvSpPr>
             <a:spLocks noGrp="1"/>
           </p:cNvSpPr>
@@ -9916,15 +11360,83 @@
           <a:lstStyle/>
           <a:p>
             <a:r>
+              <a:rPr lang="en-US" dirty="0"/>
+              <a:t>;; ball-after-tick : Ball -&gt; Ball</a:t>
+            </a:r>
+          </a:p>
+          <a:p>
+            <a:r>
+              <a:rPr lang="en-US" dirty="0">
+                <a:solidFill>
+                  <a:srgbClr val="FF0000"/>
+                </a:solidFill>
+              </a:rPr>
+              <a:t>;; </a:t>
+            </a:r>
+            <a:r>
+              <a:rPr lang="en-US" dirty="0" smtClean="0">
+                <a:solidFill>
+                  <a:srgbClr val="FF0000"/>
+                </a:solidFill>
+              </a:rPr>
+              <a:t>STRATEGY: cases on whether ball would hit the wall on </a:t>
+            </a:r>
+          </a:p>
+          <a:p>
+            <a:r>
+              <a:rPr lang="en-US" dirty="0" smtClean="0">
+                <a:solidFill>
+                  <a:srgbClr val="FF0000"/>
+                </a:solidFill>
+              </a:rPr>
+              <a:t>;; the next tick</a:t>
+            </a:r>
+            <a:endParaRPr lang="en-US" dirty="0">
+              <a:solidFill>
+                <a:srgbClr val="FF0000"/>
+              </a:solidFill>
+            </a:endParaRPr>
+          </a:p>
+          <a:p>
+            <a:endParaRPr lang="en-US" dirty="0" smtClean="0"/>
+          </a:p>
+          <a:p>
+            <a:r>
               <a:rPr lang="en-US" dirty="0" smtClean="0"/>
-              <a:t>If you are inspecting a piece of enumeration or mixed data, you almost always want to use the template for that data type.</a:t>
-            </a:r>
-          </a:p>
-          <a:p>
+              <a:t>(</a:t>
+            </a:r>
+            <a:r>
+              <a:rPr lang="en-US" dirty="0"/>
+              <a:t>define (ball-after-tick b)</a:t>
+            </a:r>
+          </a:p>
+          <a:p>
+            <a:r>
+              <a:rPr lang="en-US" dirty="0"/>
+              <a:t>  (</a:t>
+            </a:r>
             <a:r>
               <a:rPr lang="en-US" dirty="0" smtClean="0"/>
-              <a:t>Cases is just for when dividing up the data by the template doesn't work.</a:t>
-            </a:r>
+              <a:t>if (</a:t>
+            </a:r>
+            <a:r>
+              <a:rPr lang="en-US" dirty="0"/>
+              <a:t>ball-would-hit-wall? b)</a:t>
+            </a:r>
+          </a:p>
+          <a:p>
+            <a:r>
+              <a:rPr lang="en-US" dirty="0"/>
+              <a:t>    (ball-after-bounce b)</a:t>
+            </a:r>
+          </a:p>
+          <a:p>
+            <a:r>
+              <a:rPr lang="en-US" dirty="0"/>
+              <a:t>    (ball-after-straight-travel b)))</a:t>
+            </a:r>
+          </a:p>
+          <a:p>
             <a:endParaRPr lang="en-US" dirty="0"/>
           </a:p>
         </p:txBody>
@@ -9956,20 +11468,13 @@
     </p:spTree>
     <p:extLst>
       <p:ext uri="{BB962C8B-B14F-4D97-AF65-F5344CB8AC3E}">
-        <p14:creationId xmlns:p14="http://schemas.microsoft.com/office/powerpoint/2010/main" val="1152696211"/>
+        <p14:creationId xmlns:p14="http://schemas.microsoft.com/office/powerpoint/2010/main" val="1822819290"/>
       </p:ext>
     </p:extLst>
   </p:cSld>
   <p:clrMapOvr>
     <a:masterClrMapping/>
   </p:clrMapOvr>
-  <p:timing>
-    <p:tnLst>
-      <p:par>
-        <p:cTn id="1" dur="indefinite" restart="never" nodeType="tmRoot"/>
-      </p:par>
-    </p:tnLst>
-  </p:timing>
 </p:sld>
 </file>
 
@@ -10002,12 +11507,14 @@
         </p:nvSpPr>
         <p:spPr/>
         <p:txBody>
-          <a:bodyPr/>
+          <a:bodyPr>
+            <a:normAutofit fontScale="90000"/>
+          </a:bodyPr>
           <a:lstStyle/>
           <a:p>
             <a:r>
               <a:rPr lang="en-US" dirty="0" smtClean="0"/>
-              <a:t>Next Steps</a:t>
+              <a:t>Where does cases fit in our menu of design strategies?</a:t>
             </a:r>
             <a:endParaRPr lang="en-US" dirty="0"/>
           </a:p>
@@ -10029,20 +11536,24 @@
           <a:lstStyle/>
           <a:p>
             <a:r>
-              <a:rPr lang="en-US" dirty="0"/>
-              <a:t>If you have questions or comments about this lesson, post them on the discussion board</a:t>
-            </a:r>
-            <a:r>
               <a:rPr lang="en-US" dirty="0" smtClean="0"/>
-              <a:t>.</a:t>
-            </a:r>
-          </a:p>
-          <a:p>
-            <a:r>
-              <a:rPr lang="en-US" dirty="0" smtClean="0"/>
-              <a:t>Go on to the next lesson</a:t>
-            </a:r>
-            <a:endParaRPr lang="en-US" dirty="0"/>
+              <a:t>If you are inspecting a piece of enumeration or mixed data, you almost always want to use the template for that data type.</a:t>
+            </a:r>
+          </a:p>
+          <a:p>
+            <a:r>
+              <a:rPr lang="en-US" dirty="0" smtClean="0">
+                <a:solidFill>
+                  <a:srgbClr val="FF0000"/>
+                </a:solidFill>
+              </a:rPr>
+              <a:t>Cases is just for when dividing up the data by the template doesn't work.</a:t>
+            </a:r>
+            <a:endParaRPr lang="en-US" dirty="0">
+              <a:solidFill>
+                <a:srgbClr val="FF0000"/>
+              </a:solidFill>
+            </a:endParaRPr>
           </a:p>
         </p:txBody>
       </p:sp>
@@ -10073,7 +11584,7 @@
     </p:spTree>
     <p:extLst>
       <p:ext uri="{BB962C8B-B14F-4D97-AF65-F5344CB8AC3E}">
-        <p14:creationId xmlns:p14="http://schemas.microsoft.com/office/powerpoint/2010/main" val="1504809691"/>
+        <p14:creationId xmlns:p14="http://schemas.microsoft.com/office/powerpoint/2010/main" val="1152696211"/>
       </p:ext>
     </p:extLst>
   </p:cSld>

--- a/Slides/Lesson 2.2 Dividing into cases.pptx
+++ b/Slides/Lesson 2.2 Dividing into cases.pptx
@@ -239,7 +239,7 @@
           <a:p>
             <a:fld id="{0FAC78B3-EDCE-4187-A1AE-28620314FA32}" type="datetimeFigureOut">
               <a:rPr lang="en-US" smtClean="0"/>
-              <a:t>8/13/2015</a:t>
+              <a:t>7/26/2016</a:t>
             </a:fld>
             <a:endParaRPr lang="en-US" dirty="0"/>
           </a:p>
@@ -303,38 +303,37 @@
           <a:p>
             <a:pPr lvl="0"/>
             <a:r>
-              <a:rPr lang="en-US" smtClean="0"/>
+              <a:rPr lang="en-US"/>
               <a:t>Click to edit Master text styles</a:t>
             </a:r>
           </a:p>
           <a:p>
             <a:pPr lvl="1"/>
             <a:r>
-              <a:rPr lang="en-US" smtClean="0"/>
+              <a:rPr lang="en-US"/>
               <a:t>Second level</a:t>
             </a:r>
           </a:p>
           <a:p>
             <a:pPr lvl="2"/>
             <a:r>
-              <a:rPr lang="en-US" smtClean="0"/>
+              <a:rPr lang="en-US"/>
               <a:t>Third level</a:t>
             </a:r>
           </a:p>
           <a:p>
             <a:pPr lvl="3"/>
             <a:r>
-              <a:rPr lang="en-US" smtClean="0"/>
+              <a:rPr lang="en-US"/>
               <a:t>Fourth level</a:t>
             </a:r>
           </a:p>
           <a:p>
             <a:pPr lvl="4"/>
             <a:r>
-              <a:rPr lang="en-US" smtClean="0"/>
+              <a:rPr lang="en-US"/>
               <a:t>Fifth level</a:t>
             </a:r>
-            <a:endParaRPr lang="en-US"/>
           </a:p>
         </p:txBody>
       </p:sp>
@@ -545,10 +544,9 @@
           <a:lstStyle/>
           <a:p>
             <a:r>
-              <a:rPr lang="en-US" smtClean="0"/>
+              <a:rPr lang="en-US"/>
               <a:t>Click to edit Master title style</a:t>
             </a:r>
-            <a:endParaRPr lang="en-US"/>
           </a:p>
         </p:txBody>
       </p:sp>
@@ -664,10 +662,9 @@
           </a:lstStyle>
           <a:p>
             <a:r>
-              <a:rPr lang="en-US" smtClean="0"/>
+              <a:rPr lang="en-US"/>
               <a:t>Click to edit Master subtitle style</a:t>
             </a:r>
-            <a:endParaRPr lang="en-US"/>
           </a:p>
         </p:txBody>
       </p:sp>
@@ -688,7 +685,7 @@
           <a:p>
             <a:fld id="{CA8B1E08-976E-451D-97C5-3D69BA983FFE}" type="datetime1">
               <a:rPr lang="en-US" smtClean="0"/>
-              <a:t>8/13/2015</a:t>
+              <a:t>7/26/2016</a:t>
             </a:fld>
             <a:endParaRPr lang="en-US" dirty="0"/>
           </a:p>
@@ -742,13 +739,6 @@
   <p:clrMapOvr>
     <a:masterClrMapping/>
   </p:clrMapOvr>
-  <p:timing>
-    <p:tnLst>
-      <p:par>
-        <p:cTn id="1" dur="indefinite" restart="never" nodeType="tmRoot"/>
-      </p:par>
-    </p:tnLst>
-  </p:timing>
 </p:sldLayout>
 </file>
 
@@ -794,10 +784,9 @@
           </a:lstStyle>
           <a:p>
             <a:r>
-              <a:rPr lang="en-US" smtClean="0"/>
+              <a:rPr lang="en-US"/>
               <a:t>Click to edit Master title style</a:t>
             </a:r>
-            <a:endParaRPr lang="en-US"/>
           </a:p>
         </p:txBody>
       </p:sp>
@@ -921,7 +910,7 @@
           <a:p>
             <a:pPr lvl="0"/>
             <a:r>
-              <a:rPr lang="en-US" smtClean="0"/>
+              <a:rPr lang="en-US"/>
               <a:t>Click to edit Master text styles</a:t>
             </a:r>
           </a:p>
@@ -944,7 +933,7 @@
           <a:p>
             <a:fld id="{F33D5BC8-75F3-411B-AA7E-18F2517CF048}" type="datetime1">
               <a:rPr lang="en-US" smtClean="0"/>
-              <a:t>8/13/2015</a:t>
+              <a:t>7/26/2016</a:t>
             </a:fld>
             <a:endParaRPr lang="en-US" dirty="0"/>
           </a:p>
@@ -1034,10 +1023,9 @@
           <a:lstStyle/>
           <a:p>
             <a:r>
-              <a:rPr lang="en-US" smtClean="0"/>
+              <a:rPr lang="en-US"/>
               <a:t>Click to edit Master title style</a:t>
             </a:r>
-            <a:endParaRPr lang="en-US"/>
           </a:p>
         </p:txBody>
       </p:sp>
@@ -1058,38 +1046,37 @@
           <a:p>
             <a:pPr lvl="0"/>
             <a:r>
-              <a:rPr lang="en-US" smtClean="0"/>
+              <a:rPr lang="en-US"/>
               <a:t>Click to edit Master text styles</a:t>
             </a:r>
           </a:p>
           <a:p>
             <a:pPr lvl="1"/>
             <a:r>
-              <a:rPr lang="en-US" smtClean="0"/>
+              <a:rPr lang="en-US"/>
               <a:t>Second level</a:t>
             </a:r>
           </a:p>
           <a:p>
             <a:pPr lvl="2"/>
             <a:r>
-              <a:rPr lang="en-US" smtClean="0"/>
+              <a:rPr lang="en-US"/>
               <a:t>Third level</a:t>
             </a:r>
           </a:p>
           <a:p>
             <a:pPr lvl="3"/>
             <a:r>
-              <a:rPr lang="en-US" smtClean="0"/>
+              <a:rPr lang="en-US"/>
               <a:t>Fourth level</a:t>
             </a:r>
           </a:p>
           <a:p>
             <a:pPr lvl="4"/>
             <a:r>
-              <a:rPr lang="en-US" smtClean="0"/>
+              <a:rPr lang="en-US"/>
               <a:t>Fifth level</a:t>
             </a:r>
-            <a:endParaRPr lang="en-US"/>
           </a:p>
         </p:txBody>
       </p:sp>
@@ -1110,7 +1097,7 @@
           <a:p>
             <a:fld id="{394448D4-AED6-43DB-A0F8-CD4938D2549C}" type="datetime1">
               <a:rPr lang="en-US" smtClean="0"/>
-              <a:t>8/13/2015</a:t>
+              <a:t>7/26/2016</a:t>
             </a:fld>
             <a:endParaRPr lang="en-US" dirty="0"/>
           </a:p>
@@ -1205,10 +1192,9 @@
           <a:lstStyle/>
           <a:p>
             <a:r>
-              <a:rPr lang="en-US" smtClean="0"/>
+              <a:rPr lang="en-US"/>
               <a:t>Click to edit Master title style</a:t>
             </a:r>
-            <a:endParaRPr lang="en-US"/>
           </a:p>
         </p:txBody>
       </p:sp>
@@ -1234,38 +1220,37 @@
           <a:p>
             <a:pPr lvl="0"/>
             <a:r>
-              <a:rPr lang="en-US" smtClean="0"/>
+              <a:rPr lang="en-US"/>
               <a:t>Click to edit Master text styles</a:t>
             </a:r>
           </a:p>
           <a:p>
             <a:pPr lvl="1"/>
             <a:r>
-              <a:rPr lang="en-US" smtClean="0"/>
+              <a:rPr lang="en-US"/>
               <a:t>Second level</a:t>
             </a:r>
           </a:p>
           <a:p>
             <a:pPr lvl="2"/>
             <a:r>
-              <a:rPr lang="en-US" smtClean="0"/>
+              <a:rPr lang="en-US"/>
               <a:t>Third level</a:t>
             </a:r>
           </a:p>
           <a:p>
             <a:pPr lvl="3"/>
             <a:r>
-              <a:rPr lang="en-US" smtClean="0"/>
+              <a:rPr lang="en-US"/>
               <a:t>Fourth level</a:t>
             </a:r>
           </a:p>
           <a:p>
             <a:pPr lvl="4"/>
             <a:r>
-              <a:rPr lang="en-US" smtClean="0"/>
+              <a:rPr lang="en-US"/>
               <a:t>Fifth level</a:t>
             </a:r>
-            <a:endParaRPr lang="en-US"/>
           </a:p>
         </p:txBody>
       </p:sp>
@@ -1286,7 +1271,7 @@
           <a:p>
             <a:fld id="{160CE893-3A38-428F-89AB-E97AD9CAA95E}" type="datetime1">
               <a:rPr lang="en-US" smtClean="0"/>
-              <a:t>8/13/2015</a:t>
+              <a:t>7/26/2016</a:t>
             </a:fld>
             <a:endParaRPr lang="en-US" dirty="0"/>
           </a:p>
@@ -1393,10 +1378,9 @@
           <a:lstStyle/>
           <a:p>
             <a:r>
-              <a:rPr lang="en-US" smtClean="0"/>
+              <a:rPr lang="en-US"/>
               <a:t>Click to edit Master title style</a:t>
             </a:r>
-            <a:endParaRPr lang="en-US"/>
           </a:p>
         </p:txBody>
       </p:sp>
@@ -1512,10 +1496,9 @@
           </a:lstStyle>
           <a:p>
             <a:r>
-              <a:rPr lang="en-US" smtClean="0"/>
+              <a:rPr lang="en-US"/>
               <a:t>Click to edit Master subtitle style</a:t>
             </a:r>
-            <a:endParaRPr lang="en-US"/>
           </a:p>
         </p:txBody>
       </p:sp>
@@ -1543,7 +1526,7 @@
                 </a:solidFill>
               </a:rPr>
               <a:pPr/>
-              <a:t>8/13/2015</a:t>
+              <a:t>7/26/2016</a:t>
             </a:fld>
             <a:endParaRPr lang="en-US">
               <a:solidFill>
@@ -1626,13 +1609,6 @@
   <p:clrMapOvr>
     <a:masterClrMapping/>
   </p:clrMapOvr>
-  <p:timing>
-    <p:tnLst>
-      <p:par>
-        <p:cTn id="1" dur="indefinite" restart="never" nodeType="tmRoot"/>
-      </p:par>
-    </p:tnLst>
-  </p:timing>
 </p:sldLayout>
 </file>
 
@@ -1675,10 +1651,9 @@
           <a:lstStyle/>
           <a:p>
             <a:r>
-              <a:rPr lang="en-US" dirty="0" smtClean="0"/>
+              <a:rPr lang="en-US" dirty="0"/>
               <a:t>Click to edit Master title style</a:t>
             </a:r>
-            <a:endParaRPr lang="en-US" dirty="0"/>
           </a:p>
         </p:txBody>
       </p:sp>
@@ -1699,38 +1674,37 @@
           <a:p>
             <a:pPr lvl="0"/>
             <a:r>
-              <a:rPr lang="en-US" smtClean="0"/>
+              <a:rPr lang="en-US"/>
               <a:t>Click to edit Master text styles</a:t>
             </a:r>
           </a:p>
           <a:p>
             <a:pPr lvl="1"/>
             <a:r>
-              <a:rPr lang="en-US" smtClean="0"/>
+              <a:rPr lang="en-US"/>
               <a:t>Second level</a:t>
             </a:r>
           </a:p>
           <a:p>
             <a:pPr lvl="2"/>
             <a:r>
-              <a:rPr lang="en-US" smtClean="0"/>
+              <a:rPr lang="en-US"/>
               <a:t>Third level</a:t>
             </a:r>
           </a:p>
           <a:p>
             <a:pPr lvl="3"/>
             <a:r>
-              <a:rPr lang="en-US" smtClean="0"/>
+              <a:rPr lang="en-US"/>
               <a:t>Fourth level</a:t>
             </a:r>
           </a:p>
           <a:p>
             <a:pPr lvl="4"/>
             <a:r>
-              <a:rPr lang="en-US" smtClean="0"/>
+              <a:rPr lang="en-US"/>
               <a:t>Fifth level</a:t>
             </a:r>
-            <a:endParaRPr lang="en-US"/>
           </a:p>
         </p:txBody>
       </p:sp>
@@ -1758,7 +1732,7 @@
                 </a:solidFill>
               </a:rPr>
               <a:pPr/>
-              <a:t>8/13/2015</a:t>
+              <a:t>7/26/2016</a:t>
             </a:fld>
             <a:endParaRPr lang="en-US">
               <a:solidFill>
@@ -1841,13 +1815,6 @@
   <p:clrMapOvr>
     <a:masterClrMapping/>
   </p:clrMapOvr>
-  <p:timing>
-    <p:tnLst>
-      <p:par>
-        <p:cTn id="1" dur="indefinite" restart="never" nodeType="tmRoot"/>
-      </p:par>
-    </p:tnLst>
-  </p:timing>
 </p:sldLayout>
 </file>
 
@@ -1884,10 +1851,9 @@
           <a:lstStyle/>
           <a:p>
             <a:r>
-              <a:rPr lang="en-US" smtClean="0"/>
+              <a:rPr lang="en-US"/>
               <a:t>Click to edit Master title style</a:t>
             </a:r>
-            <a:endParaRPr lang="en-US"/>
           </a:p>
         </p:txBody>
       </p:sp>
@@ -1913,38 +1879,37 @@
           <a:p>
             <a:pPr lvl="0"/>
             <a:r>
-              <a:rPr lang="en-US" dirty="0" smtClean="0"/>
+              <a:rPr lang="en-US" dirty="0"/>
               <a:t>Click to edit Master text styles</a:t>
             </a:r>
           </a:p>
           <a:p>
             <a:pPr lvl="1"/>
             <a:r>
-              <a:rPr lang="en-US" dirty="0" smtClean="0"/>
+              <a:rPr lang="en-US" dirty="0"/>
               <a:t>Second level</a:t>
             </a:r>
           </a:p>
           <a:p>
             <a:pPr lvl="2"/>
             <a:r>
-              <a:rPr lang="en-US" dirty="0" smtClean="0"/>
+              <a:rPr lang="en-US" dirty="0"/>
               <a:t>Third level</a:t>
             </a:r>
           </a:p>
           <a:p>
             <a:pPr lvl="3"/>
             <a:r>
-              <a:rPr lang="en-US" dirty="0" smtClean="0"/>
+              <a:rPr lang="en-US" dirty="0"/>
               <a:t>Fourth level</a:t>
             </a:r>
           </a:p>
           <a:p>
             <a:pPr lvl="4"/>
             <a:r>
-              <a:rPr lang="en-US" dirty="0" smtClean="0"/>
+              <a:rPr lang="en-US" dirty="0"/>
               <a:t>Fifth level</a:t>
             </a:r>
-            <a:endParaRPr lang="en-US" dirty="0"/>
           </a:p>
         </p:txBody>
       </p:sp>
@@ -1972,7 +1937,7 @@
                 </a:solidFill>
               </a:rPr>
               <a:pPr/>
-              <a:t>8/13/2015</a:t>
+              <a:t>7/26/2016</a:t>
             </a:fld>
             <a:endParaRPr lang="en-US">
               <a:solidFill>
@@ -2087,7 +2052,7 @@
           <a:lstStyle/>
           <a:p>
             <a:pPr algn="ctr"/>
-            <a:endParaRPr lang="en-US" dirty="0" smtClean="0">
+            <a:endParaRPr lang="en-US" dirty="0">
               <a:solidFill>
                 <a:prstClr val="black"/>
               </a:solidFill>
@@ -2118,18 +2083,13 @@
           <a:lstStyle/>
           <a:p>
             <a:r>
-              <a:rPr lang="en-US" dirty="0" smtClean="0">
+              <a:rPr lang="en-US" dirty="0">
                 <a:solidFill>
                   <a:prstClr val="black"/>
                 </a:solidFill>
               </a:rPr>
               <a:t>Resize video to this box.</a:t>
             </a:r>
-            <a:endParaRPr lang="en-US" dirty="0">
-              <a:solidFill>
-                <a:prstClr val="black"/>
-              </a:solidFill>
-            </a:endParaRPr>
           </a:p>
         </p:txBody>
       </p:sp>
@@ -2143,13 +2103,6 @@
   <p:clrMapOvr>
     <a:masterClrMapping/>
   </p:clrMapOvr>
-  <p:timing>
-    <p:tnLst>
-      <p:par>
-        <p:cTn id="1" dur="indefinite" restart="never" nodeType="tmRoot"/>
-      </p:par>
-    </p:tnLst>
-  </p:timing>
 </p:sldLayout>
 </file>
 
@@ -2186,10 +2139,9 @@
           <a:lstStyle/>
           <a:p>
             <a:r>
-              <a:rPr lang="en-US" smtClean="0"/>
+              <a:rPr lang="en-US"/>
               <a:t>Click to edit Master title style</a:t>
             </a:r>
-            <a:endParaRPr lang="en-US"/>
           </a:p>
         </p:txBody>
       </p:sp>
@@ -2224,38 +2176,37 @@
           <a:p>
             <a:pPr lvl="0"/>
             <a:r>
-              <a:rPr lang="en-US" dirty="0" smtClean="0"/>
+              <a:rPr lang="en-US" dirty="0"/>
               <a:t>Click to edit Master text styles</a:t>
             </a:r>
           </a:p>
           <a:p>
             <a:pPr lvl="1"/>
             <a:r>
-              <a:rPr lang="en-US" dirty="0" smtClean="0"/>
+              <a:rPr lang="en-US" dirty="0"/>
               <a:t>Second level</a:t>
             </a:r>
           </a:p>
           <a:p>
             <a:pPr lvl="2"/>
             <a:r>
-              <a:rPr lang="en-US" dirty="0" smtClean="0"/>
+              <a:rPr lang="en-US" dirty="0"/>
               <a:t>Third level</a:t>
             </a:r>
           </a:p>
           <a:p>
             <a:pPr lvl="3"/>
             <a:r>
-              <a:rPr lang="en-US" dirty="0" smtClean="0"/>
+              <a:rPr lang="en-US" dirty="0"/>
               <a:t>Fourth level</a:t>
             </a:r>
           </a:p>
           <a:p>
             <a:pPr lvl="4"/>
             <a:r>
-              <a:rPr lang="en-US" dirty="0" smtClean="0"/>
+              <a:rPr lang="en-US" dirty="0"/>
               <a:t>Fifth level</a:t>
             </a:r>
-            <a:endParaRPr lang="en-US" dirty="0"/>
           </a:p>
         </p:txBody>
       </p:sp>
@@ -2283,7 +2234,7 @@
                 </a:solidFill>
               </a:rPr>
               <a:pPr/>
-              <a:t>8/13/2015</a:t>
+              <a:t>7/26/2016</a:t>
             </a:fld>
             <a:endParaRPr lang="en-US">
               <a:solidFill>
@@ -2366,13 +2317,6 @@
   <p:clrMapOvr>
     <a:masterClrMapping/>
   </p:clrMapOvr>
-  <p:timing>
-    <p:tnLst>
-      <p:par>
-        <p:cTn id="1" dur="indefinite" restart="never" nodeType="tmRoot"/>
-      </p:par>
-    </p:tnLst>
-  </p:timing>
 </p:sldLayout>
 </file>
 
@@ -2409,10 +2353,9 @@
           <a:lstStyle/>
           <a:p>
             <a:r>
-              <a:rPr lang="en-US" smtClean="0"/>
+              <a:rPr lang="en-US"/>
               <a:t>Click to edit Master title style</a:t>
             </a:r>
-            <a:endParaRPr lang="en-US"/>
           </a:p>
         </p:txBody>
       </p:sp>
@@ -2441,38 +2384,37 @@
           <a:p>
             <a:pPr lvl="0"/>
             <a:r>
-              <a:rPr lang="en-US" dirty="0" smtClean="0"/>
+              <a:rPr lang="en-US" dirty="0"/>
               <a:t>Click to edit Master text styles</a:t>
             </a:r>
           </a:p>
           <a:p>
             <a:pPr lvl="1"/>
             <a:r>
-              <a:rPr lang="en-US" dirty="0" smtClean="0"/>
+              <a:rPr lang="en-US" dirty="0"/>
               <a:t>Second level</a:t>
             </a:r>
           </a:p>
           <a:p>
             <a:pPr lvl="2"/>
             <a:r>
-              <a:rPr lang="en-US" dirty="0" smtClean="0"/>
+              <a:rPr lang="en-US" dirty="0"/>
               <a:t>Third level</a:t>
             </a:r>
           </a:p>
           <a:p>
             <a:pPr lvl="3"/>
             <a:r>
-              <a:rPr lang="en-US" dirty="0" smtClean="0"/>
+              <a:rPr lang="en-US" dirty="0"/>
               <a:t>Fourth level</a:t>
             </a:r>
           </a:p>
           <a:p>
             <a:pPr lvl="4"/>
             <a:r>
-              <a:rPr lang="en-US" dirty="0" smtClean="0"/>
+              <a:rPr lang="en-US" dirty="0"/>
               <a:t>Fifth level</a:t>
             </a:r>
-            <a:endParaRPr lang="en-US" dirty="0"/>
           </a:p>
         </p:txBody>
       </p:sp>
@@ -2500,7 +2442,7 @@
                 </a:solidFill>
               </a:rPr>
               <a:pPr/>
-              <a:t>8/13/2015</a:t>
+              <a:t>7/26/2016</a:t>
             </a:fld>
             <a:endParaRPr lang="en-US">
               <a:solidFill>
@@ -2632,13 +2574,6 @@
   <p:clrMapOvr>
     <a:masterClrMapping/>
   </p:clrMapOvr>
-  <p:timing>
-    <p:tnLst>
-      <p:par>
-        <p:cTn id="1" dur="indefinite" restart="never" nodeType="tmRoot"/>
-      </p:par>
-    </p:tnLst>
-  </p:timing>
 </p:sldLayout>
 </file>
 
@@ -2684,10 +2619,9 @@
           </a:lstStyle>
           <a:p>
             <a:r>
-              <a:rPr lang="en-US" smtClean="0"/>
+              <a:rPr lang="en-US"/>
               <a:t>Click to edit Master title style</a:t>
             </a:r>
-            <a:endParaRPr lang="en-US"/>
           </a:p>
         </p:txBody>
       </p:sp>
@@ -2804,7 +2738,7 @@
           <a:p>
             <a:pPr lvl="0"/>
             <a:r>
-              <a:rPr lang="en-US" smtClean="0"/>
+              <a:rPr lang="en-US"/>
               <a:t>Click to edit Master text styles</a:t>
             </a:r>
           </a:p>
@@ -2834,7 +2768,7 @@
                 </a:solidFill>
               </a:rPr>
               <a:pPr/>
-              <a:t>8/13/2015</a:t>
+              <a:t>7/26/2016</a:t>
             </a:fld>
             <a:endParaRPr lang="en-US">
               <a:solidFill>
@@ -2953,10 +2887,9 @@
           <a:lstStyle/>
           <a:p>
             <a:r>
-              <a:rPr lang="en-US" smtClean="0"/>
+              <a:rPr lang="en-US"/>
               <a:t>Click to edit Master title style</a:t>
             </a:r>
-            <a:endParaRPr lang="en-US"/>
           </a:p>
         </p:txBody>
       </p:sp>
@@ -3010,38 +2943,37 @@
           <a:p>
             <a:pPr lvl="0"/>
             <a:r>
-              <a:rPr lang="en-US" smtClean="0"/>
+              <a:rPr lang="en-US"/>
               <a:t>Click to edit Master text styles</a:t>
             </a:r>
           </a:p>
           <a:p>
             <a:pPr lvl="1"/>
             <a:r>
-              <a:rPr lang="en-US" smtClean="0"/>
+              <a:rPr lang="en-US"/>
               <a:t>Second level</a:t>
             </a:r>
           </a:p>
           <a:p>
             <a:pPr lvl="2"/>
             <a:r>
-              <a:rPr lang="en-US" smtClean="0"/>
+              <a:rPr lang="en-US"/>
               <a:t>Third level</a:t>
             </a:r>
           </a:p>
           <a:p>
             <a:pPr lvl="3"/>
             <a:r>
-              <a:rPr lang="en-US" smtClean="0"/>
+              <a:rPr lang="en-US"/>
               <a:t>Fourth level</a:t>
             </a:r>
           </a:p>
           <a:p>
             <a:pPr lvl="4"/>
             <a:r>
-              <a:rPr lang="en-US" smtClean="0"/>
+              <a:rPr lang="en-US"/>
               <a:t>Fifth level</a:t>
             </a:r>
-            <a:endParaRPr lang="en-US"/>
           </a:p>
         </p:txBody>
       </p:sp>
@@ -3095,38 +3027,37 @@
           <a:p>
             <a:pPr lvl="0"/>
             <a:r>
-              <a:rPr lang="en-US" smtClean="0"/>
+              <a:rPr lang="en-US"/>
               <a:t>Click to edit Master text styles</a:t>
             </a:r>
           </a:p>
           <a:p>
             <a:pPr lvl="1"/>
             <a:r>
-              <a:rPr lang="en-US" smtClean="0"/>
+              <a:rPr lang="en-US"/>
               <a:t>Second level</a:t>
             </a:r>
           </a:p>
           <a:p>
             <a:pPr lvl="2"/>
             <a:r>
-              <a:rPr lang="en-US" smtClean="0"/>
+              <a:rPr lang="en-US"/>
               <a:t>Third level</a:t>
             </a:r>
           </a:p>
           <a:p>
             <a:pPr lvl="3"/>
             <a:r>
-              <a:rPr lang="en-US" smtClean="0"/>
+              <a:rPr lang="en-US"/>
               <a:t>Fourth level</a:t>
             </a:r>
           </a:p>
           <a:p>
             <a:pPr lvl="4"/>
             <a:r>
-              <a:rPr lang="en-US" smtClean="0"/>
+              <a:rPr lang="en-US"/>
               <a:t>Fifth level</a:t>
             </a:r>
-            <a:endParaRPr lang="en-US"/>
           </a:p>
         </p:txBody>
       </p:sp>
@@ -3154,7 +3085,7 @@
                 </a:solidFill>
               </a:rPr>
               <a:pPr/>
-              <a:t>8/13/2015</a:t>
+              <a:t>7/26/2016</a:t>
             </a:fld>
             <a:endParaRPr lang="en-US">
               <a:solidFill>
@@ -3285,10 +3216,9 @@
           <a:lstStyle/>
           <a:p>
             <a:r>
-              <a:rPr lang="en-US" smtClean="0"/>
+              <a:rPr lang="en-US"/>
               <a:t>Click to edit Master title style</a:t>
             </a:r>
-            <a:endParaRPr lang="en-US"/>
           </a:p>
         </p:txBody>
       </p:sp>
@@ -3309,38 +3239,37 @@
           <a:p>
             <a:pPr lvl="0"/>
             <a:r>
-              <a:rPr lang="en-US" smtClean="0"/>
+              <a:rPr lang="en-US"/>
               <a:t>Click to edit Master text styles</a:t>
             </a:r>
           </a:p>
           <a:p>
             <a:pPr lvl="1"/>
             <a:r>
-              <a:rPr lang="en-US" smtClean="0"/>
+              <a:rPr lang="en-US"/>
               <a:t>Second level</a:t>
             </a:r>
           </a:p>
           <a:p>
             <a:pPr lvl="2"/>
             <a:r>
-              <a:rPr lang="en-US" smtClean="0"/>
+              <a:rPr lang="en-US"/>
               <a:t>Third level</a:t>
             </a:r>
           </a:p>
           <a:p>
             <a:pPr lvl="3"/>
             <a:r>
-              <a:rPr lang="en-US" smtClean="0"/>
+              <a:rPr lang="en-US"/>
               <a:t>Fourth level</a:t>
             </a:r>
           </a:p>
           <a:p>
             <a:pPr lvl="4"/>
             <a:r>
-              <a:rPr lang="en-US" smtClean="0"/>
+              <a:rPr lang="en-US"/>
               <a:t>Fifth level</a:t>
             </a:r>
-            <a:endParaRPr lang="en-US"/>
           </a:p>
         </p:txBody>
       </p:sp>
@@ -3361,7 +3290,7 @@
           <a:p>
             <a:fld id="{DC7A6930-E356-4864-92C1-40AC7A5201AA}" type="datetime1">
               <a:rPr lang="en-US" smtClean="0"/>
-              <a:t>8/13/2015</a:t>
+              <a:t>7/26/2016</a:t>
             </a:fld>
             <a:endParaRPr lang="en-US" dirty="0"/>
           </a:p>
@@ -3415,13 +3344,6 @@
   <p:clrMapOvr>
     <a:masterClrMapping/>
   </p:clrMapOvr>
-  <p:timing>
-    <p:tnLst>
-      <p:par>
-        <p:cTn id="1" dur="indefinite" restart="never" nodeType="tmRoot"/>
-      </p:par>
-    </p:tnLst>
-  </p:timing>
 </p:sldLayout>
 </file>
 
@@ -3462,10 +3384,9 @@
           </a:lstStyle>
           <a:p>
             <a:r>
-              <a:rPr lang="en-US" smtClean="0"/>
+              <a:rPr lang="en-US"/>
               <a:t>Click to edit Master title style</a:t>
             </a:r>
-            <a:endParaRPr lang="en-US"/>
           </a:p>
         </p:txBody>
       </p:sp>
@@ -3528,7 +3449,7 @@
           <a:p>
             <a:pPr lvl="0"/>
             <a:r>
-              <a:rPr lang="en-US" smtClean="0"/>
+              <a:rPr lang="en-US"/>
               <a:t>Click to edit Master text styles</a:t>
             </a:r>
           </a:p>
@@ -3584,38 +3505,37 @@
           <a:p>
             <a:pPr lvl="0"/>
             <a:r>
-              <a:rPr lang="en-US" smtClean="0"/>
+              <a:rPr lang="en-US"/>
               <a:t>Click to edit Master text styles</a:t>
             </a:r>
           </a:p>
           <a:p>
             <a:pPr lvl="1"/>
             <a:r>
-              <a:rPr lang="en-US" smtClean="0"/>
+              <a:rPr lang="en-US"/>
               <a:t>Second level</a:t>
             </a:r>
           </a:p>
           <a:p>
             <a:pPr lvl="2"/>
             <a:r>
-              <a:rPr lang="en-US" smtClean="0"/>
+              <a:rPr lang="en-US"/>
               <a:t>Third level</a:t>
             </a:r>
           </a:p>
           <a:p>
             <a:pPr lvl="3"/>
             <a:r>
-              <a:rPr lang="en-US" smtClean="0"/>
+              <a:rPr lang="en-US"/>
               <a:t>Fourth level</a:t>
             </a:r>
           </a:p>
           <a:p>
             <a:pPr lvl="4"/>
             <a:r>
-              <a:rPr lang="en-US" smtClean="0"/>
+              <a:rPr lang="en-US"/>
               <a:t>Fifth level</a:t>
             </a:r>
-            <a:endParaRPr lang="en-US"/>
           </a:p>
         </p:txBody>
       </p:sp>
@@ -3678,7 +3598,7 @@
           <a:p>
             <a:pPr lvl="0"/>
             <a:r>
-              <a:rPr lang="en-US" smtClean="0"/>
+              <a:rPr lang="en-US"/>
               <a:t>Click to edit Master text styles</a:t>
             </a:r>
           </a:p>
@@ -3734,38 +3654,37 @@
           <a:p>
             <a:pPr lvl="0"/>
             <a:r>
-              <a:rPr lang="en-US" smtClean="0"/>
+              <a:rPr lang="en-US"/>
               <a:t>Click to edit Master text styles</a:t>
             </a:r>
           </a:p>
           <a:p>
             <a:pPr lvl="1"/>
             <a:r>
-              <a:rPr lang="en-US" smtClean="0"/>
+              <a:rPr lang="en-US"/>
               <a:t>Second level</a:t>
             </a:r>
           </a:p>
           <a:p>
             <a:pPr lvl="2"/>
             <a:r>
-              <a:rPr lang="en-US" smtClean="0"/>
+              <a:rPr lang="en-US"/>
               <a:t>Third level</a:t>
             </a:r>
           </a:p>
           <a:p>
             <a:pPr lvl="3"/>
             <a:r>
-              <a:rPr lang="en-US" smtClean="0"/>
+              <a:rPr lang="en-US"/>
               <a:t>Fourth level</a:t>
             </a:r>
           </a:p>
           <a:p>
             <a:pPr lvl="4"/>
             <a:r>
-              <a:rPr lang="en-US" smtClean="0"/>
+              <a:rPr lang="en-US"/>
               <a:t>Fifth level</a:t>
             </a:r>
-            <a:endParaRPr lang="en-US"/>
           </a:p>
         </p:txBody>
       </p:sp>
@@ -3793,7 +3712,7 @@
                 </a:solidFill>
               </a:rPr>
               <a:pPr/>
-              <a:t>8/13/2015</a:t>
+              <a:t>7/26/2016</a:t>
             </a:fld>
             <a:endParaRPr lang="en-US">
               <a:solidFill>
@@ -3912,10 +3831,9 @@
           <a:lstStyle/>
           <a:p>
             <a:r>
-              <a:rPr lang="en-US" smtClean="0"/>
+              <a:rPr lang="en-US"/>
               <a:t>Click to edit Master title style</a:t>
             </a:r>
-            <a:endParaRPr lang="en-US"/>
           </a:p>
         </p:txBody>
       </p:sp>
@@ -3943,7 +3861,7 @@
                 </a:solidFill>
               </a:rPr>
               <a:pPr/>
-              <a:t>8/13/2015</a:t>
+              <a:t>7/26/2016</a:t>
             </a:fld>
             <a:endParaRPr lang="en-US">
               <a:solidFill>
@@ -4026,13 +3944,6 @@
   <p:clrMapOvr>
     <a:masterClrMapping/>
   </p:clrMapOvr>
-  <p:timing>
-    <p:tnLst>
-      <p:par>
-        <p:cTn id="1" dur="indefinite" restart="never" nodeType="tmRoot"/>
-      </p:par>
-    </p:tnLst>
-  </p:timing>
 </p:sldLayout>
 </file>
 
@@ -4077,7 +3988,7 @@
                 </a:solidFill>
               </a:rPr>
               <a:pPr/>
-              <a:t>8/13/2015</a:t>
+              <a:t>7/26/2016</a:t>
             </a:fld>
             <a:endParaRPr lang="en-US">
               <a:solidFill>
@@ -4205,10 +4116,9 @@
           </a:lstStyle>
           <a:p>
             <a:r>
-              <a:rPr lang="en-US" smtClean="0"/>
+              <a:rPr lang="en-US"/>
               <a:t>Click to edit Master title style</a:t>
             </a:r>
-            <a:endParaRPr lang="en-US"/>
           </a:p>
         </p:txBody>
       </p:sp>
@@ -4262,38 +4172,37 @@
           <a:p>
             <a:pPr lvl="0"/>
             <a:r>
-              <a:rPr lang="en-US" smtClean="0"/>
+              <a:rPr lang="en-US"/>
               <a:t>Click to edit Master text styles</a:t>
             </a:r>
           </a:p>
           <a:p>
             <a:pPr lvl="1"/>
             <a:r>
-              <a:rPr lang="en-US" smtClean="0"/>
+              <a:rPr lang="en-US"/>
               <a:t>Second level</a:t>
             </a:r>
           </a:p>
           <a:p>
             <a:pPr lvl="2"/>
             <a:r>
-              <a:rPr lang="en-US" smtClean="0"/>
+              <a:rPr lang="en-US"/>
               <a:t>Third level</a:t>
             </a:r>
           </a:p>
           <a:p>
             <a:pPr lvl="3"/>
             <a:r>
-              <a:rPr lang="en-US" smtClean="0"/>
+              <a:rPr lang="en-US"/>
               <a:t>Fourth level</a:t>
             </a:r>
           </a:p>
           <a:p>
             <a:pPr lvl="4"/>
             <a:r>
-              <a:rPr lang="en-US" smtClean="0"/>
+              <a:rPr lang="en-US"/>
               <a:t>Fifth level</a:t>
             </a:r>
-            <a:endParaRPr lang="en-US"/>
           </a:p>
         </p:txBody>
       </p:sp>
@@ -4356,7 +4265,7 @@
           <a:p>
             <a:pPr lvl="0"/>
             <a:r>
-              <a:rPr lang="en-US" smtClean="0"/>
+              <a:rPr lang="en-US"/>
               <a:t>Click to edit Master text styles</a:t>
             </a:r>
           </a:p>
@@ -4386,7 +4295,7 @@
                 </a:solidFill>
               </a:rPr>
               <a:pPr/>
-              <a:t>8/13/2015</a:t>
+              <a:t>7/26/2016</a:t>
             </a:fld>
             <a:endParaRPr lang="en-US">
               <a:solidFill>
@@ -4514,10 +4423,9 @@
           </a:lstStyle>
           <a:p>
             <a:r>
-              <a:rPr lang="en-US" smtClean="0"/>
+              <a:rPr lang="en-US"/>
               <a:t>Click to edit Master title style</a:t>
             </a:r>
-            <a:endParaRPr lang="en-US"/>
           </a:p>
         </p:txBody>
       </p:sp>
@@ -4641,7 +4549,7 @@
           <a:p>
             <a:pPr lvl="0"/>
             <a:r>
-              <a:rPr lang="en-US" smtClean="0"/>
+              <a:rPr lang="en-US"/>
               <a:t>Click to edit Master text styles</a:t>
             </a:r>
           </a:p>
@@ -4671,7 +4579,7 @@
                 </a:solidFill>
               </a:rPr>
               <a:pPr/>
-              <a:t>8/13/2015</a:t>
+              <a:t>7/26/2016</a:t>
             </a:fld>
             <a:endParaRPr lang="en-US">
               <a:solidFill>
@@ -4790,10 +4698,9 @@
           <a:lstStyle/>
           <a:p>
             <a:r>
-              <a:rPr lang="en-US" smtClean="0"/>
+              <a:rPr lang="en-US"/>
               <a:t>Click to edit Master title style</a:t>
             </a:r>
-            <a:endParaRPr lang="en-US"/>
           </a:p>
         </p:txBody>
       </p:sp>
@@ -4814,38 +4721,37 @@
           <a:p>
             <a:pPr lvl="0"/>
             <a:r>
-              <a:rPr lang="en-US" smtClean="0"/>
+              <a:rPr lang="en-US"/>
               <a:t>Click to edit Master text styles</a:t>
             </a:r>
           </a:p>
           <a:p>
             <a:pPr lvl="1"/>
             <a:r>
-              <a:rPr lang="en-US" smtClean="0"/>
+              <a:rPr lang="en-US"/>
               <a:t>Second level</a:t>
             </a:r>
           </a:p>
           <a:p>
             <a:pPr lvl="2"/>
             <a:r>
-              <a:rPr lang="en-US" smtClean="0"/>
+              <a:rPr lang="en-US"/>
               <a:t>Third level</a:t>
             </a:r>
           </a:p>
           <a:p>
             <a:pPr lvl="3"/>
             <a:r>
-              <a:rPr lang="en-US" smtClean="0"/>
+              <a:rPr lang="en-US"/>
               <a:t>Fourth level</a:t>
             </a:r>
           </a:p>
           <a:p>
             <a:pPr lvl="4"/>
             <a:r>
-              <a:rPr lang="en-US" smtClean="0"/>
+              <a:rPr lang="en-US"/>
               <a:t>Fifth level</a:t>
             </a:r>
-            <a:endParaRPr lang="en-US"/>
           </a:p>
         </p:txBody>
       </p:sp>
@@ -4873,7 +4779,7 @@
                 </a:solidFill>
               </a:rPr>
               <a:pPr/>
-              <a:t>8/13/2015</a:t>
+              <a:t>7/26/2016</a:t>
             </a:fld>
             <a:endParaRPr lang="en-US">
               <a:solidFill>
@@ -4997,10 +4903,9 @@
           <a:lstStyle/>
           <a:p>
             <a:r>
-              <a:rPr lang="en-US" smtClean="0"/>
+              <a:rPr lang="en-US"/>
               <a:t>Click to edit Master title style</a:t>
             </a:r>
-            <a:endParaRPr lang="en-US"/>
           </a:p>
         </p:txBody>
       </p:sp>
@@ -5026,38 +4931,37 @@
           <a:p>
             <a:pPr lvl="0"/>
             <a:r>
-              <a:rPr lang="en-US" smtClean="0"/>
+              <a:rPr lang="en-US"/>
               <a:t>Click to edit Master text styles</a:t>
             </a:r>
           </a:p>
           <a:p>
             <a:pPr lvl="1"/>
             <a:r>
-              <a:rPr lang="en-US" smtClean="0"/>
+              <a:rPr lang="en-US"/>
               <a:t>Second level</a:t>
             </a:r>
           </a:p>
           <a:p>
             <a:pPr lvl="2"/>
             <a:r>
-              <a:rPr lang="en-US" smtClean="0"/>
+              <a:rPr lang="en-US"/>
               <a:t>Third level</a:t>
             </a:r>
           </a:p>
           <a:p>
             <a:pPr lvl="3"/>
             <a:r>
-              <a:rPr lang="en-US" smtClean="0"/>
+              <a:rPr lang="en-US"/>
               <a:t>Fourth level</a:t>
             </a:r>
           </a:p>
           <a:p>
             <a:pPr lvl="4"/>
             <a:r>
-              <a:rPr lang="en-US" smtClean="0"/>
+              <a:rPr lang="en-US"/>
               <a:t>Fifth level</a:t>
             </a:r>
-            <a:endParaRPr lang="en-US"/>
           </a:p>
         </p:txBody>
       </p:sp>
@@ -5085,7 +4989,7 @@
                 </a:solidFill>
               </a:rPr>
               <a:pPr/>
-              <a:t>8/13/2015</a:t>
+              <a:t>7/26/2016</a:t>
             </a:fld>
             <a:endParaRPr lang="en-US">
               <a:solidFill>
@@ -5204,10 +5108,9 @@
           <a:lstStyle/>
           <a:p>
             <a:r>
-              <a:rPr lang="en-US" smtClean="0"/>
+              <a:rPr lang="en-US"/>
               <a:t>Click to edit Master title style</a:t>
             </a:r>
-            <a:endParaRPr lang="en-US"/>
           </a:p>
         </p:txBody>
       </p:sp>
@@ -5239,38 +5142,37 @@
           <a:p>
             <a:pPr lvl="0"/>
             <a:r>
-              <a:rPr lang="en-US" dirty="0" smtClean="0"/>
+              <a:rPr lang="en-US" dirty="0"/>
               <a:t>Click to edit Master text styles</a:t>
             </a:r>
           </a:p>
           <a:p>
             <a:pPr lvl="1"/>
             <a:r>
-              <a:rPr lang="en-US" dirty="0" smtClean="0"/>
+              <a:rPr lang="en-US" dirty="0"/>
               <a:t>Second level</a:t>
             </a:r>
           </a:p>
           <a:p>
             <a:pPr lvl="2"/>
             <a:r>
-              <a:rPr lang="en-US" dirty="0" smtClean="0"/>
+              <a:rPr lang="en-US" dirty="0"/>
               <a:t>Third level</a:t>
             </a:r>
           </a:p>
           <a:p>
             <a:pPr lvl="3"/>
             <a:r>
-              <a:rPr lang="en-US" dirty="0" smtClean="0"/>
+              <a:rPr lang="en-US" dirty="0"/>
               <a:t>Fourth level</a:t>
             </a:r>
           </a:p>
           <a:p>
             <a:pPr lvl="4"/>
             <a:r>
-              <a:rPr lang="en-US" dirty="0" smtClean="0"/>
+              <a:rPr lang="en-US" dirty="0"/>
               <a:t>Fifth level</a:t>
             </a:r>
-            <a:endParaRPr lang="en-US" dirty="0"/>
           </a:p>
         </p:txBody>
       </p:sp>
@@ -5291,7 +5193,7 @@
           <a:p>
             <a:fld id="{45C1EE53-8F27-4821-8161-190499C0D007}" type="datetime1">
               <a:rPr lang="en-US" smtClean="0"/>
-              <a:t>8/13/2015</a:t>
+              <a:t>7/26/2016</a:t>
             </a:fld>
             <a:endParaRPr lang="en-US" dirty="0"/>
           </a:p>
@@ -5349,13 +5251,6 @@
   <p:clrMapOvr>
     <a:masterClrMapping/>
   </p:clrMapOvr>
-  <p:timing>
-    <p:tnLst>
-      <p:par>
-        <p:cTn id="1" dur="indefinite" restart="never" nodeType="tmRoot"/>
-      </p:par>
-    </p:tnLst>
-  </p:timing>
 </p:sldLayout>
 </file>
 
@@ -5401,10 +5296,9 @@
           </a:lstStyle>
           <a:p>
             <a:r>
-              <a:rPr lang="en-US" smtClean="0"/>
+              <a:rPr lang="en-US"/>
               <a:t>Click to edit Master title style</a:t>
             </a:r>
-            <a:endParaRPr lang="en-US"/>
           </a:p>
         </p:txBody>
       </p:sp>
@@ -5521,7 +5415,7 @@
           <a:p>
             <a:pPr lvl="0"/>
             <a:r>
-              <a:rPr lang="en-US" smtClean="0"/>
+              <a:rPr lang="en-US"/>
               <a:t>Click to edit Master text styles</a:t>
             </a:r>
           </a:p>
@@ -5544,7 +5438,7 @@
           <a:p>
             <a:fld id="{0D423975-99FA-4807-B1B4-A59DEFED898A}" type="datetime1">
               <a:rPr lang="en-US" smtClean="0"/>
-              <a:t>8/13/2015</a:t>
+              <a:t>7/26/2016</a:t>
             </a:fld>
             <a:endParaRPr lang="en-US" dirty="0"/>
           </a:p>
@@ -5634,10 +5528,9 @@
           <a:lstStyle/>
           <a:p>
             <a:r>
-              <a:rPr lang="en-US" smtClean="0"/>
+              <a:rPr lang="en-US"/>
               <a:t>Click to edit Master title style</a:t>
             </a:r>
-            <a:endParaRPr lang="en-US"/>
           </a:p>
         </p:txBody>
       </p:sp>
@@ -5691,38 +5584,37 @@
           <a:p>
             <a:pPr lvl="0"/>
             <a:r>
-              <a:rPr lang="en-US" smtClean="0"/>
+              <a:rPr lang="en-US"/>
               <a:t>Click to edit Master text styles</a:t>
             </a:r>
           </a:p>
           <a:p>
             <a:pPr lvl="1"/>
             <a:r>
-              <a:rPr lang="en-US" smtClean="0"/>
+              <a:rPr lang="en-US"/>
               <a:t>Second level</a:t>
             </a:r>
           </a:p>
           <a:p>
             <a:pPr lvl="2"/>
             <a:r>
-              <a:rPr lang="en-US" smtClean="0"/>
+              <a:rPr lang="en-US"/>
               <a:t>Third level</a:t>
             </a:r>
           </a:p>
           <a:p>
             <a:pPr lvl="3"/>
             <a:r>
-              <a:rPr lang="en-US" smtClean="0"/>
+              <a:rPr lang="en-US"/>
               <a:t>Fourth level</a:t>
             </a:r>
           </a:p>
           <a:p>
             <a:pPr lvl="4"/>
             <a:r>
-              <a:rPr lang="en-US" smtClean="0"/>
+              <a:rPr lang="en-US"/>
               <a:t>Fifth level</a:t>
             </a:r>
-            <a:endParaRPr lang="en-US"/>
           </a:p>
         </p:txBody>
       </p:sp>
@@ -5776,38 +5668,37 @@
           <a:p>
             <a:pPr lvl="0"/>
             <a:r>
-              <a:rPr lang="en-US" smtClean="0"/>
+              <a:rPr lang="en-US"/>
               <a:t>Click to edit Master text styles</a:t>
             </a:r>
           </a:p>
           <a:p>
             <a:pPr lvl="1"/>
             <a:r>
-              <a:rPr lang="en-US" smtClean="0"/>
+              <a:rPr lang="en-US"/>
               <a:t>Second level</a:t>
             </a:r>
           </a:p>
           <a:p>
             <a:pPr lvl="2"/>
             <a:r>
-              <a:rPr lang="en-US" smtClean="0"/>
+              <a:rPr lang="en-US"/>
               <a:t>Third level</a:t>
             </a:r>
           </a:p>
           <a:p>
             <a:pPr lvl="3"/>
             <a:r>
-              <a:rPr lang="en-US" smtClean="0"/>
+              <a:rPr lang="en-US"/>
               <a:t>Fourth level</a:t>
             </a:r>
           </a:p>
           <a:p>
             <a:pPr lvl="4"/>
             <a:r>
-              <a:rPr lang="en-US" smtClean="0"/>
+              <a:rPr lang="en-US"/>
               <a:t>Fifth level</a:t>
             </a:r>
-            <a:endParaRPr lang="en-US"/>
           </a:p>
         </p:txBody>
       </p:sp>
@@ -5828,7 +5719,7 @@
           <a:p>
             <a:fld id="{90F7752F-4922-4BAA-9C20-D4DAF4ED08B5}" type="datetime1">
               <a:rPr lang="en-US" smtClean="0"/>
-              <a:t>8/13/2015</a:t>
+              <a:t>7/26/2016</a:t>
             </a:fld>
             <a:endParaRPr lang="en-US" dirty="0"/>
           </a:p>
@@ -5882,13 +5773,6 @@
   <p:clrMapOvr>
     <a:masterClrMapping/>
   </p:clrMapOvr>
-  <p:timing>
-    <p:tnLst>
-      <p:par>
-        <p:cTn id="1" dur="indefinite" restart="never" nodeType="tmRoot"/>
-      </p:par>
-    </p:tnLst>
-  </p:timing>
 </p:sldLayout>
 </file>
 
@@ -5929,10 +5813,9 @@
           </a:lstStyle>
           <a:p>
             <a:r>
-              <a:rPr lang="en-US" smtClean="0"/>
+              <a:rPr lang="en-US"/>
               <a:t>Click to edit Master title style</a:t>
             </a:r>
-            <a:endParaRPr lang="en-US"/>
           </a:p>
         </p:txBody>
       </p:sp>
@@ -5995,7 +5878,7 @@
           <a:p>
             <a:pPr lvl="0"/>
             <a:r>
-              <a:rPr lang="en-US" smtClean="0"/>
+              <a:rPr lang="en-US"/>
               <a:t>Click to edit Master text styles</a:t>
             </a:r>
           </a:p>
@@ -6051,38 +5934,37 @@
           <a:p>
             <a:pPr lvl="0"/>
             <a:r>
-              <a:rPr lang="en-US" smtClean="0"/>
+              <a:rPr lang="en-US"/>
               <a:t>Click to edit Master text styles</a:t>
             </a:r>
           </a:p>
           <a:p>
             <a:pPr lvl="1"/>
             <a:r>
-              <a:rPr lang="en-US" smtClean="0"/>
+              <a:rPr lang="en-US"/>
               <a:t>Second level</a:t>
             </a:r>
           </a:p>
           <a:p>
             <a:pPr lvl="2"/>
             <a:r>
-              <a:rPr lang="en-US" smtClean="0"/>
+              <a:rPr lang="en-US"/>
               <a:t>Third level</a:t>
             </a:r>
           </a:p>
           <a:p>
             <a:pPr lvl="3"/>
             <a:r>
-              <a:rPr lang="en-US" smtClean="0"/>
+              <a:rPr lang="en-US"/>
               <a:t>Fourth level</a:t>
             </a:r>
           </a:p>
           <a:p>
             <a:pPr lvl="4"/>
             <a:r>
-              <a:rPr lang="en-US" smtClean="0"/>
+              <a:rPr lang="en-US"/>
               <a:t>Fifth level</a:t>
             </a:r>
-            <a:endParaRPr lang="en-US"/>
           </a:p>
         </p:txBody>
       </p:sp>
@@ -6145,7 +6027,7 @@
           <a:p>
             <a:pPr lvl="0"/>
             <a:r>
-              <a:rPr lang="en-US" smtClean="0"/>
+              <a:rPr lang="en-US"/>
               <a:t>Click to edit Master text styles</a:t>
             </a:r>
           </a:p>
@@ -6201,38 +6083,37 @@
           <a:p>
             <a:pPr lvl="0"/>
             <a:r>
-              <a:rPr lang="en-US" smtClean="0"/>
+              <a:rPr lang="en-US"/>
               <a:t>Click to edit Master text styles</a:t>
             </a:r>
           </a:p>
           <a:p>
             <a:pPr lvl="1"/>
             <a:r>
-              <a:rPr lang="en-US" smtClean="0"/>
+              <a:rPr lang="en-US"/>
               <a:t>Second level</a:t>
             </a:r>
           </a:p>
           <a:p>
             <a:pPr lvl="2"/>
             <a:r>
-              <a:rPr lang="en-US" smtClean="0"/>
+              <a:rPr lang="en-US"/>
               <a:t>Third level</a:t>
             </a:r>
           </a:p>
           <a:p>
             <a:pPr lvl="3"/>
             <a:r>
-              <a:rPr lang="en-US" smtClean="0"/>
+              <a:rPr lang="en-US"/>
               <a:t>Fourth level</a:t>
             </a:r>
           </a:p>
           <a:p>
             <a:pPr lvl="4"/>
             <a:r>
-              <a:rPr lang="en-US" smtClean="0"/>
+              <a:rPr lang="en-US"/>
               <a:t>Fifth level</a:t>
             </a:r>
-            <a:endParaRPr lang="en-US"/>
           </a:p>
         </p:txBody>
       </p:sp>
@@ -6253,7 +6134,7 @@
           <a:p>
             <a:fld id="{3536A633-E76F-4E07-A3AE-A7A784889AE2}" type="datetime1">
               <a:rPr lang="en-US" smtClean="0"/>
-              <a:t>8/13/2015</a:t>
+              <a:t>7/26/2016</a:t>
             </a:fld>
             <a:endParaRPr lang="en-US" dirty="0"/>
           </a:p>
@@ -6343,10 +6224,9 @@
           <a:lstStyle/>
           <a:p>
             <a:r>
-              <a:rPr lang="en-US" smtClean="0"/>
+              <a:rPr lang="en-US"/>
               <a:t>Click to edit Master title style</a:t>
             </a:r>
-            <a:endParaRPr lang="en-US"/>
           </a:p>
         </p:txBody>
       </p:sp>
@@ -6367,7 +6247,7 @@
           <a:p>
             <a:fld id="{61CB5BDE-D72B-4A3A-925B-2A5C22F639AF}" type="datetime1">
               <a:rPr lang="en-US" smtClean="0"/>
-              <a:t>8/13/2015</a:t>
+              <a:t>7/26/2016</a:t>
             </a:fld>
             <a:endParaRPr lang="en-US" dirty="0"/>
           </a:p>
@@ -6458,7 +6338,7 @@
           <a:p>
             <a:fld id="{A24C7B69-131B-4374-A9CC-0845A85B9B89}" type="datetime1">
               <a:rPr lang="en-US" smtClean="0"/>
-              <a:t>8/13/2015</a:t>
+              <a:t>7/26/2016</a:t>
             </a:fld>
             <a:endParaRPr lang="en-US" dirty="0"/>
           </a:p>
@@ -6512,13 +6392,6 @@
   <p:clrMapOvr>
     <a:masterClrMapping/>
   </p:clrMapOvr>
-  <p:timing>
-    <p:tnLst>
-      <p:par>
-        <p:cTn id="1" dur="indefinite" restart="never" nodeType="tmRoot"/>
-      </p:par>
-    </p:tnLst>
-  </p:timing>
 </p:sldLayout>
 </file>
 
@@ -6564,10 +6437,9 @@
           </a:lstStyle>
           <a:p>
             <a:r>
-              <a:rPr lang="en-US" smtClean="0"/>
+              <a:rPr lang="en-US"/>
               <a:t>Click to edit Master title style</a:t>
             </a:r>
-            <a:endParaRPr lang="en-US"/>
           </a:p>
         </p:txBody>
       </p:sp>
@@ -6621,38 +6493,37 @@
           <a:p>
             <a:pPr lvl="0"/>
             <a:r>
-              <a:rPr lang="en-US" smtClean="0"/>
+              <a:rPr lang="en-US"/>
               <a:t>Click to edit Master text styles</a:t>
             </a:r>
           </a:p>
           <a:p>
             <a:pPr lvl="1"/>
             <a:r>
-              <a:rPr lang="en-US" smtClean="0"/>
+              <a:rPr lang="en-US"/>
               <a:t>Second level</a:t>
             </a:r>
           </a:p>
           <a:p>
             <a:pPr lvl="2"/>
             <a:r>
-              <a:rPr lang="en-US" smtClean="0"/>
+              <a:rPr lang="en-US"/>
               <a:t>Third level</a:t>
             </a:r>
           </a:p>
           <a:p>
             <a:pPr lvl="3"/>
             <a:r>
-              <a:rPr lang="en-US" smtClean="0"/>
+              <a:rPr lang="en-US"/>
               <a:t>Fourth level</a:t>
             </a:r>
           </a:p>
           <a:p>
             <a:pPr lvl="4"/>
             <a:r>
-              <a:rPr lang="en-US" smtClean="0"/>
+              <a:rPr lang="en-US"/>
               <a:t>Fifth level</a:t>
             </a:r>
-            <a:endParaRPr lang="en-US"/>
           </a:p>
         </p:txBody>
       </p:sp>
@@ -6715,7 +6586,7 @@
           <a:p>
             <a:pPr lvl="0"/>
             <a:r>
-              <a:rPr lang="en-US" smtClean="0"/>
+              <a:rPr lang="en-US"/>
               <a:t>Click to edit Master text styles</a:t>
             </a:r>
           </a:p>
@@ -6738,7 +6609,7 @@
           <a:p>
             <a:fld id="{2F57E60E-10B6-4F85-8F8E-D3A8141030E0}" type="datetime1">
               <a:rPr lang="en-US" smtClean="0"/>
-              <a:t>8/13/2015</a:t>
+              <a:t>7/26/2016</a:t>
             </a:fld>
             <a:endParaRPr lang="en-US" dirty="0"/>
           </a:p>
@@ -6855,10 +6726,9 @@
           <a:lstStyle/>
           <a:p>
             <a:r>
-              <a:rPr lang="en-US" smtClean="0"/>
+              <a:rPr lang="en-US"/>
               <a:t>Click to edit Master title style</a:t>
             </a:r>
-            <a:endParaRPr lang="en-US"/>
           </a:p>
         </p:txBody>
       </p:sp>
@@ -6889,38 +6759,37 @@
           <a:p>
             <a:pPr lvl="0"/>
             <a:r>
-              <a:rPr lang="en-US" smtClean="0"/>
+              <a:rPr lang="en-US"/>
               <a:t>Click to edit Master text styles</a:t>
             </a:r>
           </a:p>
           <a:p>
             <a:pPr lvl="1"/>
             <a:r>
-              <a:rPr lang="en-US" smtClean="0"/>
+              <a:rPr lang="en-US"/>
               <a:t>Second level</a:t>
             </a:r>
           </a:p>
           <a:p>
             <a:pPr lvl="2"/>
             <a:r>
-              <a:rPr lang="en-US" smtClean="0"/>
+              <a:rPr lang="en-US"/>
               <a:t>Third level</a:t>
             </a:r>
           </a:p>
           <a:p>
             <a:pPr lvl="3"/>
             <a:r>
-              <a:rPr lang="en-US" smtClean="0"/>
+              <a:rPr lang="en-US"/>
               <a:t>Fourth level</a:t>
             </a:r>
           </a:p>
           <a:p>
             <a:pPr lvl="4"/>
             <a:r>
-              <a:rPr lang="en-US" smtClean="0"/>
+              <a:rPr lang="en-US"/>
               <a:t>Fifth level</a:t>
             </a:r>
-            <a:endParaRPr lang="en-US"/>
           </a:p>
         </p:txBody>
       </p:sp>
@@ -6959,7 +6828,7 @@
           <a:p>
             <a:fld id="{8684A8BA-DEEC-47D2-87F9-8204232D7DB8}" type="datetime1">
               <a:rPr lang="en-US" smtClean="0"/>
-              <a:t>8/13/2015</a:t>
+              <a:t>7/26/2016</a:t>
             </a:fld>
             <a:endParaRPr lang="en-US" dirty="0"/>
           </a:p>
@@ -7061,13 +6930,6 @@
     <p:sldLayoutId id="2147483658" r:id="rId11"/>
     <p:sldLayoutId id="2147483659" r:id="rId12"/>
   </p:sldLayoutIdLst>
-  <p:timing>
-    <p:tnLst>
-      <p:par>
-        <p:cTn id="1" dur="indefinite" restart="never" nodeType="tmRoot"/>
-      </p:par>
-    </p:tnLst>
-  </p:timing>
   <p:hf hdr="0" ftr="0" dt="0"/>
   <p:txStyles>
     <p:titleStyle>
@@ -7370,10 +7232,9 @@
           <a:lstStyle/>
           <a:p>
             <a:r>
-              <a:rPr lang="en-US" smtClean="0"/>
+              <a:rPr lang="en-US"/>
               <a:t>Click to edit Master title style</a:t>
             </a:r>
-            <a:endParaRPr lang="en-US"/>
           </a:p>
         </p:txBody>
       </p:sp>
@@ -7404,38 +7265,37 @@
           <a:p>
             <a:pPr lvl="0"/>
             <a:r>
-              <a:rPr lang="en-US" smtClean="0"/>
+              <a:rPr lang="en-US"/>
               <a:t>Click to edit Master text styles</a:t>
             </a:r>
           </a:p>
           <a:p>
             <a:pPr lvl="1"/>
             <a:r>
-              <a:rPr lang="en-US" smtClean="0"/>
+              <a:rPr lang="en-US"/>
               <a:t>Second level</a:t>
             </a:r>
           </a:p>
           <a:p>
             <a:pPr lvl="2"/>
             <a:r>
-              <a:rPr lang="en-US" smtClean="0"/>
+              <a:rPr lang="en-US"/>
               <a:t>Third level</a:t>
             </a:r>
           </a:p>
           <a:p>
             <a:pPr lvl="3"/>
             <a:r>
-              <a:rPr lang="en-US" smtClean="0"/>
+              <a:rPr lang="en-US"/>
               <a:t>Fourth level</a:t>
             </a:r>
           </a:p>
           <a:p>
             <a:pPr lvl="4"/>
             <a:r>
-              <a:rPr lang="en-US" smtClean="0"/>
+              <a:rPr lang="en-US"/>
               <a:t>Fifth level</a:t>
             </a:r>
-            <a:endParaRPr lang="en-US"/>
           </a:p>
         </p:txBody>
       </p:sp>
@@ -7481,7 +7341,7 @@
                 </a:solidFill>
               </a:rPr>
               <a:pPr/>
-              <a:t>8/13/2015</a:t>
+              <a:t>7/26/2016</a:t>
             </a:fld>
             <a:endParaRPr lang="en-US">
               <a:solidFill>
@@ -7614,13 +7474,6 @@
     <p:sldLayoutId id="2147483674" r:id="rId13"/>
     <p:sldLayoutId id="2147483675" r:id="rId14"/>
   </p:sldLayoutIdLst>
-  <p:timing>
-    <p:tnLst>
-      <p:par>
-        <p:cTn id="1" dur="indefinite" restart="never" nodeType="tmRoot"/>
-      </p:par>
-    </p:tnLst>
-  </p:timing>
   <p:hf hdr="0" ftr="0" dt="0"/>
   <p:txStyles>
     <p:titleStyle>
@@ -7908,10 +7761,9 @@
           <a:lstStyle/>
           <a:p>
             <a:r>
-              <a:rPr lang="en-US" dirty="0" smtClean="0"/>
+              <a:rPr lang="en-US" dirty="0"/>
               <a:t>Design Strategies 3: Divide into cases</a:t>
             </a:r>
-            <a:endParaRPr lang="en-US" dirty="0"/>
           </a:p>
         </p:txBody>
       </p:sp>
@@ -7938,13 +7790,8 @@
           <a:p>
             <a:r>
               <a:rPr lang="en-US" dirty="0"/>
-              <a:t>Lesson </a:t>
-            </a:r>
-            <a:r>
-              <a:rPr lang="en-US" dirty="0" smtClean="0"/>
-              <a:t>1.7</a:t>
-            </a:r>
-            <a:endParaRPr lang="en-US" dirty="0"/>
+              <a:t>Lesson 2.2</a:t>
+            </a:r>
           </a:p>
           <a:p>
             <a:endParaRPr lang="en-US" dirty="0"/>
@@ -8043,27 +7890,13 @@
             <a:p>
               <a:r>
                 <a:rPr lang="en-US" sz="1000" dirty="0"/>
-                <a:t>© Mitchell Wand, </a:t>
-              </a:r>
-              <a:r>
-                <a:rPr lang="en-US" sz="1000" dirty="0" smtClean="0"/>
-                <a:t>2012-2014</a:t>
+                <a:t>© Mitchell Wand, 2012-2014</a:t>
               </a:r>
             </a:p>
             <a:p>
               <a:r>
-                <a:rPr lang="en-US" sz="1000" dirty="0" smtClean="0"/>
+                <a:rPr lang="en-US" sz="1000" dirty="0"/>
                 <a:t>This work is licensed under a </a:t>
-              </a:r>
-              <a:r>
-                <a:rPr lang="en-US" altLang="en-US" sz="1000" dirty="0" smtClean="0">
-                  <a:solidFill>
-                    <a:srgbClr val="4374B7"/>
-                  </a:solidFill>
-                  <a:latin typeface="Helvetica Neue"/>
-                  <a:hlinkClick r:id="rId3"/>
-                </a:rPr>
-                <a:t>Creative </a:t>
               </a:r>
               <a:r>
                 <a:rPr lang="en-US" altLang="en-US" sz="1000" dirty="0">
@@ -8073,13 +7906,12 @@
                   <a:latin typeface="Helvetica Neue"/>
                   <a:hlinkClick r:id="rId3"/>
                 </a:rPr>
-                <a:t>Commons Attribution-NonCommercial 4.0 International License</a:t>
+                <a:t>Creative Commons Attribution-NonCommercial 4.0 International License</a:t>
               </a:r>
               <a:r>
-                <a:rPr lang="en-US" sz="1000" dirty="0" smtClean="0"/>
+                <a:rPr lang="en-US" sz="1000" dirty="0"/>
                 <a:t>.</a:t>
               </a:r>
-              <a:endParaRPr lang="en-US" sz="1000" dirty="0"/>
             </a:p>
           </p:txBody>
         </p:sp>
@@ -8094,13 +7926,6 @@
   <p:clrMapOvr>
     <a:masterClrMapping/>
   </p:clrMapOvr>
-  <p:timing>
-    <p:tnLst>
-      <p:par>
-        <p:cTn id="1" dur="indefinite" restart="never" nodeType="tmRoot"/>
-      </p:par>
-    </p:tnLst>
-  </p:timing>
 </p:sld>
 </file>
 
@@ -8137,10 +7962,9 @@
           <a:lstStyle/>
           <a:p>
             <a:r>
-              <a:rPr lang="en-US" dirty="0" smtClean="0"/>
+              <a:rPr lang="en-US" dirty="0"/>
               <a:t>Next Steps</a:t>
             </a:r>
-            <a:endParaRPr lang="en-US" dirty="0"/>
           </a:p>
         </p:txBody>
       </p:sp>
@@ -8161,19 +7985,14 @@
           <a:p>
             <a:r>
               <a:rPr lang="en-US" dirty="0"/>
-              <a:t>If you have questions or comments about this lesson, post them on the discussion board</a:t>
-            </a:r>
-            <a:r>
-              <a:rPr lang="en-US" dirty="0" smtClean="0"/>
-              <a:t>.</a:t>
-            </a:r>
-          </a:p>
-          <a:p>
-            <a:r>
-              <a:rPr lang="en-US" dirty="0" smtClean="0"/>
+              <a:t>If you have questions or comments about this lesson, post them on the discussion board.</a:t>
+            </a:r>
+          </a:p>
+          <a:p>
+            <a:r>
+              <a:rPr lang="en-US" dirty="0"/>
               <a:t>Go on to the next lesson</a:t>
             </a:r>
-            <a:endParaRPr lang="en-US" dirty="0"/>
           </a:p>
         </p:txBody>
       </p:sp>
@@ -8211,13 +8030,6 @@
   <p:clrMapOvr>
     <a:masterClrMapping/>
   </p:clrMapOvr>
-  <p:timing>
-    <p:tnLst>
-      <p:par>
-        <p:cTn id="1" dur="indefinite" restart="never" nodeType="tmRoot"/>
-      </p:par>
-    </p:tnLst>
-  </p:timing>
 </p:sld>
 </file>
 
@@ -8273,10 +8085,9 @@
           <a:p>
             <a:pPr algn="ctr"/>
             <a:r>
-              <a:rPr lang="en-US" dirty="0" smtClean="0"/>
+              <a:rPr lang="en-US" dirty="0"/>
               <a:t>Generalization</a:t>
             </a:r>
-            <a:endParaRPr lang="en-US" dirty="0"/>
           </a:p>
         </p:txBody>
       </p:sp>
@@ -8321,10 +8132,9 @@
           <a:p>
             <a:pPr algn="ctr"/>
             <a:r>
-              <a:rPr lang="en-US" dirty="0" smtClean="0"/>
+              <a:rPr lang="en-US" dirty="0"/>
               <a:t>Over Constants</a:t>
             </a:r>
-            <a:endParaRPr lang="en-US" dirty="0"/>
           </a:p>
         </p:txBody>
       </p:sp>
@@ -8369,7 +8179,7 @@
           <a:p>
             <a:pPr algn="ctr"/>
             <a:r>
-              <a:rPr lang="en-US" dirty="0" smtClean="0"/>
+              <a:rPr lang="en-US" dirty="0"/>
               <a:t>Over Expressions</a:t>
             </a:r>
           </a:p>
@@ -8416,10 +8226,9 @@
           <a:p>
             <a:pPr algn="ctr"/>
             <a:r>
-              <a:rPr lang="en-US" dirty="0" smtClean="0"/>
+              <a:rPr lang="en-US" dirty="0"/>
               <a:t>Over Contexts</a:t>
             </a:r>
-            <a:endParaRPr lang="en-US" dirty="0"/>
           </a:p>
         </p:txBody>
       </p:sp>
@@ -8464,10 +8273,9 @@
           <a:p>
             <a:pPr algn="ctr"/>
             <a:r>
-              <a:rPr lang="en-US" dirty="0" smtClean="0"/>
+              <a:rPr lang="en-US" dirty="0"/>
               <a:t>Over Data Representations</a:t>
             </a:r>
-            <a:endParaRPr lang="en-US" dirty="0"/>
           </a:p>
         </p:txBody>
       </p:sp>
@@ -8512,10 +8320,9 @@
           <a:p>
             <a:pPr algn="ctr"/>
             <a:r>
-              <a:rPr lang="en-US" dirty="0" smtClean="0"/>
+              <a:rPr lang="en-US" dirty="0"/>
               <a:t>Over Method Implementations</a:t>
             </a:r>
-            <a:endParaRPr lang="en-US" dirty="0"/>
           </a:p>
         </p:txBody>
       </p:sp>
@@ -8570,10 +8377,9 @@
             <a:p>
               <a:pPr algn="ctr"/>
               <a:r>
-                <a:rPr lang="en-US" dirty="0" smtClean="0"/>
+                <a:rPr lang="en-US" dirty="0"/>
                 <a:t>Mixed Data</a:t>
               </a:r>
-              <a:endParaRPr lang="en-US" dirty="0"/>
             </a:p>
           </p:txBody>
         </p:sp>
@@ -8612,10 +8418,9 @@
             <a:p>
               <a:pPr algn="ctr"/>
               <a:r>
-                <a:rPr lang="en-US" dirty="0" smtClean="0"/>
+                <a:rPr lang="en-US" dirty="0"/>
                 <a:t>Data Representations</a:t>
               </a:r>
-              <a:endParaRPr lang="en-US" dirty="0"/>
             </a:p>
           </p:txBody>
         </p:sp>
@@ -8656,10 +8461,9 @@
             <a:p>
               <a:pPr algn="ctr"/>
               <a:r>
-                <a:rPr lang="en-US" dirty="0" smtClean="0"/>
+                <a:rPr lang="en-US" dirty="0"/>
                 <a:t>Basics</a:t>
               </a:r>
-              <a:endParaRPr lang="en-US" dirty="0"/>
             </a:p>
           </p:txBody>
         </p:sp>
@@ -8704,10 +8508,9 @@
             <a:p>
               <a:pPr algn="ctr"/>
               <a:r>
-                <a:rPr lang="en-US" dirty="0" smtClean="0"/>
+                <a:rPr lang="en-US" dirty="0"/>
                 <a:t>Recursive Data</a:t>
               </a:r>
-              <a:endParaRPr lang="en-US" dirty="0"/>
             </a:p>
           </p:txBody>
         </p:sp>
@@ -8752,10 +8555,9 @@
             <a:p>
               <a:pPr algn="ctr"/>
               <a:r>
-                <a:rPr lang="en-US" dirty="0" smtClean="0"/>
+                <a:rPr lang="en-US" dirty="0"/>
                 <a:t>Functional Data</a:t>
               </a:r>
-              <a:endParaRPr lang="en-US" dirty="0"/>
             </a:p>
           </p:txBody>
         </p:sp>
@@ -8800,10 +8602,9 @@
             <a:p>
               <a:pPr algn="ctr"/>
               <a:r>
-                <a:rPr lang="en-US" dirty="0" smtClean="0"/>
+                <a:rPr lang="en-US" dirty="0"/>
                 <a:t>Objects &amp; Classes</a:t>
               </a:r>
-              <a:endParaRPr lang="en-US" dirty="0"/>
             </a:p>
           </p:txBody>
         </p:sp>
@@ -8848,14 +8649,13 @@
             <a:p>
               <a:pPr algn="ctr"/>
               <a:r>
-                <a:rPr lang="en-US" dirty="0" err="1" smtClean="0"/>
+                <a:rPr lang="en-US" dirty="0" err="1"/>
                 <a:t>Stateful</a:t>
               </a:r>
               <a:r>
-                <a:rPr lang="en-US" dirty="0" smtClean="0"/>
+                <a:rPr lang="en-US" dirty="0"/>
                 <a:t> Objects</a:t>
               </a:r>
-              <a:endParaRPr lang="en-US" dirty="0"/>
             </a:p>
           </p:txBody>
         </p:sp>
@@ -8981,10 +8781,9 @@
             <a:p>
               <a:pPr algn="ctr"/>
               <a:r>
-                <a:rPr lang="en-US" dirty="0" smtClean="0"/>
+                <a:rPr lang="en-US" dirty="0"/>
                 <a:t>Design Strategies</a:t>
               </a:r>
-              <a:endParaRPr lang="en-US" dirty="0"/>
             </a:p>
           </p:txBody>
         </p:sp>
@@ -9029,10 +8828,9 @@
             <a:p>
               <a:pPr algn="ctr"/>
               <a:r>
-                <a:rPr lang="en-US" dirty="0" smtClean="0"/>
+                <a:rPr lang="en-US" dirty="0"/>
                 <a:t>Combine simpler functions</a:t>
               </a:r>
-              <a:endParaRPr lang="en-US" dirty="0"/>
             </a:p>
           </p:txBody>
         </p:sp>
@@ -9077,10 +8875,9 @@
             <a:p>
               <a:pPr algn="ctr"/>
               <a:r>
-                <a:rPr lang="en-US" dirty="0" smtClean="0"/>
+                <a:rPr lang="en-US" dirty="0"/>
                 <a:t>Call a more general function</a:t>
               </a:r>
-              <a:endParaRPr lang="en-US" dirty="0"/>
             </a:p>
           </p:txBody>
         </p:sp>
@@ -9125,10 +8922,9 @@
             <a:p>
               <a:pPr algn="ctr"/>
               <a:r>
-                <a:rPr lang="en-US" dirty="0" smtClean="0"/>
+                <a:rPr lang="en-US" dirty="0"/>
                 <a:t>Communicate via State</a:t>
               </a:r>
-              <a:endParaRPr lang="en-US" dirty="0"/>
             </a:p>
           </p:txBody>
         </p:sp>
@@ -9498,7 +9294,7 @@
           <a:p>
             <a:pPr algn="ctr"/>
             <a:r>
-              <a:rPr lang="en-US" sz="4400" dirty="0" smtClean="0"/>
+              <a:rPr lang="en-US" sz="4400" dirty="0"/>
               <a:t>Lesson 2.1</a:t>
             </a:r>
             <a:endParaRPr lang="en-US" sz="4400" dirty="0">
@@ -9715,10 +9511,9 @@
           <a:p>
             <a:pPr algn="ctr"/>
             <a:r>
-              <a:rPr lang="en-US" dirty="0" smtClean="0"/>
+              <a:rPr lang="en-US" dirty="0"/>
               <a:t>Divide into Cases</a:t>
             </a:r>
-            <a:endParaRPr lang="en-US" dirty="0"/>
           </a:p>
         </p:txBody>
       </p:sp>
@@ -9763,10 +9558,9 @@
           <a:p>
             <a:pPr algn="ctr"/>
             <a:r>
-              <a:rPr lang="en-US" dirty="0" smtClean="0"/>
+              <a:rPr lang="en-US" dirty="0"/>
               <a:t>Use a template</a:t>
             </a:r>
-            <a:endParaRPr lang="en-US" dirty="0"/>
           </a:p>
         </p:txBody>
       </p:sp>
@@ -9780,13 +9574,6 @@
   <p:clrMapOvr>
     <a:masterClrMapping/>
   </p:clrMapOvr>
-  <p:timing>
-    <p:tnLst>
-      <p:par>
-        <p:cTn id="1" dur="indefinite" restart="never" nodeType="tmRoot"/>
-      </p:par>
-    </p:tnLst>
-  </p:timing>
 </p:sld>
 </file>
 
@@ -9825,10 +9612,9 @@
           <a:lstStyle/>
           <a:p>
             <a:r>
-              <a:rPr lang="en-US" dirty="0" smtClean="0"/>
+              <a:rPr lang="en-US" dirty="0"/>
               <a:t>Divide into cases on &lt;condition&gt;</a:t>
             </a:r>
-            <a:endParaRPr lang="en-US" dirty="0"/>
           </a:p>
         </p:txBody>
       </p:sp>
@@ -9850,22 +9636,22 @@
           <a:lstStyle/>
           <a:p>
             <a:r>
-              <a:rPr lang="en-US" dirty="0" smtClean="0"/>
+              <a:rPr lang="en-US" dirty="0"/>
               <a:t>Sometimes you need to break up an argument in some way other than by its template.</a:t>
             </a:r>
           </a:p>
           <a:p>
             <a:r>
-              <a:rPr lang="en-US" dirty="0" smtClean="0"/>
+              <a:rPr lang="en-US" dirty="0"/>
               <a:t>We already saw this in Lesson 0.4 in the definition of </a:t>
             </a:r>
             <a:r>
-              <a:rPr lang="en-US" b="1" dirty="0" smtClean="0"/>
+              <a:rPr lang="en-US" b="1" dirty="0"/>
               <a:t>abs:</a:t>
             </a:r>
           </a:p>
           <a:p>
-            <a:endParaRPr lang="en-US" b="1" dirty="0" smtClean="0"/>
+            <a:endParaRPr lang="en-US" b="1" dirty="0"/>
           </a:p>
           <a:p>
             <a:pPr marL="0" indent="0">
@@ -9894,14 +9680,7 @@
                 <a:latin typeface="Consolas" panose="020B0609020204030204" pitchFamily="49" charset="0"/>
                 <a:cs typeface="Consolas" panose="020B0609020204030204" pitchFamily="49" charset="0"/>
               </a:rPr>
-              <a:t>; RETURNS: the absolute value of the given real number</a:t>
-            </a:r>
-            <a:r>
-              <a:rPr lang="en-US" sz="2000" b="1" dirty="0" smtClean="0">
-                <a:latin typeface="Consolas" panose="020B0609020204030204" pitchFamily="49" charset="0"/>
-                <a:cs typeface="Consolas" panose="020B0609020204030204" pitchFamily="49" charset="0"/>
-              </a:rPr>
-              <a:t>.</a:t>
+              <a:t>; RETURNS: the absolute value of the given real number.</a:t>
             </a:r>
           </a:p>
           <a:p>
@@ -9912,16 +9691,12 @@
               <a:buNone/>
             </a:pPr>
             <a:r>
-              <a:rPr lang="en-US" sz="2000" b="1" dirty="0" smtClean="0">
+              <a:rPr lang="en-US" sz="2000" b="1" dirty="0">
                 <a:latin typeface="Consolas" panose="020B0609020204030204" pitchFamily="49" charset="0"/>
                 <a:cs typeface="Consolas" panose="020B0609020204030204" pitchFamily="49" charset="0"/>
               </a:rPr>
               <a:t>; STRATEGY: divide into cases on sign of x</a:t>
             </a:r>
-            <a:endParaRPr lang="en-US" sz="2000" b="1" dirty="0">
-              <a:latin typeface="Consolas" panose="020B0609020204030204" pitchFamily="49" charset="0"/>
-              <a:cs typeface="Consolas" panose="020B0609020204030204" pitchFamily="49" charset="0"/>
-            </a:endParaRPr>
           </a:p>
           <a:p>
             <a:pPr marL="0" indent="0">
@@ -9982,10 +9757,6 @@
               </a:rPr>
               <a:t>      x))</a:t>
             </a:r>
-            <a:endParaRPr lang="en-US" sz="2000" b="1" dirty="0" smtClean="0">
-              <a:latin typeface="Consolas" panose="020B0609020204030204" pitchFamily="49" charset="0"/>
-              <a:cs typeface="Consolas" panose="020B0609020204030204" pitchFamily="49" charset="0"/>
-            </a:endParaRPr>
           </a:p>
         </p:txBody>
       </p:sp>
@@ -10023,13 +9794,6 @@
   <p:clrMapOvr>
     <a:masterClrMapping/>
   </p:clrMapOvr>
-  <p:timing>
-    <p:tnLst>
-      <p:par>
-        <p:cTn id="1" dur="indefinite" restart="never" nodeType="tmRoot"/>
-      </p:par>
-    </p:tnLst>
-  </p:timing>
 </p:sld>
 </file>
 
@@ -10066,10 +9830,9 @@
           <a:lstStyle/>
           <a:p>
             <a:r>
-              <a:rPr lang="en-US" dirty="0" smtClean="0"/>
+              <a:rPr lang="en-US" dirty="0"/>
               <a:t>Example: income tax</a:t>
             </a:r>
-            <a:endParaRPr lang="en-US" dirty="0"/>
           </a:p>
         </p:txBody>
       </p:sp>
@@ -10089,37 +9852,36 @@
           <a:lstStyle/>
           <a:p>
             <a:r>
-              <a:rPr lang="en-US" dirty="0" smtClean="0"/>
+              <a:rPr lang="en-US" dirty="0"/>
               <a:t>Imagine we are computing income tax in a system where there are three rates:</a:t>
             </a:r>
           </a:p>
           <a:p>
             <a:pPr lvl="1"/>
             <a:r>
-              <a:rPr lang="en-US" dirty="0" smtClean="0"/>
+              <a:rPr lang="en-US" dirty="0"/>
               <a:t>One on incomes less than $10,000</a:t>
             </a:r>
           </a:p>
           <a:p>
             <a:pPr lvl="1"/>
             <a:r>
-              <a:rPr lang="en-US" dirty="0" smtClean="0"/>
+              <a:rPr lang="en-US" dirty="0"/>
               <a:t>One on incomes between $10,000 and $20,000</a:t>
             </a:r>
           </a:p>
           <a:p>
             <a:pPr lvl="1"/>
             <a:r>
-              <a:rPr lang="en-US" dirty="0" smtClean="0"/>
+              <a:rPr lang="en-US" dirty="0"/>
               <a:t>One on incomes of $20,000 and over</a:t>
             </a:r>
           </a:p>
           <a:p>
             <a:r>
-              <a:rPr lang="en-US" dirty="0" smtClean="0"/>
+              <a:rPr lang="en-US" dirty="0"/>
               <a:t>The natural thing to do is to partition the income into three cases, corresponding to these three income ranges.</a:t>
             </a:r>
-            <a:endParaRPr lang="en-US" dirty="0"/>
           </a:p>
         </p:txBody>
       </p:sp>
@@ -10195,26 +9957,25 @@
           <a:lstStyle/>
           <a:p>
             <a:r>
-              <a:rPr lang="en-US" dirty="0" smtClean="0"/>
+              <a:rPr lang="en-US" dirty="0"/>
               <a:t>Write a </a:t>
             </a:r>
             <a:r>
-              <a:rPr lang="en-US" b="1" dirty="0" smtClean="0"/>
+              <a:rPr lang="en-US" b="1" dirty="0"/>
               <a:t>cond</a:t>
             </a:r>
             <a:r>
-              <a:rPr lang="en-US" dirty="0" smtClean="0"/>
+              <a:rPr lang="en-US" dirty="0"/>
               <a:t> or </a:t>
             </a:r>
             <a:r>
-              <a:rPr lang="en-US" b="1" dirty="0" smtClean="0"/>
+              <a:rPr lang="en-US" b="1" dirty="0"/>
               <a:t>if </a:t>
             </a:r>
             <a:r>
-              <a:rPr lang="en-US" dirty="0" smtClean="0"/>
+              <a:rPr lang="en-US" dirty="0"/>
               <a:t>that divides the data into the desired cases </a:t>
             </a:r>
-            <a:endParaRPr lang="en-US" dirty="0"/>
           </a:p>
         </p:txBody>
       </p:sp>
@@ -10268,7 +10029,7 @@
               <a:buNone/>
             </a:pPr>
             <a:r>
-              <a:rPr lang="en-US" sz="2400" b="1" dirty="0" smtClean="0">
+              <a:rPr lang="en-US" sz="2400" b="1" dirty="0">
                 <a:latin typeface="Consolas" pitchFamily="49" charset="0"/>
                 <a:cs typeface="Consolas" pitchFamily="49" charset="0"/>
               </a:rPr>
@@ -10280,7 +10041,7 @@
               <a:buNone/>
             </a:pPr>
             <a:r>
-              <a:rPr lang="en-US" sz="2400" b="1" dirty="0" smtClean="0">
+              <a:rPr lang="en-US" sz="2400" b="1" dirty="0">
                 <a:latin typeface="Consolas" pitchFamily="49" charset="0"/>
                 <a:cs typeface="Consolas" pitchFamily="49" charset="0"/>
               </a:rPr>
@@ -10292,7 +10053,7 @@
               <a:buNone/>
             </a:pPr>
             <a:r>
-              <a:rPr lang="en-US" sz="2400" b="1" dirty="0" smtClean="0">
+              <a:rPr lang="en-US" sz="2400" b="1" dirty="0">
                 <a:latin typeface="Consolas" pitchFamily="49" charset="0"/>
                 <a:cs typeface="Consolas" pitchFamily="49" charset="0"/>
               </a:rPr>
@@ -10304,7 +10065,7 @@
               <a:buNone/>
             </a:pPr>
             <a:r>
-              <a:rPr lang="en-US" sz="2400" b="1" dirty="0" smtClean="0">
+              <a:rPr lang="en-US" sz="2400" b="1" dirty="0">
                 <a:latin typeface="Consolas" pitchFamily="49" charset="0"/>
                 <a:cs typeface="Consolas" pitchFamily="49" charset="0"/>
               </a:rPr>
@@ -10316,7 +10077,7 @@
               <a:buNone/>
             </a:pPr>
             <a:r>
-              <a:rPr lang="en-US" sz="2400" b="1" dirty="0" smtClean="0">
+              <a:rPr lang="en-US" sz="2400" b="1" dirty="0">
                 <a:latin typeface="Consolas" pitchFamily="49" charset="0"/>
                 <a:cs typeface="Consolas" pitchFamily="49" charset="0"/>
               </a:rPr>
@@ -10328,7 +10089,7 @@
               <a:buNone/>
             </a:pPr>
             <a:r>
-              <a:rPr lang="en-US" sz="2400" b="1" dirty="0" smtClean="0">
+              <a:rPr lang="en-US" sz="2400" b="1" dirty="0">
                 <a:latin typeface="Consolas" pitchFamily="49" charset="0"/>
                 <a:cs typeface="Consolas" pitchFamily="49" charset="0"/>
               </a:rPr>
@@ -10340,7 +10101,7 @@
               <a:buNone/>
             </a:pPr>
             <a:r>
-              <a:rPr lang="en-US" sz="2400" b="1" dirty="0" smtClean="0">
+              <a:rPr lang="en-US" sz="2400" b="1" dirty="0">
                 <a:latin typeface="Consolas" pitchFamily="49" charset="0"/>
                 <a:cs typeface="Consolas" pitchFamily="49" charset="0"/>
               </a:rPr>
@@ -10371,13 +10132,6 @@
   <p:clrMapOvr>
     <a:masterClrMapping/>
   </p:clrMapOvr>
-  <p:timing>
-    <p:tnLst>
-      <p:par>
-        <p:cTn id="1" dur="indefinite" restart="never" nodeType="tmRoot"/>
-      </p:par>
-    </p:tnLst>
-  </p:timing>
 </p:sld>
 </file>
 
@@ -10462,7 +10216,7 @@
               <a:buNone/>
             </a:pPr>
             <a:r>
-              <a:rPr lang="en-US" sz="2000" b="1" dirty="0" smtClean="0">
+              <a:rPr lang="en-US" sz="2000" b="1" dirty="0">
                 <a:solidFill>
                   <a:srgbClr val="FF0000"/>
                 </a:solidFill>
@@ -10480,7 +10234,7 @@
               <a:buNone/>
             </a:pPr>
             <a:r>
-              <a:rPr lang="en-US" sz="2000" b="1" dirty="0" smtClean="0">
+              <a:rPr lang="en-US" sz="2000" b="1" dirty="0">
                 <a:solidFill>
                   <a:srgbClr val="FF0000"/>
                 </a:solidFill>
@@ -10498,7 +10252,7 @@
               <a:buNone/>
             </a:pPr>
             <a:r>
-              <a:rPr lang="en-US" sz="2000" b="1" dirty="0" smtClean="0">
+              <a:rPr lang="en-US" sz="2000" b="1" dirty="0">
                 <a:solidFill>
                   <a:srgbClr val="FF0000"/>
                 </a:solidFill>
@@ -10516,7 +10270,7 @@
               <a:buNone/>
             </a:pPr>
             <a:r>
-              <a:rPr lang="en-US" sz="2000" b="1" dirty="0" smtClean="0">
+              <a:rPr lang="en-US" sz="2000" b="1" dirty="0">
                 <a:solidFill>
                   <a:srgbClr val="FF0000"/>
                 </a:solidFill>
@@ -10534,16 +10288,6 @@
               <a:buNone/>
             </a:pPr>
             <a:r>
-              <a:rPr lang="en-US" sz="2000" b="1" dirty="0" smtClean="0">
-                <a:solidFill>
-                  <a:srgbClr val="FF0000"/>
-                </a:solidFill>
-                <a:latin typeface="Consolas" pitchFamily="49" charset="0"/>
-                <a:cs typeface="Consolas" pitchFamily="49" charset="0"/>
-              </a:rPr>
-              <a:t>;; STRATEGY: </a:t>
-            </a:r>
-            <a:r>
               <a:rPr lang="en-US" sz="2000" b="1" dirty="0">
                 <a:solidFill>
                   <a:srgbClr val="FF0000"/>
@@ -10551,17 +10295,7 @@
                 <a:latin typeface="Consolas" pitchFamily="49" charset="0"/>
                 <a:cs typeface="Consolas" pitchFamily="49" charset="0"/>
               </a:rPr>
-              <a:t>C</a:t>
-            </a:r>
-            <a:r>
-              <a:rPr lang="en-US" sz="2000" b="1" dirty="0" smtClean="0">
-                <a:solidFill>
-                  <a:srgbClr val="FF0000"/>
-                </a:solidFill>
-                <a:latin typeface="Consolas" pitchFamily="49" charset="0"/>
-                <a:cs typeface="Consolas" pitchFamily="49" charset="0"/>
-              </a:rPr>
-              <a:t>ases on amt </a:t>
+              <a:t>;; STRATEGY: Cases on amt </a:t>
             </a:r>
           </a:p>
           <a:p>
@@ -10572,7 +10306,7 @@
               <a:buNone/>
             </a:pPr>
             <a:r>
-              <a:rPr lang="en-US" sz="2000" b="1" dirty="0" smtClean="0">
+              <a:rPr lang="en-US" sz="2000" b="1" dirty="0">
                 <a:latin typeface="Consolas" pitchFamily="49" charset="0"/>
                 <a:cs typeface="Consolas" pitchFamily="49" charset="0"/>
               </a:rPr>
@@ -10587,7 +10321,7 @@
               <a:buNone/>
             </a:pPr>
             <a:r>
-              <a:rPr lang="en-US" sz="2000" b="1" dirty="0" smtClean="0">
+              <a:rPr lang="en-US" sz="2000" b="1" dirty="0">
                 <a:latin typeface="Consolas" pitchFamily="49" charset="0"/>
                 <a:cs typeface="Consolas" pitchFamily="49" charset="0"/>
               </a:rPr>
@@ -10602,7 +10336,7 @@
               <a:buNone/>
             </a:pPr>
             <a:r>
-              <a:rPr lang="en-US" sz="2000" b="1" dirty="0" smtClean="0">
+              <a:rPr lang="en-US" sz="2000" b="1" dirty="0">
                 <a:latin typeface="Consolas" pitchFamily="49" charset="0"/>
                 <a:cs typeface="Consolas" pitchFamily="49" charset="0"/>
               </a:rPr>
@@ -10617,7 +10351,7 @@
               <a:buNone/>
             </a:pPr>
             <a:r>
-              <a:rPr lang="en-US" sz="2000" b="1" dirty="0" smtClean="0">
+              <a:rPr lang="en-US" sz="2000" b="1" dirty="0">
                 <a:latin typeface="Consolas" pitchFamily="49" charset="0"/>
                 <a:cs typeface="Consolas" pitchFamily="49" charset="0"/>
               </a:rPr>
@@ -10632,7 +10366,7 @@
               <a:buNone/>
             </a:pPr>
             <a:r>
-              <a:rPr lang="en-US" sz="2000" b="1" dirty="0" smtClean="0">
+              <a:rPr lang="en-US" sz="2000" b="1" dirty="0">
                 <a:latin typeface="Consolas" pitchFamily="49" charset="0"/>
                 <a:cs typeface="Consolas" pitchFamily="49" charset="0"/>
               </a:rPr>
@@ -10696,12 +10430,8 @@
           <a:lstStyle/>
           <a:p>
             <a:r>
-              <a:rPr lang="en-US" sz="1600" dirty="0" smtClean="0"/>
-              <a:t>This is contract is sloppy. Currency </a:t>
-            </a:r>
-            <a:r>
               <a:rPr lang="en-US" sz="1600" dirty="0"/>
-              <a:t>amounts should never be </a:t>
+              <a:t>This is contract is sloppy. Currency amounts should never be </a:t>
             </a:r>
             <a:r>
               <a:rPr lang="en-US" sz="1600" b="1" dirty="0"/>
@@ -10709,13 +10439,8 @@
             </a:r>
             <a:r>
               <a:rPr lang="en-US" sz="1600" dirty="0"/>
-              <a:t>. They should always be integers, and units should be </a:t>
-            </a:r>
-            <a:r>
-              <a:rPr lang="en-US" sz="1600" dirty="0" smtClean="0"/>
-              <a:t>specified.   But we don't need to be so careful for this made-up example.</a:t>
-            </a:r>
-            <a:endParaRPr lang="en-US" sz="1600" dirty="0"/>
+              <a:t>. They should always be integers, and units should be specified.   But we don't need to be so careful for this made-up example.</a:t>
+            </a:r>
           </a:p>
         </p:txBody>
       </p:sp>
@@ -10816,13 +10541,6 @@
   <p:clrMapOvr>
     <a:masterClrMapping/>
   </p:clrMapOvr>
-  <p:timing>
-    <p:tnLst>
-      <p:par>
-        <p:cTn id="1" dur="indefinite" restart="never" nodeType="tmRoot"/>
-      </p:par>
-    </p:tnLst>
-  </p:timing>
 </p:sld>
 </file>
 
@@ -10861,10 +10579,9 @@
           <a:lstStyle/>
           <a:p>
             <a:r>
-              <a:rPr lang="en-US" dirty="0" smtClean="0"/>
+              <a:rPr lang="en-US" dirty="0"/>
               <a:t>Now fill in the blanks</a:t>
             </a:r>
-            <a:endParaRPr lang="en-US" dirty="0"/>
           </a:p>
         </p:txBody>
       </p:sp>
@@ -10888,45 +10605,13 @@
             <a:pPr>
               <a:buNone/>
             </a:pPr>
-            <a:r>
-              <a:rPr lang="en-US" sz="2400" b="1" dirty="0" smtClean="0">
-                <a:latin typeface="Consolas" pitchFamily="49" charset="0"/>
-                <a:cs typeface="Consolas" pitchFamily="49" charset="0"/>
-              </a:rPr>
-              <a:t>;; </a:t>
-            </a:r>
             <a:r>
               <a:rPr lang="en-US" sz="2400" b="1" dirty="0">
                 <a:latin typeface="Consolas" pitchFamily="49" charset="0"/>
                 <a:cs typeface="Consolas" pitchFamily="49" charset="0"/>
               </a:rPr>
-              <a:t>tax-on : </a:t>
-            </a:r>
-            <a:r>
-              <a:rPr lang="en-US" sz="2400" b="1" dirty="0" smtClean="0">
-                <a:latin typeface="Consolas" pitchFamily="49" charset="0"/>
-                <a:cs typeface="Consolas" pitchFamily="49" charset="0"/>
-              </a:rPr>
-              <a:t>NonNegReal </a:t>
-            </a:r>
-            <a:r>
-              <a:rPr lang="en-US" sz="2400" b="1" dirty="0">
-                <a:latin typeface="Consolas" pitchFamily="49" charset="0"/>
-                <a:cs typeface="Consolas" pitchFamily="49" charset="0"/>
-              </a:rPr>
-              <a:t>-&gt; </a:t>
-            </a:r>
-            <a:r>
-              <a:rPr lang="en-US" sz="2400" b="1" dirty="0" smtClean="0">
-                <a:latin typeface="Consolas" pitchFamily="49" charset="0"/>
-                <a:cs typeface="Consolas" pitchFamily="49" charset="0"/>
-              </a:rPr>
-              <a:t>NonNegReal</a:t>
-            </a:r>
-            <a:endParaRPr lang="en-US" sz="2400" b="1" dirty="0">
-              <a:latin typeface="Consolas" pitchFamily="49" charset="0"/>
-              <a:cs typeface="Consolas" pitchFamily="49" charset="0"/>
-            </a:endParaRPr>
+              <a:t>;; tax-on : NonNegReal -&gt; NonNegReal</a:t>
+            </a:r>
           </a:p>
           <a:p>
             <a:pPr>
@@ -10949,21 +10634,7 @@
                 <a:latin typeface="Consolas" pitchFamily="49" charset="0"/>
                 <a:cs typeface="Consolas" pitchFamily="49" charset="0"/>
               </a:rPr>
-              <a:t>;; </a:t>
-            </a:r>
-            <a:r>
-              <a:rPr lang="en-US" sz="2400" b="1" dirty="0" smtClean="0">
-                <a:latin typeface="Consolas" pitchFamily="49" charset="0"/>
-                <a:cs typeface="Consolas" pitchFamily="49" charset="0"/>
-              </a:rPr>
-              <a:t>RETURNS: </a:t>
-            </a:r>
-            <a:r>
-              <a:rPr lang="en-US" sz="2400" b="1" dirty="0">
-                <a:latin typeface="Consolas" pitchFamily="49" charset="0"/>
-                <a:cs typeface="Consolas" pitchFamily="49" charset="0"/>
-              </a:rPr>
-              <a:t>the tax on the income</a:t>
+              <a:t>;; RETURNS: the tax on the income</a:t>
             </a:r>
           </a:p>
           <a:p>
@@ -11004,7 +10675,7 @@
               <a:buNone/>
             </a:pPr>
             <a:r>
-              <a:rPr lang="en-US" sz="2400" b="1" dirty="0" smtClean="0">
+              <a:rPr lang="en-US" sz="2400" b="1" dirty="0">
                 <a:latin typeface="Consolas" pitchFamily="49" charset="0"/>
                 <a:cs typeface="Consolas" pitchFamily="49" charset="0"/>
               </a:rPr>
@@ -11016,7 +10687,7 @@
               <a:buNone/>
             </a:pPr>
             <a:r>
-              <a:rPr lang="en-US" sz="2400" b="1" dirty="0" smtClean="0">
+              <a:rPr lang="en-US" sz="2400" b="1" dirty="0">
                 <a:latin typeface="Consolas" pitchFamily="49" charset="0"/>
                 <a:cs typeface="Consolas" pitchFamily="49" charset="0"/>
               </a:rPr>
@@ -11028,7 +10699,7 @@
               <a:buNone/>
             </a:pPr>
             <a:r>
-              <a:rPr lang="en-US" sz="2400" b="1" dirty="0" smtClean="0">
+              <a:rPr lang="en-US" sz="2400" b="1" dirty="0">
                 <a:latin typeface="Consolas" pitchFamily="49" charset="0"/>
                 <a:cs typeface="Consolas" pitchFamily="49" charset="0"/>
               </a:rPr>
@@ -11040,7 +10711,7 @@
               <a:buNone/>
             </a:pPr>
             <a:r>
-              <a:rPr lang="en-US" sz="2400" b="1" dirty="0" smtClean="0">
+              <a:rPr lang="en-US" sz="2400" b="1" dirty="0">
                 <a:solidFill>
                   <a:srgbClr val="FF0000"/>
                 </a:solidFill>
@@ -11050,7 +10721,7 @@
               <a:t>      0</a:t>
             </a:r>
             <a:r>
-              <a:rPr lang="en-US" sz="2400" b="1" dirty="0" smtClean="0">
+              <a:rPr lang="en-US" sz="2400" b="1" dirty="0">
                 <a:latin typeface="Consolas" pitchFamily="49" charset="0"/>
                 <a:cs typeface="Consolas" pitchFamily="49" charset="0"/>
               </a:rPr>
@@ -11062,7 +10733,7 @@
               <a:buNone/>
             </a:pPr>
             <a:r>
-              <a:rPr lang="en-US" sz="2400" b="1" dirty="0" smtClean="0">
+              <a:rPr lang="en-US" sz="2400" b="1" dirty="0">
                 <a:latin typeface="Consolas" pitchFamily="49" charset="0"/>
                 <a:cs typeface="Consolas" pitchFamily="49" charset="0"/>
               </a:rPr>
@@ -11074,14 +10745,14 @@
               <a:buNone/>
             </a:pPr>
             <a:r>
-              <a:rPr lang="en-US" sz="2400" b="1" dirty="0" smtClean="0">
+              <a:rPr lang="en-US" sz="2400" b="1" dirty="0">
                 <a:latin typeface="Consolas" pitchFamily="49" charset="0"/>
                 <a:cs typeface="Consolas" pitchFamily="49" charset="0"/>
               </a:rPr>
               <a:t>     </a:t>
             </a:r>
             <a:r>
-              <a:rPr lang="en-US" sz="2400" b="1" dirty="0" smtClean="0">
+              <a:rPr lang="en-US" sz="2400" b="1" dirty="0">
                 <a:solidFill>
                   <a:srgbClr val="FF0000"/>
                 </a:solidFill>
@@ -11091,7 +10762,7 @@
               <a:t>(* 0.10 (- amt 10000))</a:t>
             </a:r>
             <a:r>
-              <a:rPr lang="en-US" sz="2400" b="1" dirty="0" smtClean="0">
+              <a:rPr lang="en-US" sz="2400" b="1" dirty="0">
                 <a:latin typeface="Consolas" pitchFamily="49" charset="0"/>
                 <a:cs typeface="Consolas" pitchFamily="49" charset="0"/>
               </a:rPr>
@@ -11103,7 +10774,7 @@
               <a:buNone/>
             </a:pPr>
             <a:r>
-              <a:rPr lang="en-US" sz="2400" b="1" dirty="0" smtClean="0">
+              <a:rPr lang="en-US" sz="2400" b="1" dirty="0">
                 <a:latin typeface="Consolas" pitchFamily="49" charset="0"/>
                 <a:cs typeface="Consolas" pitchFamily="49" charset="0"/>
               </a:rPr>
@@ -11115,14 +10786,14 @@
               <a:buNone/>
             </a:pPr>
             <a:r>
-              <a:rPr lang="en-US" sz="2400" b="1" dirty="0" smtClean="0">
+              <a:rPr lang="en-US" sz="2400" b="1" dirty="0">
                 <a:latin typeface="Consolas" pitchFamily="49" charset="0"/>
                 <a:cs typeface="Consolas" pitchFamily="49" charset="0"/>
               </a:rPr>
               <a:t>     </a:t>
             </a:r>
             <a:r>
-              <a:rPr lang="en-US" sz="2400" b="1" dirty="0" smtClean="0">
+              <a:rPr lang="en-US" sz="2400" b="1" dirty="0">
                 <a:solidFill>
                   <a:srgbClr val="FF0000"/>
                 </a:solidFill>
@@ -11132,7 +10803,7 @@
               <a:t>(+ 1000 (* 0.20 (- amt 20000)))</a:t>
             </a:r>
             <a:r>
-              <a:rPr lang="en-US" sz="2400" b="1" dirty="0" smtClean="0">
+              <a:rPr lang="en-US" sz="2400" b="1" dirty="0">
                 <a:latin typeface="Consolas" pitchFamily="49" charset="0"/>
                 <a:cs typeface="Consolas" pitchFamily="49" charset="0"/>
               </a:rPr>
@@ -11337,10 +11008,9 @@
           <a:lstStyle/>
           <a:p>
             <a:r>
-              <a:rPr lang="en-US" dirty="0" smtClean="0"/>
+              <a:rPr lang="en-US" dirty="0"/>
               <a:t>Another example</a:t>
             </a:r>
-            <a:endParaRPr lang="en-US" dirty="0"/>
           </a:p>
         </p:txBody>
       </p:sp>
@@ -11362,6 +11032,18 @@
             <a:r>
               <a:rPr lang="en-US" dirty="0"/>
               <a:t>;; ball-after-tick : Ball -&gt; Ball</a:t>
+            </a:r>
+          </a:p>
+          <a:p>
+            <a:r>
+              <a:rPr lang="en-US" dirty="0"/>
+              <a:t>;; GIVEN: The state of a ball b</a:t>
+            </a:r>
+          </a:p>
+          <a:p>
+            <a:r>
+              <a:rPr lang="en-US" dirty="0"/>
+              <a:t>;; RETURNS: the state of given ball at the next tick</a:t>
             </a:r>
           </a:p>
           <a:p>
@@ -11371,57 +11053,32 @@
                   <a:srgbClr val="FF0000"/>
                 </a:solidFill>
               </a:rPr>
-              <a:t>;; </a:t>
-            </a:r>
-            <a:r>
-              <a:rPr lang="en-US" dirty="0" smtClean="0">
-                <a:solidFill>
-                  <a:srgbClr val="FF0000"/>
-                </a:solidFill>
-              </a:rPr>
-              <a:t>STRATEGY: cases on whether ball would hit the wall on </a:t>
-            </a:r>
-          </a:p>
-          <a:p>
-            <a:r>
-              <a:rPr lang="en-US" dirty="0" smtClean="0">
+              <a:t>;; STRATEGY: cases on whether ball would hit the wall on </a:t>
+            </a:r>
+          </a:p>
+          <a:p>
+            <a:r>
+              <a:rPr lang="en-US" dirty="0">
                 <a:solidFill>
                   <a:srgbClr val="FF0000"/>
                 </a:solidFill>
               </a:rPr>
               <a:t>;; the next tick</a:t>
             </a:r>
-            <a:endParaRPr lang="en-US" dirty="0">
-              <a:solidFill>
-                <a:srgbClr val="FF0000"/>
-              </a:solidFill>
-            </a:endParaRPr>
-          </a:p>
-          <a:p>
-            <a:endParaRPr lang="en-US" dirty="0" smtClean="0"/>
-          </a:p>
-          <a:p>
-            <a:r>
-              <a:rPr lang="en-US" dirty="0" smtClean="0"/>
-              <a:t>(</a:t>
-            </a:r>
+          </a:p>
+          <a:p>
+            <a:endParaRPr lang="en-US" dirty="0"/>
+          </a:p>
+          <a:p>
             <a:r>
               <a:rPr lang="en-US" dirty="0"/>
-              <a:t>define (ball-after-tick b)</a:t>
+              <a:t>(define (ball-after-tick b)</a:t>
             </a:r>
           </a:p>
           <a:p>
             <a:r>
               <a:rPr lang="en-US" dirty="0"/>
-              <a:t>  (</a:t>
-            </a:r>
-            <a:r>
-              <a:rPr lang="en-US" dirty="0" smtClean="0"/>
-              <a:t>if (</a:t>
-            </a:r>
-            <a:r>
-              <a:rPr lang="en-US" dirty="0"/>
-              <a:t>ball-would-hit-wall? b)</a:t>
+              <a:t>  (if (ball-would-hit-wall? b)</a:t>
             </a:r>
           </a:p>
           <a:p>
@@ -11513,10 +11170,9 @@
           <a:lstStyle/>
           <a:p>
             <a:r>
-              <a:rPr lang="en-US" dirty="0" smtClean="0"/>
+              <a:rPr lang="en-US" dirty="0"/>
               <a:t>Where does cases fit in our menu of design strategies?</a:t>
             </a:r>
-            <a:endParaRPr lang="en-US" dirty="0"/>
           </a:p>
         </p:txBody>
       </p:sp>
@@ -11536,24 +11192,19 @@
           <a:lstStyle/>
           <a:p>
             <a:r>
-              <a:rPr lang="en-US" dirty="0" smtClean="0"/>
+              <a:rPr lang="en-US" dirty="0"/>
               <a:t>If you are inspecting a piece of enumeration or mixed data, you almost always want to use the template for that data type.</a:t>
             </a:r>
           </a:p>
           <a:p>
             <a:r>
-              <a:rPr lang="en-US" dirty="0" smtClean="0">
+              <a:rPr lang="en-US" dirty="0">
                 <a:solidFill>
                   <a:srgbClr val="FF0000"/>
                 </a:solidFill>
               </a:rPr>
               <a:t>Cases is just for when dividing up the data by the template doesn't work.</a:t>
             </a:r>
-            <a:endParaRPr lang="en-US" dirty="0">
-              <a:solidFill>
-                <a:srgbClr val="FF0000"/>
-              </a:solidFill>
-            </a:endParaRPr>
           </a:p>
         </p:txBody>
       </p:sp>
@@ -11591,13 +11242,6 @@
   <p:clrMapOvr>
     <a:masterClrMapping/>
   </p:clrMapOvr>
-  <p:timing>
-    <p:tnLst>
-      <p:par>
-        <p:cTn id="1" dur="indefinite" restart="never" nodeType="tmRoot"/>
-      </p:par>
-    </p:tnLst>
-  </p:timing>
 </p:sld>
 </file>
 
